--- a/MOD09_Big_O/01 Presentacion/INFO2_MOD10-Análisis de Algoritmos.pptx
+++ b/MOD09_Big_O/01 Presentacion/INFO2_MOD10-Análisis de Algoritmos.pptx
@@ -320,6 +320,425 @@
     </p:ext>
   </p:extLst>
 </p:presentation>
+</file>
+
+<file path=ppt/ink/ink1.xml><?xml version="1.0" encoding="utf-8"?>
+<inkml:ink xmlns:inkml="http://www.w3.org/2003/InkML">
+  <inkml:definitions>
+    <inkml:context xml:id="ctx0">
+      <inkml:inkSource xml:id="inkSrc0">
+        <inkml:traceFormat>
+          <inkml:channel name="X" type="integer" max="3440" units="cm"/>
+          <inkml:channel name="Y" type="integer" max="1440" units="cm"/>
+          <inkml:channel name="T" type="integer" max="2.14748E9" units="dev"/>
+        </inkml:traceFormat>
+        <inkml:channelProperties>
+          <inkml:channelProperty channel="X" name="resolution" value="43.10777" units="1/cm"/>
+          <inkml:channelProperty channel="Y" name="resolution" value="42.98507" units="1/cm"/>
+          <inkml:channelProperty channel="T" name="resolution" value="1" units="1/dev"/>
+        </inkml:channelProperties>
+      </inkml:inkSource>
+      <inkml:timestamp xml:id="ts0" timeString="2020-03-24T13:49:52.450"/>
+    </inkml:context>
+    <inkml:brush xml:id="br0">
+      <inkml:brushProperty name="width" value="0.05292" units="cm"/>
+      <inkml:brushProperty name="height" value="0.05292" units="cm"/>
+      <inkml:brushProperty name="color" value="#FF0000"/>
+    </inkml:brush>
+  </inkml:definitions>
+  <inkml:trace contextRef="#ctx0" brushRef="#br0">6122 7779 0,'0'10'78,"0"0"-63,0 0 63,10-10-62,-10 9-16,10-9 16,0 0-16,0 0 15,-10 10-15,9-10 47,1 0-31,0 0 15,0 0 0,0 10-15,0-10-16,0 0 0,0 10 16,0-10-16,0 0 31,0 0-16,0 0 1,0 0 0,-1 0-16,1 0 31,0 0 0,0 0-31,0 0 16,0 0-16,0 0 31,0 0-15,0 0-1,0 0-15,0 0 0,0 0 16,0 0 0,-10 10 15,9-10-16,-9 10-15,10-10 0,0 10 16,0-10-16,0 0 16,-10 10-16,10-10 0,-10 10 0,0 0 15,0 0-15,10-10 16,-10 10-16,0 0 16,10-10-16,-10 9 15,0 1-15,0 0 0,0 0 16,0 0-1,10-10 110,-10-10-125,0 0 16,10 10-16,0 0 0,-10-10 0,10 0 16,-1 10-16,-9-9 0,10 9 15,-10-10-15,10 10 0,0-10 0,0 10 0,0-10 0,-10 0 16,10 10-16,0 0 0,0-10 0,0 10 16,0 0-16,0 0 0,9-10 15,-9 10-15,10 0 0,-10 0 0,0 0 16,-10-10-16,10 10 0,0 0 0,0 0 0,0 0 0,0 0 15,0 0-15,0 0 16,-1 0 0,1 0-1,0 0 1,-10 10 0,10-10 15,0 0 0,0 0-31,0 0 0,0 0 16,0-10-16,0 0 0,0 0 15,0 10-15,-10-10 0,10 10 16,-10-10-16,9 10 0,1 0 16,-10-10-16,0 1 15,0-1-15,10 10 0,-10-10 16,10 10-1</inkml:trace>
+  <inkml:trace contextRef="#ctx0" brushRef="#br0" timeOffset="2489">10765 7729 0,'10'0'157,"0"0"-157,-10 10 0,10-10 0,0 10 15,0-10-15,0 0 16,0 0-1,0 0 17,0 0-17,0 0-15,-1 0 0,1 0 16,0 0 0,0 0-16,0 0 15,0 0-15,0 0 16,0 0-1,0 10 1,0-10 15,0 0-15,0 0-16,0 0 16,-1 0-16,1 0 15,0 0-15,0 0 63,0 0-48,0 0-15,0 0 0,0 0 16,0 0-16,0 0 0,-10 10 0,10-10 16,9 20-16,-19-10 15,10-10-15,-10 10 0,10-10 0,-10 9 16,10-9-16,-10 10 0,10-10 0,-10 10 15,0 0-15,0 0 16,10-10-16,-10 10 0,0 0 31,0 0 1,0 0-32,0 0 15,0 0 1,10-10 78,-10-10-79,10 10-15,-10-10 16,10 10-16,-10-10 0,0 0 15,10 10-15,0 0 0,-10-10 16,0 0-16,10 0 16,-10 0-16,10 10 0,-10-10 0,9 10 0,-9-10 15,10 10-15,0 0 0,0 0 0,-10-9 0,0-1 16,10 0-16,0 10 16,-10-10-16,10 10 0,-10-10 0,10 10 0,-10-10 15,10 10-15,0 0 0,0 0 16,-10-10-16,10 10 15,0 0-15,-10-10 0,9 10 0,1 0 16,0 0 0,0 0-1,0 0-15,0 0 16,0 0-16,0 0 0,0 0 16,-10 10-16,10-10 0,0 0 0,0 0 0,0 0 15,-1 0-15,1 0 0,0 0 16,0 0-16,0 0 0,-10 10 0,10-10 0,0 0 0,0 0 15,0 0-15,-10 10 0,10-10 0,0 0 0,0 0 16,-1 0-16,1 0 0,0 0 16,0 0-16,0 0 15</inkml:trace>
+  <inkml:trace contextRef="#ctx0" brushRef="#br0" timeOffset="5127.12">16560 6648 0,'0'-10'0,"-10"10"15,0 0-15,0-10 16,0 10-16,0 0 0,0 0 0,0 0 0,0 0 16,0 0-16,0 0 0,1 0 0,-1 0 0,0 0 0,0 0 0,0 0 15,0 0-15,0 0 0,0 0 0,0 0 0,0 0 16,-20 0-16,21 0 0,-1 0 15,0 0-15,0 0 0,0 0 0,0 0 0,0 0 16,0 0-16,0 0 0,0 0 0,-10 0 0,10 0 16,1 0-16,-11 0 0,10 0 0,0 0 0,-10 0 0,10 0 0,0 0 15,0 0-15,0 0 0,0 0 0,1 0 0</inkml:trace>
+  <inkml:trace contextRef="#ctx0" brushRef="#br0" timeOffset="6050.17">16103 6519 0,'-10'10'78,"0"-10"-62,10 10-16,-9-10 0,9 9 0,-10-9 0,0 10 16,0-10-16,10 10 0,-10-10 0,10 10 15,-10-10-15,10 10 0,-10 0 16,10 0-16,0 0 15,-10 0 1,10 0 0,-10 0-16,20-10 109,0 0-93,0 0-16,-10 10 15,10-10-15,0 0 0,0 0 16,-10 10-16,10-10 0,0 0 16,-1 0-16,1 0 0,0 9 15,0-9-15,-10 10 0,10-10 16,0 0-16,-10 10 0,10-10 0,0 0 15,0 10-15,0-10 0,-10 10 0,10-10 0,0 0 16,-10 10-16,9-10 0,1 0 0,0 0 16,0 0-16,0 10 47,0-10-47,-10 10 15</inkml:trace>
+  <inkml:trace contextRef="#ctx0" brushRef="#br0" timeOffset="7050.18">16580 7471 0,'0'-10'31,"-10"10"-15,0 0-1,0 0-15,0 0 0,0 0 0,0 0 0,0 0 16,0 0-16,-10 0 0,10 0 0,0 0 16,-9 0-16,9 0 0,0 0 0,0 0 0,0 10 15,0-10-15,0 0 0,0 0 0,0 0 16,0 0-16,0 0 0,10 10 0,-10-10 0,1 0 0,-1 0 16,0 0-16,0 0 0,0 0 0,0 0 15,0 0-15,0 0 0,0 0 0,0 0 16,0 0-16,0 0 15,0 0-15,1 0 0,-1 0 16,0 0-16,0 0 16,10 10-16,-10-10 0,0 0 0,0 0 15,0 0-15,0 0 16,0 0 15,0 0-31,0 0 16,1 0-16,-1 0 0,10 10 15,-10-10-15</inkml:trace>
+  <inkml:trace contextRef="#ctx0" brushRef="#br0" timeOffset="7788.17">16103 7392 0,'-10'0'62,"0"0"-62,1 0 16,9 10-16,-10-10 0,0 0 16,10 10-16,0 0 0,-10-10 15,10 9-15,-10-9 0,10 10 0,-10-10 0,10 10 0,-10-10 0,0 0 16,10 10-16,-10-10 0,10 10 16,0 0-16,-10-10 15,10 10 173,10-10-173,0 0-15,0 10 0,0-10 0,0 0 16,0 10-16,0-10 0,0 0 0,0 0 0,-1 0 16,1 0-16,0 10 0,0 0 0,0-10 0,0 0 15,0 0-15,-10 10 0,10-10 0,0 10 0,-10-1 16,10-9-16</inkml:trace>
+  <inkml:trace contextRef="#ctx0" brushRef="#br0" timeOffset="10103.16">7362 7868 0,'10'0'94,"0"0"-79,0 0-15,-10 10 0,10-10 16,0 0-16,0 0 0,0 0 0,-10 10 15,9-10-15,1 0 0,0 0 0,0 10 0,10-10 16,-10 0-16,-10 10 0,10-10 16,0 0 46,0 0-46,-10-10-16,10 10 15,-10-10-15,10 10 0,-10-10 16,10 10-16,-10-10 0,9 10 16,-9-10-16,10 10 0,0-10 15,0 10 17,-10-10-32,10 10 15,0 0 16,0 0 1,0 0-1,0 0-31,-10 10 16,10-10-16,-10 10 0,0 0 0,0 0 0,10-10 15,-10 10-15,0 0 0,0 0 0,10-10 0,-10 10 0,10 0 16,-10 0-16,9-10 15,1 0 95,0 0-95,-10-10-15,20 10 16,-10 0-16,-10-10 0,10 10 0,10-10 0,-10 10 16,-10-10-16,10 10 0,9 0 0,-19-10 15,10 10-15,0 0 0,0 0 0,0 0 16,0 0-16,0 0 0,-10-10 0,10 10 0,0 0 16,0 0-16,0 0 0,0 0 15,0 0 1,-1 0-16,1 0 15,0 0-15,0 0 16,0 0 0,0 0-16,0 0 15,-10-10-15,10 10 0,-10-10 16,10 10-16,0-10 0,0 10 0,-10-10 0,10 10 16,0 0-16,-10-10 0,9 10 15,-9-10-15,10 10 0,-10-9 0,10 9 16,-10-10-16</inkml:trace>
+  <inkml:trace contextRef="#ctx0" brushRef="#br0" timeOffset="17556.91">17810 7957 0,'10'0'31,"0"0"-15,0 0-16,0 0 31,-1 0-31,1 0 16,0 0 15,0 0-31,0 0 15,0 0 17,0 0-17,0 0-15,-10 10 0,10-10 0,0 0 16,0 0-16,-10 10 0,0 0 31,0 0-15,0 0-1,0 0-15,0 0 16,0 0-16,-10 0 0,10 0 16,0-1-16,-10-9 0,10 10 0,-10-10 15,10 10-15,0 0 0,-10 0 0,0 0 16,10 0-16,-10-10 16,10 10-16,-10-10 0,10 10 0,0 0 15,-10-10-15,10 10 0,0 0 16,-10-10-1,10 10 1,0-1-16,0 1 16,0 0-1,0 0-15,0 0 16,10-10 0,0 0-1,-10 10-15,10-10 0,0 10 0,0-10 16,0 0-16,0 0 0,0 0 15,0 0-15,0 0 0,-1 0 16,-18 0 31,-1 0-31,0 0-16,10 10 0,-20-10 0,10 10 15,0-10-15,10 10 0,-10-10 0,10 10 0,-10-10 16,0 0-16,10 10 0,-10-10 0,10 10 0,-10-10 0,10 9 15,-9 1-15,9 0 0,0 0 0,0 0 16,-10-10-16,10 10 0,0 0 0,0 0 16,0 0-16,0 0 0,0 0 15,0 0-15,0 0 0,0-1 0,0 1 0,0 0 16,10-10-16,-10 10 0,9-10 0,-9 20 0,10-10 16,0 0-16,0-10 0,-10 10 0,10 0 15,-10 0-15,10-10 0,-10 10 0,0-1 0,10-9 0,-10 10 0,20-10 16,-20 10-16,10 0 0,-10 0 0,10-10 0,-10 10 15,0 0-15,10 0 0,-1-10 0,1 20 16,0-10-16,0 0 16,-10 0-16,0-1 0,10-9 0,-10 10 0,10-10 15,-10 10-15,0 0 0,10-10 0,-10 10 0,0 0 16,10-10-16,-10 10 16,0 0-16,0 0 15,0 0-15,0 0 0,0 0 16,0 0-16,-10-10 15,0 0-15,10 9 16,-10-9-16,0 0 16,0 0-1</inkml:trace>
+</inkml:ink>
+</file>
+
+<file path=ppt/ink/ink10.xml><?xml version="1.0" encoding="utf-8"?>
+<inkml:ink xmlns:inkml="http://www.w3.org/2003/InkML">
+  <inkml:definitions>
+    <inkml:context xml:id="ctx0">
+      <inkml:inkSource xml:id="inkSrc0">
+        <inkml:traceFormat>
+          <inkml:channel name="X" type="integer" max="3440" units="cm"/>
+          <inkml:channel name="Y" type="integer" max="1440" units="cm"/>
+          <inkml:channel name="T" type="integer" max="2.14748E9" units="dev"/>
+        </inkml:traceFormat>
+        <inkml:channelProperties>
+          <inkml:channelProperty channel="X" name="resolution" value="43.10777" units="1/cm"/>
+          <inkml:channelProperty channel="Y" name="resolution" value="42.98507" units="1/cm"/>
+          <inkml:channelProperty channel="T" name="resolution" value="1" units="1/dev"/>
+        </inkml:channelProperties>
+      </inkml:inkSource>
+      <inkml:timestamp xml:id="ts0" timeString="2020-03-24T14:02:35.409"/>
+    </inkml:context>
+    <inkml:brush xml:id="br0">
+      <inkml:brushProperty name="width" value="0.08819" units="cm"/>
+      <inkml:brushProperty name="height" value="0.35278" units="cm"/>
+      <inkml:brushProperty name="color" value="#FFFF00"/>
+      <inkml:brushProperty name="tip" value="rectangle"/>
+      <inkml:brushProperty name="rasterOp" value="maskPen"/>
+    </inkml:brush>
+  </inkml:definitions>
+  <inkml:trace contextRef="#ctx0" brushRef="#br0">10865 6985 0,'9'0'15,"1"0"1,0 0-16,0-10 0,0 10 0,0 0 16,0 0-16,0 0 0,0 0 0,0 0 15,0 0-15,0 0 0,19 0 0,-19 0 0,0 0 16,10 0-16,-10 0 0,0 0 0,0 0 0,49 0 15,90 0 1,-139 0-16,30 0 0,19 10 0,11-10 16,-40 10-16,118 0 0,-98-10 0,29 10 15,50 0-15,70 0 0,-140-10 16,-9 10-16,347 19 16,-199-19-16,-69-10 0,70 0 15,-140 0-15,11 0 0,9 0 0,-39 0 0,19 0 0,1 0 0,69 0 16,-70 0-16,-19 0 0,168 0 15,-168 0-15,20 0 0,9 0 0,10 0 0,1 0 16,9 10-16,-69-10 0,69 0 0,-79 0 0,10 0 16,-10 0-16,10 0 0,0 0 0,-11 0 0,1 0 0,0 0 0,0 0 15,0 0-15,0 0 0,0 0 0,0 0 0,0 0 0,0 0 16,0 0-16,0 0 0,0 0 0,-1 0 16,1 0-16,0 0 0,0 0 0,10 0 15,-10 0-15,0 0 0,0 0 0,0 0 0,0 0 16,0 0-16,0 0 0,-1 0 0,11 0 15,-10 0-15,0 0 0,-10-10 0,0 10 125,-10 0-125,0 0 16,0 0-16,0 0 0,1 0 16,-11 0-16,10 0 0,0 0 15,0 0-15,0 0 0,0 0 0,0 0 16,0 0-16,0 0 0,0 0 0,-9 0 16,-1 0-16,10 0 0,0 0 0,0 0 0,-10 0 0,10 0 0,-10 0 15,10 0-15,-19 10 0,9-10 0,0 0 0,0 0 0,0 0 0,-10 10 16,11-10-16,-81 20 0,51-20 0,-11 0 15,-29 10-15,59 0 0,0-10 0,-9 10 0,19-10 16,-79 10-16,49-10 0,-19 10 16,59-10-16,-10 9 0,10-9 0,0 0 0,0 0 15,0 0-15,0 0 0,0 0 0,0 0 0,0 0 0,1 0 0,-1 0 16,0 0-16,0 0 0,0 0 0,0 0 0,0 0 0,0 0 16,0 0-16,-29 10 0,29-10 0,-30 0 15,-10 0-15,30 0 0,-49 0 0,49 10 16,-20-10-16,11 0 0,-41 0 0,50 0 0,-9 10 0,9-10 15,0 0-15,-10 0 0,10 0 0,0 0 0,1 10 0,-1-10 0,0 0 0,-20 0 16,1 0-16,9 0 0,10 0 0,-10 0 16,0 0-16,1 0 0,19 0 0,-10 0 0,0 0 0,10 0 15,-10 0-15,10 0 0,0 0 0,-9 0 0,9 0 0,-20 0 0,10 0 16,10 0-16,-10 0 0,10 0 0,-9 0 0,-1 0 16,0 0-16,10 0 0,-10 0 0,10 0 0,0 0 15,-10 0-15,10 0 0,1 0 0,-1 0 0,0 0 16,0 10-16,0-10 0,0 0 0,0 0 0,0 0 15,0 0-15,0 0 0,0 0 0,-9 10 0,-1-10 0,10 0 0,0 0 16,0 0-16,-10 0 0,10 0 0,-10 10 0,0-10 0,11 0 0,-1 0 16,0 0-16,-10 0 0,0 0 0,10 10 0,0-10 15,0 0-15,-10 10 0,10-10 0,-9 0 16,19 10-16,-10-10 0,0 0 0,0 0 0,10 10 0,-10-10 0,0 0 0,0 0 16,0 9-16,0-9 0,0 0 0,10 10 15,-10-10-15,0 0 0,1 0 0,-1 0 0,0 0 16,0 0-16,10 10 0,-10-10 0,0 0 0,0 0 15,0 0-15,0 0 0,0 0 0,0 0 0,-19 0 16,19 0-16,-20 0 16,20 0-16,0 0 0,0 0 0,0 0 0,-20 0 15,11 0-15,9 0 0,0 0 0,0 0 0,0 0 16,0 0-16,0 0 0,0 0 0,0 0 16,-10 0-16,10 0 0,1 0 0,-1 0 15,0 0-15,0 0 0,0 0 0,0 0 0,0 0 16,0 0-16,0 0 15,0 0-15,0 0 0,0 0 0,0 0 16,1 0-16,-1 0 0,0 0 0,0 0 0,0 0 0,0 0 16,0 0-16,0 0 0,-10 0 0,10 0 0,-19 0 15,29-10-15,-10 10 0,0 0 0,-10 0 16,10 0-16,0 0 0,0 0 0,-10 0 0,10 0 0,0 0 0,0 0 16,1 0-16,-11 0 0,0 0 0,10 0 15,0 0-15,20 0 125,0 0-125,0 0 0,0 0 0,0 0 16,0 0-16,-1 0 0,1 0 0,0 0 15,-10 10-15,10-10 0,0 0 0,10 0 0,-10 10 16,0 0-16,10-10 0,9 10 16,-9-10-16,10 10 15,-20 0-15,0-10 0,0 0 0,0 0 0,0 0 0,0 0 16,0 0-16,-1 0 0,1 0 0,10 10 0,-10-10 0,10 0 0,-10 10 16,0-10-16,10 0 0,-10 10 0,9-10 0,-9 0 0,10 0 0,0 0 0,-20 10 15,20-10-15,0 0 0,9 10 0,-9-10 0,10 0 16,20 0-16,-21 9 0,-9-9 0,-10 0 15,10 0-15,-10 0 0,0 0 0,10 0 0,-10 0 0,10 0 0,-1 0 0,1 0 16,0 0-16,-10 0 0,30 0 0,-1 0 0,1 0 16,10 0-16,39 0 0,-59 0 0,0 0 15,-1 0-15,1 0 0,10 0 0,-11 0 0,1 0 0,0 0 0,0 0 0,9 0 16,-9 0-16,0 0 0,0 0 0,0 0 0,9 0 0,21 0 0,19 0 16,-39 0-16,9 0 0,51 0 15,-71 0-15,-9 0 0,0 0 0,40 0 16,-21 0-16,-9 0 0,-10 0 0,10 0 0,-10 0 15,-1 0-15,1 0 0,-10-9 0,0 9 0,10 0 0,0 0 0,0 0 0,-1 0 16,1 0-16,0 0 0,10 0 0,-10 0 0,10 0 0,-11 0 0,11 0 0,10 0 16,-20 0-16,9 0 0,1 0 0,-10 0 0,0 0 0,10 0 0,-1 0 0,1 0 15,-10 0-15,20 0 0,-30 0 0,59 0 0,-29 0 16,59 0-16,-89 0 0,10 0 0,-10 0 16,9 0-16,-9 0 0,0 0 0,0 0 0,0 0 0,0 0 15,0 0 16,0 0-31,0 0 0,0 0 16,0 0-16,0 0 0,19 9 0,11-9 16,-20 10-16,0-10 0,-10 0 0,10 0 0,-1 20 0,1-20 15,0 0-15,0 10 0,0-10 0,0 10 0,-1-10 0,41 10 16,-50-10-16,0 10 0,0-10 0,-10 10 16,0 0-1,0 0-15,0 0 0,0 0 16,-10-10-16,10 9 0,0 1 15,-10 0-15,10 0 0,-10-10 0,0 10 16,10 10-16,0-10 0,-10-10 0,10 10 0,0 0 0,-10-10 0,0 20 16,10-10-16,0-1 0,0 1 0,-10 0 0,0-10 15,10 10-15,-9 0 0,9 0 0,-10-10 0,10 10 0,-10-10 0,10 10 16,-10-10-16,10 10 0,-20 10 0,10-10 16,0 0-16,-10-1 15,20 1 1,-10-10-16,0 0 0,0 0 15,1 0-15,-1 0 16,0 0-16,0 0 0,0 0 16,0 0-16,0 0 0,-10 0 15,10 0-15,0 0 0,0 0 16,0 0-16,1 0 0,-1 0 0,10-10 0,-10 10 16,-10 0-16,10 0 0,-20-9 0,20 9 15,-39-10-15,9 0 0,0 0 0,30 10 0,-29 0 16,19-10-16,-40 0 0,31 10 0,19 0 15,-20 0-15,10 0 0,0 0 0,0-10 0,-9 10 0,9 0 0,-20-10 16,-29 10-16,-31-10 16,61 0-16,-21 10 0,20-10 15,11 10-15,-11 0 0,30 0 0,0 0 0,0 0 16,-10 0-16,10-10 0,-9 10 0,9 0 0,-10 0 0,10 0 0,0 0 16,-10 0-16,10 0 0,-10 0 0,10 0 0,-9 0 0,9 0 15,0 0-15,0 0 0,0 0 0,-10 0 0,10 0 0,-10 0 0,0 0 16,1 0-16,9 0 0,-10 0 0,-60 0 0,41 10 15,19-10-15,-10 10 0,10-10 0,-19 0 0,29 0 16,-10 0-16,-10 10 0,20-10 0,-29 0 0,39 10 0,-40-10 16,0 10-16,0-10 0,11 0 0,19 0 15,-30 10-15,30-10 0,-30 0 0,1 10 0,29-10 16,-10 0-16,10 0 0,-10 0 0,0 0 0,11 0 0,-1 0 0,0 0 16,0 0-16,0 0 0,-10 0 0,10 0 0,0 0 0,-20 0 15,11 0-15,9 0 0,0 0 0,-10 0 0,10 0 16,-20 0-16,20 0 0,-29 0 15,19 0-15,0 0 0,-10 0 16,20 0-16,0 0 0,-20 0 0,21 0 16,-1 0-16,-20 10 0,20-10 0,0 0 0,0 0 15,0 0-15,0 0 0,0 10 0,0-10 0,0 0 0,1 0 16,-1 0-16,0 0 0,0 0 0,0 0 0,0 0 0,0 0 16,0 0-16,0 0 0,0 0 0,0 0 0,0 0 0,-9 0 15,19 10-15,-30-10 0,0 0 16,20 0-16,0 0 0,0 0 15,0 0-15,0 0 0,1 0 0,-1 0 16,0 0-16,0 0 0,0 0 0,0 0 16,0 0-16,0 0 0,0 0 0,0 0 0,0 0 15,0 0-15,0 0 0,1 0 0,-11 0 0,0 0 16,10 0-16,-20 0 0,20 0 0,-20 0 16,11 0-16,9 0 0,-10 0 0,10 0 0,0 0 0,0 0 15,0 0-15,0 0 0,0 0 0,0 0 0,10-10 16,-10 10-16,10-10 15,0 0 1,0 0-16,0 0 16,-9 10-16,9-10 0,0 0 0,0 0 15,0 0-15,0 0 0,0 0 0,-10 1 0,10-1 16,0 0-16,0-10 0,0 0 0,0 10 0,-10 0 16,10 0-16,0 0 0,0 0 0,0 0 0,0 1 0,0-1 15,0 0-15,0 0 0,0-10 0,0 10 0,0 0 0,0 0 0,0 0 0,0 0 16,-10 0-16,10-9 0,0-21 15,-10 30-15,10 0 0,0-10 0,0 10 16,0-20-16,0 21 0,0-1 0,0 0 16,0 0-16,0 0 0,-10 10 0,10-10 0,0 0 15,0 0-15,0 0 0,-10 10 0,10-10 0,0 0 16,0 0-16,0 1 0,0-1 16,0 0-16,0 0 31,0 0 16,0 0-47,0 0 15,0 0-15,0 0 0,0 0 16,10 10-16,-10-10 0,0 0 0,0 0 0,0 1 0,10 9 16,-10-10-16,0 0 0,10 0 15,-10 0-15,0 0 0,0 0 0,0 0 16,10 10-16,-10-10 0,0 0 15,0 0-15,10 10 0,-10-10 16,0 0-16,10 10 0,-1-9 16,1 9-16,-10-10 0,10 0 15,-10 0-15,10 0 0,10 0 16,-10 10-16,-10-10 16,10 10-16,0 0 31,0 0-16,0 0-15,0-10 0,0 10 0,-1 0 16,1 0-16,10 0 0,-20-10 0,30 10 16,-20 0-16,10 0 0,0 0 0,-10 0 0,9 0 15,-9 0-15,0 0 0,20-10 0,-20 10 0,10 0 0,0 0 0,-1 0 0,11 0 16,-10 0-16,0 0 0,0 0 0,19 0 0,-19 0 0,30-10 16,-10 10-16,-21 0 0,51 0 15,-11 0-15,1 0 0,-40 0 16,-10 0-16,0 0 0,0 0 0,-1 0 0,11 0 15,-10 0-15,20 0 0,0-10 0,9 10 16,-29 0-16,0 0 0,0 0 0,0 0 0,0 0 16,10 0-16,-10 0 0,0 0 0,0 0 0,0 0 0,0 0 0,-1 0 15,1 0-15,0 0 0,0 0 0,0 0 0,10 0 0,-10 0 0,0 0 16,0 0-16,10 0 0,-1 0 0,1 0 16,0 0-16,0 0 0,20 0 15,-30 0-15,-1 0 0,11 0 0,0 0 0,0 0 0,-10 0 0,10 0 0,0 0 16,19 0-16,-9 0 0,-20 0 0,10 0 0,20 0 15,-21 0-15,41 0 0,-30 0 0,-20 0 0,9 0 16,-9 0-16,10-10 0,0 10 0,-10 0 0,10 0 0,0 0 0,-10 0 0,9 0 16,-9 0-16,10 0 0,-10 0 0,0 0 0,0 0 0,0 0 15,0 0-15,0 0 0,0 0 0,0 0 0,-1 0 0,1 0 16,-10-9-16,10 9 0,10 0 16,-10 0-16,0 0 0,0 0 0,0 0 15,0 0-15,0 0 0,0 0 0,0 0 0,-1 0 16,11 0-16,-10 0 0,10-10 15,10 10-15,-10 0 0,0 0 0,9 0 16,-9 0-16,0 0 0,0 0 16,-10 0-16,10 0 0,-10 0 0,19 0 15,-19 0-15,30 0 0,-20 0 16,-10 0-16,0 0 0,19 0 16,-9 0-16,-10 0 0,0 0 0,0 0 0,0 0 0,0 0 15,0 0-15,0 10 0,0-10 0,9 0 0,-9 0 0,0 0 0,10 0 0,0 9 16,-10-9-16,10 0 0,-10 0 0,9 10 0,1-10 0,10 0 15,0 10-15,0 0 0,-11-10 16,1 0-16,10 10 0,0-10 16,-20 0-16,0 0 0,0 0 0,-1 0 15,1 0-15,0 0 0,0 0 16,0 0-16,0 0 16,10 0-16,-10 0 15,0 0-15,0 0 16,0 0 62,-10 10-78,0 0 16,10-10-16,-10 10 0,0 0 0,9-10 0,-9 10 0,0 0 15,10-10-15,-10 10 0,0 9 0,0 1 16,10-10-16,-10 10 0,0-10 15,0 0-15,0 0 0,0 0 0,0 0 0,0 0 16,0 0-16,0-1 0,10 1 0,-10 0 0,0 0 16,0 0-16,0 0 0,0 0 0,0 0 15,10 0-15,-10 10 16,0-10-16,10 0 0,-10-1 16,0 1-1,0 0 1,0 0-16,0 0 15,0 0 1,0 0 0,10-10-16,-10 10 15,0 0-15,0 0 16,0 0-16,0 0 0,0-1 0,0 1 16,0 0-16,0 0 0,0 0 15,0 0-15,-10-10 0,10 10 0,-10-10 0,10 10 16,-10 0-16,10 0 0,0 0 0,-20 0 15,10 0-15,1-10 0,-1 0 16,10 9-16,-10-9 0,10 10 0,-10-10 0,0 0 16,0 0-16,0 10 0,-10-10 15,10 10-15,0-10 0,-29 0 16,39 10-16,-20-10 0,0 0 0,-10 0 16,-9 0-16,-1 0 0,-20 0 15,-19 20-15,0-20 0,19 0 16,30 0-16,-29 0 0,29 0 0,-30 10 0,1-10 15,-11 0-15,-19 10 0,20 0 16,29 0-16,20-10 0,-10 0 16,11 10-16,-1-10 0,10 0 0,-10 0 0,0 0 0,10 0 15,-10 10-15,10-10 0,0 0 0,1 0 0,-1 0 0,0 0 0,0 0 16,0 0-16,0 0 0,0 0 0,0 0 0,-49 0 16,9 0-16,40 0 15,-10 0-15,0-10 0,-19 10 0,29 0 0,0 0 0,-30 0 0,20 0 0,20-10 16,-49 10-16,9-10 0,10 10 0,-19 0 15,19 0-15,0-10 0,-10 10 16,21-10-16,-1 10 0,10 0 0,0 0 16,-10 0-16,10 0 0,-10 0 0,-29 0 15,39 0-15,0 0 0,0 0 0,0 0 16,0 0-16,-10 0 0,0 0 0,1 0 16,-1 0-16,10 0 0,-10 0 15,0 0-15,10 0 0,0 0 0,0 0 0,-10 0 16,-19 0-16,19 0 0,10 0 0,0 0 0,-20 0 15,10 0-15,1 10 0,9-10 0,-10 0 0,0 10 0,0-10 0,0 0 0,-29 10 16,19 0-16,10-10 0,10 10 16,0-10-1,0 0 1,0 9 0,0-9-16,1 0 0,9 10 0,-10-10 0,10 10 0,-10-10 15,0 0-15,-10 10 0,10-10 0,0 10 16,0 10-1,0-20-15,0 0 0,10 10 16,0 0-16,-10-10 16,-9 10-16,19 0 15,-10-10-15,0 10 0,0-10 0,10 10 16,-10-10-16,0 0 0,10 9 0,-10-9 0,0 0 16,10 10-16,-20-10 0,10 0 0,0 10 15,1-10-15,-31 0 0,10 10 16,20-10-16,0 0 0,-10 0 0,10 10 0,1-10 0,-1 0 15,-10 0-15,10 0 0,-10 10 0,10-10 0,-30 0 16,30 10-16,-9-10 0,-1 0 16,10 0-16,0 0 47,10-10-47,-10 10 0,10-10 0,-10 10 15,10-10-15,0-10 0,-10 1 16,0-1-16,10 0 0,0 10 0,0-10 15,-10 20-15,10-10 0,0 0 0,0-10 0,0 1 16,0 9-16,0 0 0,0-10 0,0 10 0,0 0 0,0 0 16,0 0-16,0 0 0,0 0 0,-10 10 0,10-10 15,-9-9-15,9-1 0,0 10 0,-10-10 16,0 0-16,10 10 0,0 0 0,0 0 16,-10 10-16,10-29 15,0 19-15,0-10 0,-10 20 16,10-10-16,0 0 0,0 0 15,0 0-15,0 0 0,0 0 16,0 0-16,0 0 16,0 1-16,0-1 15,0 0 1,0 0-16,10 10 62,0 0-46</inkml:trace>
+</inkml:ink>
+</file>
+
+<file path=ppt/ink/ink11.xml><?xml version="1.0" encoding="utf-8"?>
+<inkml:ink xmlns:inkml="http://www.w3.org/2003/InkML">
+  <inkml:definitions>
+    <inkml:context xml:id="ctx0">
+      <inkml:inkSource xml:id="inkSrc0">
+        <inkml:traceFormat>
+          <inkml:channel name="X" type="integer" max="3440" units="cm"/>
+          <inkml:channel name="Y" type="integer" max="1440" units="cm"/>
+          <inkml:channel name="T" type="integer" max="2.14748E9" units="dev"/>
+        </inkml:traceFormat>
+        <inkml:channelProperties>
+          <inkml:channelProperty channel="X" name="resolution" value="43.10777" units="1/cm"/>
+          <inkml:channelProperty channel="Y" name="resolution" value="42.98507" units="1/cm"/>
+          <inkml:channelProperty channel="T" name="resolution" value="1" units="1/dev"/>
+        </inkml:channelProperties>
+      </inkml:inkSource>
+      <inkml:timestamp xml:id="ts0" timeString="2020-03-24T14:02:42.154"/>
+    </inkml:context>
+    <inkml:brush xml:id="br0">
+      <inkml:brushProperty name="width" value="0.08819" units="cm"/>
+      <inkml:brushProperty name="height" value="0.35278" units="cm"/>
+      <inkml:brushProperty name="color" value="#FFFF00"/>
+      <inkml:brushProperty name="tip" value="rectangle"/>
+      <inkml:brushProperty name="rasterOp" value="maskPen"/>
+    </inkml:brush>
+  </inkml:definitions>
+  <inkml:trace contextRef="#ctx0" brushRef="#br0">10160 10894 0,'0'-10'0,"0"0"16,10 10 62,0-10-78,0 10 0,0-9 16,0 9-16,0 0 0,0 0 0,-1-10 0,1 10 0,0 0 0,10-10 15,20 10-15,-20-10 0,-1 10 0,-9 0 0,50-10 16,-30 10-16,29-10 0,11 0 0,-41 10 0,21 0 0,-20-10 0,49 10 16,-39-10-16,29-10 0,21 10 15,-21 10-15,60-19 0,-99 19 0,0 0 16,-1 0-16,-9-10 0,20 10 0,-10 0 0,-1 0 0,1 0 0,0 0 0,-10 0 15,20-10-15,-21 10 0,11 0 0,0 0 0,-10 0 0,9 0 0,-9 0 0,0 0 16,10 0-16,-10 0 0,0 0 0,-1-10 0,1 10 0,0 0 0,0 0 16,0 0-16,0 0 0,19 0 0,-19 0 0,50 0 15,-50 0-15,-1 0 0,-9 0 0,20 0 0,-10 0 16,-10 0-16,20 0 0,-11 0 0,11 0 0,-10 0 0,-10 0 0,20 0 16,-10 0-16,19 10 0,-19-10 0,-10 0 0,10 0 0,0 0 15,19 0-15,-9 0 0,30 0 0,-21 0 16,1 0-16,-20 0 0,0 0 0,10 0 0,-11 0 0,1 0 15,0 0-15,-10 0 0,10 0 0,20 0 0,-31 0 0,1 0 0,0 0 16,20 0-16,-10 0 0,10 0 16,-20 0-16,-1 0 0,1 0 0,0 0 0,10 0 0,-10 0 15,0 0-15,0 0 0,0 0 0,0 0 16,0 0-16,0 0 47,0 0-47,-1 0 15,1 0-15,0 0 0,0 10 0,0-10 16,0 0-16,0 0 0,0 0 16,0 10-16,0-10 0,0 9 0,0-9 15,0 10-15,-1-10 0,21 10 16,-20-10-16,0 10 0,0 0 16,0-10-16,0 0 0,0 0 0,0 0 15,0 0 1,-10 10-16,10-10 15,-10 10 1,9-10-16,1 0 0,0 0 16,-10 10-16,10-10 0,0 0 15,0 0-15,0 0 16,0 0-16,-10 10 31,0 0-15,10-10-16,0 0 0,-10 10 0,0 0 15,0 0-15,10-10 0,-10 9 0,10-9 0,-10 10 0,10 0 16,-10 0-16,9-10 0,-9 10 0,10 10 16,0 0-16,-10-10 15,0 0-15,0 0 0,0 0 0,0-1 0,0 1 16,0 0 0,-10-10 30,-9 0-46,9 0 0,0 0 0,0 0 16,0 0-16,0 0 0,0 0 0,-10 0 16,0 0-16,0 0 15,11 0-15,-1 0 0,0 0 0,0 0 0,0 0 0,0 0 0,0 0 0,0 0 16,0 0-16,-20 0 0,11 0 0,9 0 0,0 0 0,-10 0 16,10 0-16,-10 0 0,0 0 0,0 0 0,10 0 0,1 0 0,-1 0 0,-20 0 15,20 0-15,-30 0 0,1 0 0,19 0 16,-10 0-16,10 0 0,0 0 0,10 0 0,-9 0 0,9 0 15,0 0-15,0 0 0,0 0 0,0 0 0,0 0 0,0 0 16,0 0-16,0 0 0,-10 0 0,10 0 0,1 0 16,-1 0-16,0 0 0,0 0 0,0 0 15,0 0-15,0 0 0,0 0 0,0 0 0,0 0 16,10-10-16,-10 10 0,0 0 0,0 0 0,1 0 0,-1 0 16,-20 0-16,-10 0 15,30-10-15,-20 10 0,21 0 0,-11 0 16,0 0-16,-10 0 0,10-9 0,10 9 15,0 0-15,1 0 0,-1 0 0,-10 0 0,10 0 0,0 0 0,-4118 0 16,8236 0-16,-4128 0 0,10 0 0,0 0 0,0 0 16,1 0-16,-1 0 0,0 0 0,0 0 0,0 0 0,0 0 0,0-10 15,0 10-15,0 0 0,0 0 0,0 0 0,-19 0 0,9 0 16,0 0-16,-20 0 0,-9 0 16,29-10-16,-20 10 0,20 0 0,-20 0 0,31 0 0,-71-10 15,31 10-15,-1 0 0,0 0 16,1 0-16,9 0 0,10 0 0,10-10 0,-29 10 15,29 0-15,0 0 0,0 0 0,-9 0 0,9 0 0,0 0 0,0 0 0,-10 0 16,10 0-16,1 0 0,-1 0 0,0 0 0,0 0 0,-30 0 16,31-10-16,-1 10 0,10 0 0,-10 0 0,0 0 0,10 0 0,0 0 0,-29 0 15,29 0-15,0 0 0,-20 0 0,20 0 0,-10 0 16,10-10-16,0 10 0,0 0 0,1 0 0,-1 0 0,0 0 0,0 0 16,0 0-16,0 0 15,0 0 1,0 0-16,0 0 15,0 0-15,0 0 0,-10 0 16,11 0-16,-1 0 0,0 0 16,0 10-16,0-10 0,0 0 15,-10 10-15,10-10 0,0 0 16,10 10-16,-10-10 0,0 0 0,0 0 0,1 0 0,-1 0 16,0 0-16,0 0 0,0 0 0,0 10 0,0-10 0,0 0 0,0 10 15,0-10-15,0 0 0,0 0 0,0 10 0,1-10 0,-1 0 0,0 0 16,-40 9-16,1 1 15,29-10-15,10 10 0,-10-10 0,-10 0 0,30 10 0,-20-10 16,10 0-16,0 0 0,10 10 47,0 0-47,0 0 0,0 20 16,0-1-1,0-19-15,0 0 0,0 0 0,0 0 16,0 0-16,0 10 0,0-10 15,0 0-15,10 0 0,-10 0 0,0 0 0,10-10 0,-10 9 16,0 1-16,0 0 0,0 0 0,0 0 0,0 0 0,10 0 0,-10 0 16,10-10-16,-10 10 0,0 0 0,10 0 0,-10 0 0,0 0 0,0-1 15,10 1-15,0 0 0,-10 0 0,0 0 0,10 0 0,-10 0 0,0 10 16,10-20-16,0 40 16,0-31-16,-10 1 0,10 0 0,-1 0 0,-9 0 15,0 0-15,10-10 0,-10 20 0,0-10 16,10-10-16,-10 10 0,0 0 0,10-10 15,-10 10-15,0 0 0,0-1 16,10-9-16,0 10 0,0-10 78,0 0-78,0 0 0,10 0 16,-10 0-16,9 0 0,-9 0 0,30 0 15,-20-10-15,0 10 0,29 0 0,1-9 16,-30 9-16,29-10 0,-29 10 0,40 0 0,-40-10 16,29 10-16,-9 0 0,69-10 15,0 0-15,-89 10 0,30 0 0,9 0 0,-9 0 16,19-10-16,-9 10 0,-11 0 16,70-10-16,-69 10 0,-30 0 0,10 0 15,-1 0-15,-9 0 0,20 0 0,-30 0 0,30 0 0,-21-10 0,11 10 0,-10 0 0,10 0 16,-10 0-16,9 0 0,-9 0 0,0 0 0,10 0 0,-10 0 0,0 0 15,-1 0-15,1 0 0,10 0 0,-10 0 0,0 0 0,0 0 0,-1 0 0,21 0 16,-30 0-16,10 0 0,20 0 0,-21 0 0,1 0 0,0 0 16,0 0-16,39 0 0,-39 0 0,0 0 0,20 0 15,-20 0-15,9 0 0,11 0 0,-20 0 16,30 0-16,-11 0 0,-19 0 16,20 0-16,-1 0 0,-19 0 0,0 0 0,0 0 0,10 0 15,-10 0-15,29 0 0,-29 0 0,0 0 0,0 0 0,9 0 0,-9 0 0,10 0 16,-10 0-16,10 0 0,-1 0 0,-9 0 0,0 0 0,10 0 0,-10 0 15,29 0-15,-29 0 0,20 0 0,-10 0 0,-10 0 16,39 0-16,-9 0 0,-30 0 0,-1 0 0,11 0 16,-20 0-16,0 0 0,10 0 0,-10 0 0,19 0 15,-9 0-15,-10 0 0,10 0 0,0 0 16,20 0-16,-30-10 0,9 10 0,-9 0 0,10 0 16,-10 0-16,0 0 0,10 0 0,0 0 0,-10 0 0,9 0 0,-9 0 0,10 0 15,-10 0-15,0 0 0,0 0 0,0 0 0,10 0 0,-10 0 0,0 0 16,0 0-16,-1 0 0,-9-10 78,0 0-78,0 0 16,0 0-16,-9 1 0,-1-1 15,0 0-15,10 0 0,-20 0 0,10 0 0,0 10 0,10-10 16,-10 0-16,0 0 0,0 0 0,0 10 0,10-10 0,-10 10 0,0-10 15,1 10-15,9-10 0,-30-9 0,20 9 16,0 10-16,-10 0 0,10-10 0,0 10 16,0-10-16,0 10 0,0 0 0,1 0 0,-1 0 0,-10 0 0,10 0 15,-10-10-15,-40 10 0,41-10 16,-61 10-16,60 0 0,11 0 0,-21-10 16,10 10-16,-20 0 0,-29 0 15,49 0-15,0 0 0,0 0 0,0 0 0,1 0 0,9 0 0,-10 0 0,0 0 0,0 0 16,0 0-16,0 0 0,1 0 0,-1 10 0,0-10 0,0 0 15,0 10-15,0-10 0,0 0 0,1 10 0,9-10 0,-10 0 0,0 10 0,10-10 0,0 0 16,-10 0-16,0 10 0,11-10 0,-31 0 0,-39 10 16,39-10-16,10 0 15,0 0-15,10 0 0,1 0 0,-81 0 16,90 0-16,-29 0 0,9 0 0,-10 0 16,-19 0-16,19 0 0,0-10 0,21 10 15,9 0-15,-10 0 0,10 0 0,0 0 0,-10 0 0,0 0 0,0-10 0,11 10 16,-11 0-16,10 0 0,0 0 0,-10 0 0,10 0 0,-10 0 0,0-10 15,1 10-15,-1 0 0,10 0 0,0 0 0,0 0 0,-10-10 16,10 10-16,-20 0 0,-9 0 16,-11 0-16,10 0 0,1 0 15,9 0-15,-30 0 0,11 0 0,-1 0 0,-9 0 16,39 0-16,-30 0 0,20 0 0,11 0 0,-11 0 0,0 0 0,0 0 16,-9 0-16,9 0 0,0 0 0,0 0 0,10 0 0,-9 0 0,-41-10 15,50 10-15,1 0 0,-11 0 0,20 0 0,-10 0 0,10-10 0,-10 10 16,0 0-16,1 0 0,19-10 0,-20 10 0,-20 0 15,30 0-15,0 0 16,0 0 62,0 0-62,0 0-16,1 0 15,-1 0-15,0 0 0,0 10 0,0-10 16,-10 10-16,10-10 16,0 0 15,0 0-31,0 0 0,-10 0 16,11 0-16,-1 0 0,-10-10 0,10 10 15,0-10-15,-10 10 0,-10 0 0,-9-10 16,-61 0-16,71 10 0,-1 0 15,20 0-15,-10-10 0,10 10 0,0 0 0,0 0 0,0 0 16,1 0-16,9-10 94,9 10-94,-9-9 0,10-1 0,-10 0 15,0 0-15,10 0 0,0-20 16,0-10-16,0 21 16,-10-1-16,0 10 0,10-10 15,-10 0-15,0 0 0,10 0 16,-10 1-16,0-1 0,0 10 16,0 0-16,0 0 0,0-10 0,0 10 0,0 0 15,0 0-15,0 0 0,0-9 16,0 9-16,0 0 0,0 0 15,0 0-15,0 0 16,0 0 0,0 0-1,0 0 1,0 0 0,0 0-1,0 0-15,0 1 0,0-1 0,0 0 16,-10 10-16,10-10 0,0 0 15,0 0-15,0 0 0,0 0 0,0 0 16,0 0-16,0 0 16,0 0-16,0 0 0,0 1 0,0-1 15,0 0 1,0 0-16,0 0 31,0 20 32,0 10-63,0-10 0,0-1 15,0 11-15,0-10 0,0 0 0,0 0 16,0 0-16,0 0 0,0 0 0,0 0 16,0 10-16,0-10 0,0-1 0,0 1 0,0 0 0,0 0 15,0 10-15,0-10 0,0 0 16,0 0-16,0 0 0,0 0 15,0 0 1,0 0-16,0-1 16,0 1 46,-10-10-62,0 0 63,10-10-48,0-9 1,-10 9-16,10 0 0,-10-10 16,10 10-16,0 0 0,0 0 0,0 0 15,-10 10-15,10-10 0,0 0 0,-10 10 0,10-10 0,0 1 16,-9 9-16,9-10 0,0 0 15,-10 10-15,10-10 63,0 0-47,0 0-16,-10 10 0,10-10 0,0 0 15,0 0-15,0 0 0,0 0 16,0 0-16,0 0 0,0 1 0,0-1 0,0 0 15,0 0-15,0 0 0,0 0 0,0 0 16,10 10-16,-10-10 0,10 10 0,-10-10 16,9 10-16,-9-10 0,10 10 15,-10-10-15,0 0 16,10 10-16,0 0 0,0 0 0,0-9 16,0 9-16,0 0 0,10 0 15,-20-10-15,20 10 0,-1 0 16,-19-10-16,10 10 0,0-10 15,20 10-15,-30-10 0,10 10 0,0 0 0,0 0 16,0 0-16,0 0 0,-10-10 0,10 10 0,-1 0 0,1 0 0,0 0 0,0 0 16,0-10-16,10 10 0,-10 0 0,0 0 0,0 0 15,0 0-15,0 0 0,0 0 0,-1 0 0,1 0 0,0 0 0,0 0 16,0 0-16,0 0 0,20 0 0,-20 0 16,0 0-16,0 0 0,9 0 0,1 0 15,0 0-15,0 0 0,0 0 16,0 0-16,19 0 0,-29 0 0,0 0 15,10 0-15,-10 0 0,10 0 0,-10 0 0,0 0 0,0 0 0,0 0 0,19 0 16,11 0-16,-10 0 0,9-10 16,-19 10-16,0 0 0,0 0 0,20-10 0,-21 10 0,11 0 15,-10 0-15,59-10 0,-59 0 0,10 10 0,-10 0 16,0 0-16,0 0 0,-10 0 0,29-10 0,-19 10 0,-10 0 0,0 0 0,10 0 0,0 0 16,-1-10-16,1 10 0,60 0 0,-51 0 15,-9-9-15,10 9 0,-10 0 0,10 0 16,-1 0-16,-19 0 15,10 0-15,-10 0 0,0 0 0,10 0 16,-10 0-16,10 0 0,-10 0 16,-1 0-16,1 0 0,0 0 0,10 0 15,-10 0-15,0 0 0,0 0 16,0 0-16,-10 9 0,10-9 0,0 0 0,0 0 0,0 0 0,-10 10 0,9-10 16,1 0-16,10 0 0,0 0 0,-10 0 0,0 10 0,0-10 15,0 0-15,10 0 0,-10 10 0,-1-10 0,1 0 0,0 0 0,10 0 0,-10 0 16,20 0-16,-30 10 0,10-10 0,19 0 0,21 0 15,-30 0-15,20 0 16,-21 0-16,-9 0 0,0 0 0,0 0 0,0 0 0,0 0 0,0 0 16,10 0-16,0 0 0,-10 0 0,9 0 15,1 0-15,-10 0 0,0 0 0,0 0 0,0 0 16,0 0-16,0 0 0,0 0 0,0 0 0,0 0 0,0 0 0,19 0 16,-9 0-16,-20 10 0,10-10 0,10 0 0,0 0 0,-10 0 0,0 0 0,-1 0 15,11 10-15,-10-10 0,0 0 0,0 0 0,10 0 0,-10 0 16,0 0-16,10 0 0,9 10 0,-9-10 15,-10 0-15,0 0 0,0 0 0,0 0 0,0 0 16,-10 10-16,10-10 16,0 0-16,0 0 0,9 0 15,-9 0-15,10 0 0,-10 0 0,0 0 16,0 0-16,0 0 0,10 0 0,-10 0 0,19 0 16,21 0-1,-40 0-15,0 0 0,0 0 0,0 0 0,0 0 0,0 0 0,19 0 16,-19 0-16,10 0 15,-10 0-15,0 0 0,0 0 0,10 0 16,-10 0-16,0 0 0,0 0 0,-1 0 16,1 0-16,0 0 0,0 0 0,0 0 0,0 0 15,10 0-15,-10 0 0,0 10 0,0-10 16,0 0-16,-1 0 0,1 0 0,0 10 16,0-10-1,-10 10-15,10-10 0,-10 10 0,10-10 16,0 9-16,0-9 0,0 10 15,-10 0-15,10 0 0,0-10 16,10 0-16,-20 10 0,9-10 16,-9 10-16,10-10 0,-10 10 15,0 0-15,0 0 16,10 0-16,-10 0 16,0 0-16,10-10 0,-10 9 0,0 1 15,10 0-15,-10 0 0,0 0 16,10-10-16,-10 20 0,0-10 15,0 0-15,0 0 0,0 0 0,0 10 16,0-11-16,0 1 0,0 0 0,0 0 16,0 0-16,-10-10 0,10 20 0,0-10 0,0 0 0,0 0 15,0 0-15,0 10 0,0-11 0,0 11 16,0-10-16,0 0 0,0 0 0,0 0 16,0 0-16,10 0 0,-10 0 0,0 0 0,0 0 15,10-10-15,-10 10 0,0-1 0,0 1 16,0 10-16,0-10 0,0 0 15,0 0-15,0 0 0,10 0 16,-10 0-16,0 0 0,0 0 16,10-10-16,-10 9 0,0 1 0,0 0 15,0 0 1,0 0-16,10-10 0,-10 20 16,0-10-16,0 10 15,10-20-15,-10 10 0,0 0 16,-10-10 78,0 0-79,10-10-15,-10 10 0,10-10 0,-10-20 0,-20 0 16,10 10-16,-9-19 0,-21-41 15,30 11 1,0 19 0,10 21-16,10 19 0,0-10 15,0 10-15,0 0 0,-10 10 0,10-10 0,0-10 16,0 10-16,0-10 0,0 10 0,0 1 0,0-1 16,0 0-16,0 0 0,0 0 15,0 0-15,0 0 16,0 0-16,0 0 15,0 0 1,-9 0 0,-1 0-16,0 10 0,0 0 15,0 0-15,0 0 0,0 0 0,0-10 16,0 10-16,-20 0 0,11 0 0,-11 0 16,10 0-16,0 0 15,-10 0-15,1 0 0,9 0 0,10 0 16,0 0-16,10 10 0,-10-10 0,0 0 0,0 10 0,0-10 15,10 10-15,0 0 47,10 0-47,0-10 16,-10 10-16,20-10 0,0 0 0,-10 0 0,29 0 16,41 10-1,-21-10-15,-39 0 0,0 0 0,30 0 16,-31 0-16,51 0 15,-60 0-15,0 0 0,0 0 0,-20 0 63,0 10-63,-20 0 16,20 0-16,0-10 0,-10 20 0,-9-11 15,-11 1-15,10 0 0,-39 30 16,-1 0-1,40-20-15,11 9 16,9-19 0,10 10-16,0-10 15,10-10-15,0 10 16,9 0-16,-9-10 0,30 0 16,-30 0-16,0 10 0,10-10 0,0 0 0,-1 0 15,-9 0-15,0 0 0,-10 10 63,0 0-63,0 0 15,-10-1-15,10 1 0,0 0 16,-10 0-16,10 0 0,0 0 0,0 0 16,-10 0-16,10 0 15</inkml:trace>
+</inkml:ink>
+</file>
+
+<file path=ppt/ink/ink2.xml><?xml version="1.0" encoding="utf-8"?>
+<inkml:ink xmlns:inkml="http://www.w3.org/2003/InkML">
+  <inkml:definitions>
+    <inkml:context xml:id="ctx0">
+      <inkml:inkSource xml:id="inkSrc0">
+        <inkml:traceFormat>
+          <inkml:channel name="X" type="integer" max="3440" units="cm"/>
+          <inkml:channel name="Y" type="integer" max="1440" units="cm"/>
+          <inkml:channel name="T" type="integer" max="2.14748E9" units="dev"/>
+        </inkml:traceFormat>
+        <inkml:channelProperties>
+          <inkml:channelProperty channel="X" name="resolution" value="43.10777" units="1/cm"/>
+          <inkml:channelProperty channel="Y" name="resolution" value="42.98507" units="1/cm"/>
+          <inkml:channelProperty channel="T" name="resolution" value="1" units="1/dev"/>
+        </inkml:channelProperties>
+      </inkml:inkSource>
+      <inkml:timestamp xml:id="ts0" timeString="2020-03-24T13:51:05.385"/>
+    </inkml:context>
+    <inkml:brush xml:id="br0">
+      <inkml:brushProperty name="width" value="0.05292" units="cm"/>
+      <inkml:brushProperty name="height" value="0.05292" units="cm"/>
+      <inkml:brushProperty name="color" value="#92D050"/>
+    </inkml:brush>
+    <inkml:brush xml:id="br1">
+      <inkml:brushProperty name="width" value="0.05292" units="cm"/>
+      <inkml:brushProperty name="height" value="0.05292" units="cm"/>
+      <inkml:brushProperty name="color" value="#00B050"/>
+    </inkml:brush>
+    <inkml:brush xml:id="br2">
+      <inkml:brushProperty name="width" value="0.05292" units="cm"/>
+      <inkml:brushProperty name="height" value="0.05292" units="cm"/>
+      <inkml:brushProperty name="color" value="#C00000"/>
+    </inkml:brush>
+    <inkml:brush xml:id="br3">
+      <inkml:brushProperty name="width" value="0.05292" units="cm"/>
+      <inkml:brushProperty name="height" value="0.05292" units="cm"/>
+      <inkml:brushProperty name="color" value="#7030A0"/>
+    </inkml:brush>
+  </inkml:definitions>
+  <inkml:trace contextRef="#ctx0" brushRef="#br0">3850 5695 0,'-10'0'32,"0"0"-32,0 0 0,0 0 15,10 10-15,-10-10 0,0 0 0,10 10 0,-10-10 0,0 10 0,0 0 16,10 0-16,-9 0 0,-21 0 0,-10 19 0,20 1 16,10-20-16,0 0 0,-9 10 0,9-10 0,0 0 0,-10-10 0,10 20 15,0-11-15,0 1 0,10 0 0,-10 10 0,0-10 0,0 0 0,-10 0 16,1 10-16,-1 9 0,0-19 15,0 30-15,10-40 0,10 20 0,-10-20 0,0 0 16,-9 20-16,19 10 0,-10-21 16,0-9-16,10 10 0,-10-10 0,10 10 0,0 0 31,10-10 125,0 0-140,-10 10-16,10-10 0,-1 0 15,-9 10-15,10-10 0,0 0 0,0 0 0,0 10 16,0 0-16,0 10 0,0-20 0,-10 10 0,10-10 16,-10 10-16,10-10 0,-10 10 0,10-1 0,9 21 0,-9-20 15,0-10-15,0 10 0,-10 0 0,10 0 0,0 0 0,0 0 0,0 0 0,10 0 16,-20 0-16,0-1 0,30 11 0,-1 0 16,1 0-16,-10-10 15,-10 0-15,0-10 31,-10 10-31,10-10 16</inkml:trace>
+  <inkml:trace contextRef="#ctx0" brushRef="#br0" timeOffset="2009.23">20995 5675 0,'10'0'110,"-10"10"-110,10 0 0,0-10 0,-1 10 15,11 0-15,-10 0 0,0 0 0,0-10 16,30 20-16,-40-10 0,10 0 0,0-10 0,0 9 15,-1 1-15,1-10 0,0 10 0,0 0 0,0-10 0,0 10 0,0 0 0,0 0 16,0 0-16,20 0 0,-1 10 16,-9 0-16,-10-11 0,0-9 0,0 20 0,0-20 0,10 10 0,-10-10 15,0 10-15,-1 0 0,1 0 0,0 0 0,0 0 0,10-10 0,-20 10 16,10-10-16,0 10 0,0 0 0,-10-1 0,10-9 0,0 10 16,10 0-16,-20 0 0,9-10 15,-9 10 32,0 0-47,0 0 47,0 0-16,-9-10-31,-1 0 0,10 10 16,-10-10-16,0 0 0,0 0 0,0 10 15,0 0-15,0 0 0,-10 0 16,0 9-16,10-19 0,1 0 0,-1 10 16,0-10-16,0 10 0,0 0 0,0 0 0,0 0 0,-10 0 0,10 0 0,-20 10 15,21-20-15,-1 10 0,0 0 0,-20 9 0,20-9 16,-20 20-16,10-20 0,11 10 0,-11-10 0,10 10 0,0-10 0,-10-1 16,10 1-16,0 0 0,-10 20 0,-9-10 15,9 0-15,20-10 0,-30 10 0,30-11 16,-10 11-16,0-10 0,10 0 15,-10-10-15</inkml:trace>
+  <inkml:trace contextRef="#ctx0" brushRef="#br1" timeOffset="39533.37">2232 8444 0,'-9'0'47,"-1"0"-47,0 9 0,10 1 0,0 0 16,-20 10-16,10-10 0,0 0 0,-10 10 15,20-10-15,0 0 0,0 0 0,-10-10 0,10 9 16,0 1-16,-10-10 0,10 10 0,0 0 0,-10-10 0,1 10 15,9 0-15,-10-10 0,10 10 16,-10-10 0,10 10-16,0 0 31,0 0 31,-10-10-62,10 10 0,-20 10 16,20-11-16,-10 1 0,10 0 16,0 0-16,10-10 140,0 0-140,0 0 0,0 0 0,0 0 16,0 0-16,-1 0 0,1 0 0,0 0 16,0 0-16,0 0 0,0 0 0,0 0 0,0 0 15,0 0-15,0 0 0,0 0 16,0 0-16,-1 0 0,1 0 15,0 0-15,0 0 16,0 0 0,0 0-16,0 0 15</inkml:trace>
+  <inkml:trace contextRef="#ctx0" brushRef="#br1" timeOffset="42111.56">9773 8354 0,'-10'0'31,"0"0"-31,0 0 0,-9 10 0,9-10 16,-20 30-16,20-10 15,-10-10-15,-10 29 16,10-19-16,11-20 0,-1 10 0,10 0 0,0 0 0,-10 0 0,0 0 15,0-10-15,10 10 0,-20 0 0,10-10 0,10 19 16,-10-9-16,10 0 0,-10-10 0,10 10 0,-10-10 0,10 10 16,-10 0-1,0-10-15,10 10 0,10-10 141,-10 10-141,30 0 16,10 10-16,-30 0 0,29-1 15,1 11-15,-20-20 0,0 0 0,10 0 16,-11 10-16,-9-20 0,0 10 0,10 0 0,-10 0 0,0-10 15,0 9-15,0-9 0,0 0 0,0 10 0,0-10 0,-1 0 0,1 0 16</inkml:trace>
+  <inkml:trace contextRef="#ctx0" brushRef="#br1" timeOffset="53453.42">16957 8493 0,'-10'0'16,"0"0"-1,0 0-15,0 0 0,10 10 0,-10-10 0,0 10 16,0-10-16,0 10 0,0-10 0,0 10 15,0-10-15,10 10 0,-10-10 0,1 10 0,-1-10 0,0 10 0,0-1 16,0 1-16,0-10 0,0 10 0,0 10 16,-10 0-16,10-10 0,0 0 15,0 0-15,1 0 0,-1-10 16,10 10-16,10-10 219,9 0-219,1 0 0,-10 0 15,0 0-15,0 0 0,0 0 0,0 0 16,0 0-16,0 0 16,0 0-16,0 0 0,9 10 15,-9-10-15,0 0 0,0 0 16,0 9-16,0-9 0,-10 10 0,10-10 15,-10 10-15,10-10 0,-10 10 0,10-10 0,0 0 16,-10 10-16,10-10 0,-10 10 16,10-10-16,-1 0 15,-9 10-15,0 0 16,10-10-16,0 10 0,0-10 16,-10 10-16,0 0 0,10-10 0,0 0 0,-10 10 0,10-10 15,-10 10 1</inkml:trace>
+  <inkml:trace contextRef="#ctx0" brushRef="#br2" timeOffset="87929.02">2361 11896 0,'0'-10'0,"0"0"46,0 1-30,0-1-16,0 0 16,0 0-16,0 0 0,0 0 15,0 0-15,0 0 0,-9 10 0,9-10 0,0-10 16,-10 20-16,10-10 0,-10 1 0,10-1 0,0 0 16,-10-10-16,10 10 0,-10-20 0,10 10 15,-10-9-15,-10-31 16,0 40-16,20 10 0,-10 0 15,0 0-15,10 0 0,-10-29 0,1 29 0,-1-30 16,10 30-16,-10 0 0,-10-29 16,10-1-16,0 20 0,10 10 15,-10-10-15,10 10 0,-10-9 0,0 9 0,0 0 16,10 0-16,0 0 0,0-10 0,-10 10 16,1 10-16,9-10 0,0 0 0,-10 0 0,10 0 0,-20 0 15,10 1-15,-10-21 16,20 20-16,-10 10 0,10-10 0,-10 10 0,10-10 15,-10 10-15,10-10 0,0 0 16,-10 0-16,-10-10 0,11 11 0,-1 9 16,10-10-16,-10 10 0,10-10 0,-10 0 0,10 0 0,-10 0 15,-10 10-15,10-10 0,10 0 0,-10 10 0,10-10 0,-30-10 16,11 10-16,-1-19 0,10 19 16,0 0-16,0 0 0,0 10 0,0-10 0,0 0 15,0-20-15,-10 20 0,10 0 16,1 0-16,9 1 0,-10-1 0,10 0 0,-10 10 15,10-10-15,-10 10 0,10-10 0,-10 10 0,10-10 16,-10 10-16,10-10 0,0 0 16</inkml:trace>
+  <inkml:trace contextRef="#ctx0" brushRef="#br2" timeOffset="88672.02">1508 10765 0,'0'-10'0,"10"10"32,-10-10-32,0 0 0,0 1 0,10 9 15,-10-10-15,0 0 0,0 0 0,10 10 0,-10-10 16,0 0-16,0 0 0,0 0 16,10 0-16,-10 0 0,10-10 15,-10 1-15,10 9 0,-10-10 16,10 20-16,-10-20 15,0 0-15,0 10 16,10 10-16,-10-10 0,0 0 16,0 0-1,9 10 32,1 0 16,20 20-48,-20-20-15,0 10 0,0-10 0,10 10 0,10 0 16,-1 0-16,-19 0 0,10 0 0,0-10 0,0 10 16,0-10-16,-1 0 0,-9 10 0,0-10 15,0 0-15</inkml:trace>
+  <inkml:trace contextRef="#ctx0" brushRef="#br2" timeOffset="89707.02">982 9952 0,'-10'0'15,"0"0"1,1 0-16,-1 0 15,0 0 1,10 10-16,-10-10 0,0 9 0,10 1 16,-10-10-16,0 10 0,0 0 15,10 0-15,0 0 0,0 0 0,0 0 0,-10 0 16,10 0-16,0 0 0,0 0 16,0 0-16,0-1 0,0 1 0,0 0 15,0 0-15,0 0 0,0 0 0,0 0 0,0 10 16,10-10-16,-10 0 0,0 0 0,10-10 0,-10 10 15,10-10-15,-10 9 0,10-9 0,-10 10 0,10-10 0,0 10 0,-10 0 16,10-10-16,0 0 0,-1 0 16,1 0-16,0 0 0,0 0 15,0 0-15,0 0 0,0 0 16,0 0-16,0 0 0,0 0 0,-10-10 16,10 10-16,0 0 0,0 0 0,-1-10 0,1 0 0,0 10 15,0 0-15,0-9 0,0 9 0,0-10 0,0 0 16,-10 0-16,0 0 0,10 10 15,-10-10-15,10 10 0,-10-10 16,10 0-16,-10 0 0,10 0 0,0 0 16,-10 0-16,0 0 0,9 10 0,-9-9 0,0-1 15,0 0-15,0 0 0,0 0 16,0 0-16,0 0 16,0 0-16,-9 10 0,-1 0 15,0 0-15,0-10 0,0 0 0,0 10 16,0 0-16,0 0 0,0 0 0,0 0 0,0-10 15,-10 10-15,20-10 0,-9 10 0,-1 0 0,0 0 0,10-10 0</inkml:trace>
+  <inkml:trace contextRef="#ctx0" brushRef="#br2" timeOffset="90386.02">1538 9852 0,'-10'0'15,"0"0"-15,0 0 16,-10 0-16,10 0 0,0 0 16,1 0-16,9 20 0,-10-20 0,0 0 15,0 10-15,0-10 0,10 10 0,-10 0 0,0 0 0,10 0 16,-10 0-16,0-10 0,10 10 0,-10-10 0,10 10 15,0 0-15,-10-10 0,10 9 0,0 1 0,-10 0 0,10 0 16,0 10-16,0 10 16,0-10-16,0-10 0,0 0 0,0-1 15,0 1-15,0 0 0,0 0 0,0 0 0,-9 0 16,9 0-16,0 0 0,0 10 16,0-10-16,0 0 0,0 0 0,0-1 15,0 1-15,0 0 0,0 0 16,9-10-16,-9 10 0,10 0 0,0-10 15,0 10-15,0-10 0,-10 10 0,0 0 0,10-10 0,0 10 0,0-10 16,0 10-16,0-10 0,0 0 16,-10 10-16,10-10 15,-1 0 1,1 0 15,0 0-15</inkml:trace>
+  <inkml:trace contextRef="#ctx0" brushRef="#br2" timeOffset="90864.02">1687 9952 0,'0'10'31,"0"-1"-31,0 1 0,0 0 16,0 0-16,0 0 0,0 0 15,0 0-15,0 0 0,0 0 0,0 0 16,0 0-16,0 0 0,0 0 0,0-1 16,0 1-16,0 0 0,0 0 0,0 0 0,0 0 15,0 0-15,0 0 16,0 0-16,0 0 15,0 0 1,0 0 0</inkml:trace>
+  <inkml:trace contextRef="#ctx0" brushRef="#br2" timeOffset="91492.02">1816 9842 0,'20'0'16,"-40"0"-16,50 0 0,-21 0 0,1 0 0,0 0 0,10 0 15,-10 0-15,0 0 0,10 0 0,-10 0 0,10 0 16,-10 0-16,9 0 0,-9 10 15,0-10-15,0 0 0,-10 10 32,0 0-32,10-10 0,0 0 15,-10 10-15,0 0 0,20 0 0,-10 0 0,-10 0 16,10 0-16,-10 0 0,0 0 0,10 0 0,-10-1 0,19 11 16,1 20-16,-10-20 15,-10-10-15,0 0 0,0 0 0,0 0 16,0-1-16,0 1 0,0 0 0,0 20 15,0-20-15,0-10 0,0 10 0,0 10 0,0-10 0,-69 129 63,59-139-47,10 10-16,-10-10 0,10 9 0,-10-9 0,10 10 15</inkml:trace>
+  <inkml:trace contextRef="#ctx0" brushRef="#br2" timeOffset="93657.02">4544 11807 0,'0'-10'0,"10"10"47,-10-10-16,0 0-31,10 10 0,0-10 0,-10 0 0,10 10 16,-10-19-16,0 9 0,0 0 0,20 0 15,-10-10-15,10 0 0,-10 10 0,-1-10 16,21-29-16,0 9 15,-10 20-15,-10 10 0,0 0 0,0 0 0,9-9 0,-9-11 16,10-10-16,-10 40 0,0-30 0,-10 20 16,20-9-16,-10-1 0,-10 0 0,10 20 0,-10-20 0,0 10 15,10-10-15,0 0 0,9-19 0,1-1 16,0 0-16,0 1 16,10-11-16,-10 20 15,-1 11-15,-19 9 0,10 0 0,0 10 0,-10-10 16,10 0-16,-10 0 0,10 10 0,-10-10 0,0 0 0,10 10 15,-10-10-15,0 0 16,10 10 0,-10-10-16,10 10 0,-10-10 0,0 0 15,10 10-15,-10-9 0,10-1 0,-10 0 0,10 0 16,0 0-16,-1 10 0,11-30 16,-10 10-16,0 10 0,0 10 0,-10-10 15,10 10-15,-10-10 0,0 1 0,10 9 0,-10-10 16,10 10-1,-10-10-15,0 0 0,0 0 16,20 0-16,-10-10 0,-1 20 16,-9-10-16,10 10 0,-10-10 0,10 10 0,-10-10 0,10 0 0,0 0 15,0 1-15,0 9 16,-10-10-16</inkml:trace>
+  <inkml:trace contextRef="#ctx0" brushRef="#br2" timeOffset="94288.02">5199 10507 0,'10'0'62,"0"0"-62,-10-10 0,10 10 16,0 0-16,0 0 0,0 0 0,0 0 0,-1 0 15,1 0-15,0 0 0,0 0 0,10 0 0,0 0 16,-10-10-16,20 10 16,-20 0-16,-1 0 62,1 10-62,-10 20 16,0-20-16,0 0 0,0 0 0,10 0 15,-10 0-15,0 0 0,0 0 16,10 9 0,-10-9-16,0 0 0,0 0 15,10-10 1,-10 10 0,0 0-1,10 0 1,-10 0-1,10-10 1</inkml:trace>
+  <inkml:trace contextRef="#ctx0" brushRef="#br2" timeOffset="95027.02">5973 10299 0,'-40'0'15,"30"0"1,1 0-16,-1 0 0,0 0 0,0 10 15,0 0-15,0-10 0,10 10 0,-10-10 0,0 10 16,-10 0-16,10 9 0,-10 1 16,20-10-16,-9-10 0,9 10 0,-10 0 0,10 0 0,-10-10 0,10 10 15,-10 10-15,0 0 0,10 9 16,-10 1-16,10-10 0,0-10 16,0 0-16,0 0 0,0 0 0,0-1 0,0 11 0,0-10 15,0 10-15,0-10 0,10-10 16,-10 10-16,10-10 0,-10 10 0,10 0 0,0-10 0,-10 10 15,10-10-15,-10 10 0,9 0 0,1-10 16,-10 9-16,10-9 0,20 10 0,-20-10 16,10 0-16,10 0 0,-20 0 0,29 0 15,-9 0-15,10-10 16,-21 10-16,-19-9 0,20 9 0,-20-10 0,10 10 0,0-10 0,0 10 0,0 0 16,-10-10-16,0 0 0,10 10 0,-10-10 0,10 10 15,-10-10-15,0 0 0,0 0 0,0 0 0,0 0 0,10 10 16,-10-10-16,0 0 0,0 1 0,10-1 0,-10 0 0,0-20 15,0 20-15,10 10 0,-10-50 16,0 41-16,0-1 0,0 0 16,0 0-16,-10 10 0,10-10 0,-10 10 0,10-10 0,0 0 15,-10 10-15,0 0 0,0 0 0,0 0 0,0 0 0,10-10 0,-10 10 16,0 0-16,0-10 0,-9 10 0,9 0 0,0 0 16,0 0-16,0 0 0,0 0 0,-10 0 15,10 0-15,0 0 0</inkml:trace>
+  <inkml:trace contextRef="#ctx0" brushRef="#br2" timeOffset="95550.02">6608 10368 0,'-10'0'15,"-10"0"-15,10 0 16,0 0-16,-9 0 0,-1 10 16,10-10-16,10 10 0,-10 0 0,0 0 15,0-10-15,0 10 0,0 0 0,0 0 0,0 0 0,10 0 16,-10 0-16,1 0 0,-1-10 0,0 9 0,10 1 0,0 0 0,-10 0 15,0 0-15,0 0 0,0 0 0,0 10 0,0-10 0,10 10 16,-10-11-16,0 21 0,0-20 16,10 10-16,0-10 0,0 0 15,0 0-15,10-10 0,-10 10 0,10-10 16,-10 10-16,10-10 0,10 19 16,-10-19-16,0 10 0,0-10 0,0 10 15,0-10-15,9 0 0,-9 0 0,0 0 0,-10 10 16,10-10-16,10 0 0,-10 0 15,0 0-15,0 0 16,0 0 0,-10-10-16,10 10 0</inkml:trace>
+  <inkml:trace contextRef="#ctx0" brushRef="#br2" timeOffset="95961.02">6737 10497 0,'0'10'31,"0"0"-15,0 10-16,0-10 0,0 10 16,0-10-16,0 19 0,0 1 15,0 0-15,0-20 16,0 0-16,0 0 0,0 0 0,0 0 0,0 0 15,0-1 1,0 1-16</inkml:trace>
+  <inkml:trace contextRef="#ctx0" brushRef="#br2" timeOffset="96477.02">6846 10349 0,'10'0'0,"0"0"0,0 0 16,0 0-16,0 0 0,0 0 15,0 0-15,0 0 16,-1 9-16,1 11 15,10-10-15,-20 20 16,0-20-16,10-10 0,0 50 16,0-41-16,10 21 0,-10 10 15,0-10-15,0-11 16,0-9-16,-1 10 0,1-10 0,0 20 16,-10-20-16,0 0 0,10 0 15,-10 0-15,0 9 0,0-9 16,0 10-16,0 0 15,0-10-15,-20 10 16,10-20-16,10 20 0,-9-10 16,-1-10-16,0 0 15,0 10-15,0-1 0,0-9 16,0 0-16,10 10 16,-10-10-16,0 0 0</inkml:trace>
+  <inkml:trace contextRef="#ctx0" brushRef="#br2" timeOffset="97530.02">6122 9317 0,'0'-10'15,"10"10"17,0-10-32,0 0 0,19 0 15,41-30-15,-50 30 16,19-9-16,-19 9 0,40-30 0,-1 10 15,-39 10-15,50-29 0,-61 39 0,21-10 0,-10 10 0,10-30 16,19 11-16,-39 9 0,10 0 0,10-10 0,-20 10 16,10-10-16,29-49 0,-19 39 0,30-19 15,79-90-15,-100 129 16,61-69-16,-11 10 16,-10 19-16,-19 10 0,-31 21 15,-19 19-15,10-10 0,0 0 0,-20 10 0,0 0 16,10 10-16,0-10 0,-10 0 0,10 0 0,-10 0 0,10 10 0,-10-9 15,10-1-15,0 0 0,-10 0 0,0 0 0,10 0 0,-1-10 16,11 20-16,-10-20 16,0 20-16,-10-10 31</inkml:trace>
+  <inkml:trace contextRef="#ctx0" brushRef="#br2" timeOffset="97863.02">7590 7818 0,'-10'0'15,"0"0"17,1 0-17,-1 0-15,0 0 0</inkml:trace>
+  <inkml:trace contextRef="#ctx0" brushRef="#br2" timeOffset="98341.02">7491 7838 0,'10'0'31,"0"0"-31,0 0 0,10 0 15,-10-10-15,0 10 0,-1 0 0,1 0 16,0-10-16,0 10 0,0 0 0,0 0 16,0 0-16,0 0 0,-10-9 0,10 9 0,0 0 15,0 0-15,10 0 0,-11 0 0,1 0 0,10 0 16,-10-10-16,0 10 16,10 0-16,-10 0 0,0 0 78,-10 10-63,0-1-15,10 1 0,-10 0 0,0 0 0,0 0 16,0 0-16,0 0 0,0 0 0,0 0 16,0 0-16,0 0 0,0 0 0,0 0 15,-10-10-15,10 9 0,0 11 0,-10 0 16,0 0-16,10-10 0,0 0 15,-10 0-15,10 0 0,0 0 0,0-1 16,-10-9-16,10 10 0,0 0 0</inkml:trace>
+  <inkml:trace contextRef="#ctx0" brushRef="#br2" timeOffset="98979.02">8186 7570 0,'-20'0'0,"40"0"0,-50 0 15,20 10-15,0-10 0,0 0 0,0 20 0,0-10 16,-10 0-16,-9 20 0,9 0 16,20-21-16,-20-9 0,20 10 0,-10 0 0,10 10 15,-10-20-15,10 10 0,-20 20 0,20-20 0,0 0 16,0 0-16,0 0 0,0-1 0,0 1 0,0 0 16,0 0-16,0 0 0,0 0 15,0 0-15,0 0 0,0 0 16,0 0-16,10-10 0,0 0 15,-10 10-15,20-10 0,-10 0 0,10 10 16,9-10-16,-19 0 0,0 0 16,0 0-16,0 0 0,0 0 0,0 0 0,-10-10 0,10 10 0,0 0 15,-10-10-15,10 10 0,-10-10 0,10 10 0,0-10 0,0 10 16,-10-10-16,0 0 0,9-10 0,1 10 16,0-19-16,-10 9 0,10 0 15,0 0-15,-10 0 0,10 10 16,-10 0-16,0 0 0,0 0 0,0 1 15,0-1-15,0 0 0,-10 10 0,0-10 16,0 10-16,0-10 0,0 10 16,10-10-16,-9 10 0,-1 0 15,0 0-15,0 0 16,0 0-16,0 0 16,10 10-16,-10-10 15</inkml:trace>
+  <inkml:trace contextRef="#ctx0" brushRef="#br2" timeOffset="99461.02">8483 7610 0,'-10'0'16,"0"0"-16,1 0 0,-1 0 0,0 0 16,0 0-16,0 10 0,0 0 15,10 0-15,-10-10 0,0 0 0,10 10 0,-10-10 0,0 10 0,10 0 16,-10 0-16,10-1 0,-10 1 0,0 0 0,1-10 0,9 10 0,0 0 15,0 0-15,0 0 0,0 0 0,-10-10 0,10 10 0,0 0 16,0 0-16,0 10 0,-10-1 0,10 1 16,0-10-16,0 0 0,0 0 15,0 0-15,0 0 0,10-10 0,-10 10 16,0 0-16,0 0 0,0 0 0,10-10 16,-1 0-16,1 19 0,0-19 15,0 0-15,-10 10 0,10-10 0,0 0 16,-10 10-16,10-10 0,0 0 0,0 0 15,0 0-15,0 0 16,0 0 0,0 0-16,-1 0 0,1 0 15,0 0-15,0 0 16</inkml:trace>
+  <inkml:trace contextRef="#ctx0" brushRef="#br2" timeOffset="99887.02">8682 7660 0,'0'10'31,"0"9"-15,0-9-16,0 0 0,0 0 15,0 10-15,0-10 0,0 0 0,0 0 16,0 0-16,-10-10 0,10 10 0,0 0 15,0 0-15,0-1 0,0 1 16,0 0-16,0 0 16,0 0-16,0 0 15,0 0 1</inkml:trace>
+  <inkml:trace contextRef="#ctx0" brushRef="#br2" timeOffset="100403.02">8741 7541 0,'0'0'0,"10"0"15,-10-10 1,10 10-16,0 0 0,0 0 15,0 0-15,0 0 0,0 0 16,0 0-16,0 0 16,-1 0-16,1 0 15,-10 10-15,10-10 0,-10 10 0,10-10 16,-10 9-16,0 1 0,10-10 0,-10 10 0,10 0 0,-10 0 16,0 0-16,0 0 0,10-10 0,-10 10 0,0 0 0,0 0 0,10-10 15,-10 10-15,0 0 0,0 0 0,10-10 0,-10 9 0,10 21 16,-10-10-16,0 10 0,0-20 15,0 0-15,0 0 0,0 0 0,0-1 0,0 1 0,0 0 16,0 0-16,0 0 0,0 0 0,10 10 16,-10-10-16,0 10 15,0-10-15,0 0 0,0-1 32,-10-9-32,0 0 15,0 0-15,10 10 16,-10-10-16</inkml:trace>
+  <inkml:trace contextRef="#ctx0" brushRef="#br2" timeOffset="103945.02">10894 11599 0,'0'-10'0,"0"20"0,-10-20 0,10 0 0,-10 0 0,1 10 16,9-10-16,-20 0 0,0-30 15,10 30-15,0 1 0,-10-11 0,-10-10 16,11 10-16,-21-20 16,30 40-16,0 0 0,-10-10 0,20 1 0,-10 9 0,0-10 0,0 0 0,0 10 15,1-10-15,-1 0 0,0 10 0,0-10 0,0 10 0,10-10 0,-10 10 0,0-20 16,0 10-16,0 0 0,0 0 0,-10-9 16,-29-41-16,19 10 15,0 21-15,20 9 16,0 10-16,10 0 0,-10 0 0,1 10 0,-1-20 0,0 10 0,-10-10 15,10 11-15,-10-11 0,10 10 0,0 0 16,10 0-16,-20 0 0,11 0 0,-1 0 0,0 0 16,-10-10-16,-10 1 15,20 9-15,10 0 0,-10 0 16,10 0-16,-10 10 16,0 0-1,10-10-15</inkml:trace>
+  <inkml:trace contextRef="#ctx0" brushRef="#br2" timeOffset="104611.02">10001 10845 0,'0'-10'16,"10"10"-16,-10-10 15,0 0-15,0 0 16,10 10-16,-10-10 0,0 0 0,10 0 0,-10 0 16,0 0-16,10 0 0,-10 0 0,10 1 15,-10-1-15,0 0 0,0 0 0,0 0 16,10 0-16,-10 0 0,0-10 16,0 0-16,0 0 0,0 11 0,0-1 15,0 0-15,0 0 0,0 0 0,0 0 0,0-10 16,0 10-16,0 0 0,0 0 15,0 0-15,0 1 0,10 9 0,-10-10 16,10 10 78,-10 10-79,10-10-15,-10 9 0,10 1 16,-1-10-16,-9 10 0,20 0 16,-20 0-16,10-10 0,0 0 15,-10 10-15,10-10 0,0 0 0,-10 10 0,10-10 0,0 0 0,-10 10 16,10-10-16,0 0 0,-10 10 0,10-10 0,-10 10 0,10-10 0,-1 0 16</inkml:trace>
+  <inkml:trace contextRef="#ctx0" brushRef="#br2" timeOffset="105444.03">12591 11638 0,'0'0'0,"0"-10"94,10 10-94,0-9 0,-10-1 0,10 10 0,0 0 0,0-20 16,-1 10-16,1 0 0,0 0 0,0 0 0,0-10 0,0 20 0,0-10 15,-10 0-15,40-39 0,-30 29 0,29-20 16,-29 1-16,20 9 0,-20 10 0,0 0 15,0 0-15,0-29 0,0 39 0,-1-30 0,-9 20 16,0 0-16,10 10 0,0-9 0,-10 9 0,0-10 0,20 0 16,-10-20-16,10 20 0,-20 1 15,10 9-15,0-10 0,0 10 0,0 10 0,-10-10 16,10 0-16,-10 0 0,9 0 0,-9 0 0,0 0 16,10 0-16,-10 1 15</inkml:trace>
+  <inkml:trace contextRef="#ctx0" brushRef="#br2" timeOffset="105777.02">13027 10706 0</inkml:trace>
+  <inkml:trace contextRef="#ctx0" brushRef="#br2" timeOffset="106168.02">13027 10706 0,'0'-10'31,"20"10"-15,-20-10-16,20 10 0,0-20 0,0 10 15,20 0-15,-11 0 0,1 10 0,-10-10 16,-10 10-16,0 0 0,0-10 0,10 10 0,-11 0 0,1-10 0,0 10 16,0 0-16,-10-9 0,20 9 0,-10-10 0,0 10 0,0 0 0,0 0 15,-10-10-15,10 10 0,0 0 0,0 0 0,-1 0 0,1-10 0,0 10 16,0 0-16,20 0 0,-20 0 15,-10 10 48,10 0-63,-10 0 0,0-1 0,0 1 16,0 0-16,0 20 0,0-10 15,0-10-15,0 0 0,0 0 0,0 0 0,-10 0 16,10-1-16,-10-9 0,10 20 0,-10-10 15,10 0-15,0 0 16</inkml:trace>
+  <inkml:trace contextRef="#ctx0" brushRef="#br2" timeOffset="107360.02">17234 11867 0,'0'-10'31,"-10"10"-31,10-10 16,-9 0-16,-1 10 0,10-10 0,-10 10 0,10-10 16,-10 10-16,10-10 0,0 0 0,-10 10 0,0-10 0,-10 0 0,10 0 15,10 0-15,-20-9 0,10 9 0,0 0 0,-9 10 0,-11-40 16,20 40-16,-10-20 0,-10-10 0,-19-9 15,-31-60-15,70 89 0,-29-20 16,29 0-16,-10 20 0,-10-20 0,0 11 0,1-31 16,-1 20-16,-10-10 0,20 21 0,-19-31 15,-1 20-15,10 20 0,30-19 0,-20 19 16,10 0-16,10 0 0,-9 10 0,-1-10 0,10 0 0,-10 0 16,10 0-16,-10-10 0,0 20 0,0-20 15,10 11-15,-10 9 0,10-10 0,-10 10 16,10-10-16,0 0 0,-10 10 0,10-10 15,0 0-15,-10 0 16,10 0-16,0 0 0,0 0 16,0 0 15,0 0-15,-10 0-16,10 1 15,0-1-15,0 0 0,0 0 16,0 0-16,0 0 0,0 0 0,0 0 15</inkml:trace>
+  <inkml:trace contextRef="#ctx0" brushRef="#br2" timeOffset="108057.02">16262 10914 0,'-10'-59'31,"20"118"-31,-20-138 0,10 69 47,0 0 0,0-10-31,0 10-16,0 0 0,0 0 15,10 0-15,0-10 0,0 11 16,0-1-16,-10 0 16,10 10 15,-10-10 0,10 10-15,0 0-1,-1 0 1,1 0-16,0 0 0,0 0 0,0 0 16,0 0-16,40 20 0,-40-10 15,39 19-15,-29-19 0,-10 0 16,20 0-16,-20-10 16,0 0 15</inkml:trace>
+  <inkml:trace contextRef="#ctx0" brushRef="#br2" timeOffset="108900.02">19477 11857 0,'0'-10'47,"0"0"-31,0 0-16,0 0 0,10-20 0,0 20 15,-1-19-15,1 19 0,10-40 16,0 20-16,-10 20 0,0-19 0,0 9 15,-10 10-15,10-10 0,0 20 0,0-20 0,-10 10 0,29-39 16,-9 19-16,10-40 16,-10 21-16,20-1 0,-31 20 15,11-9-15,0 9 0,0 10 0,-10 0 16,10-29-16,10 19 0,-11 10 16,-9 0-16,0-10 15,10 11-15,0-1 0,-20 10 0,0 0 16,20 0-16,-10 0 0,9-10 0,-19 10 0,10 0 0,0 0 15,0 10-15,-10-10 0,0 1 0,10 9 0,0-10 0,0 0 16,0 0-16,-10 0 0,20 10 16,-20-10-16,0 0 47</inkml:trace>
+  <inkml:trace contextRef="#ctx0" brushRef="#br2" timeOffset="109475.02">19953 10696 0,'10'0'47,"0"0"-32,0 0-15,0 0 0,0 0 0,-1 0 0,1-10 16,0 10-16,0 0 0,0 0 0,0 0 0,0 0 16,10-10-16,10 0 0,-11 10 15,11-10-15,-20 10 0,0 0 0,0 0 0,0 0 0,0 0 47,-10 10-47,0 10 0,10 0 16,-10 0-16,0-11 0,0 21 15,0-10-15,0 10 0,0 10 16,0-31-16,0 1 0,0 0 0,0 0 0,0 0 0,0 0 16,0 0-16</inkml:trace>
+  <inkml:trace contextRef="#ctx0" brushRef="#br2" timeOffset="110334.02">21104 9356 0,'0'-10'32,"0"0"-17,10 10-15,0-9 0,0 9 16,0-20-16,-10 10 0,10 0 0,-10 0 0,9 10 15,1 0-15,0-10 0,-10 0 0,10 0 0,0 0 0,0 0 0,-10 0 0,10 10 0,0-9 16,0-11-16,20 0 0,-1-30 0,1 20 16,-10 1-16,30-21 0,-1-19 15,-9 9-15,-30 50 0,10-30 16,-1 21-16,-9-1 0,10 10 0,-10-10 0,10-20 0,-10 30 16,20-29-16,-1-31 15,-9 50-15,10-19 0,-20 19 0,0-10 16,0 20-16,0-10 0,10 10 0,9-9 15,-29-1-15,10 10 0,20 0 0,-20-10 16,0 10-16,10-20 0,0 20 0,-1-9 16,-19-1-16,10 20 0,0 0 15,-10-10-15,10 10 16,-10-10 15,10 0-31,0 10 0,0-10 0,-10 0 0,20 0 16,0 10-16,-20-10 15,10 10-15</inkml:trace>
+  <inkml:trace contextRef="#ctx0" brushRef="#br2" timeOffset="111036.02">21927 8086 0,'10'0'62,"0"0"-62,0 0 0,0 0 16,0 0-16,0 0 0,10 0 0,-10 0 0,10 0 15,9 0-15,-19 0 0,0 0 0,0 0 16,0 0-16,0 0 62,-10 10-62,10 0 0,-10 10 16,0-10-16,0 0 0,0 0 0,10-10 0,-10 10 0,0 0 16,0 0-16,0-1 0,0 1 0,0 0 15,-10 0-15,10 0 0,-10 0 0,0 10 16,10-10-16,0 0 0,0 0 0,0 10 16,0-11-16,0 1 15,0 0-15,0 0 0,0 0 16</inkml:trace>
+  <inkml:trace contextRef="#ctx0" brushRef="#br2" timeOffset="111949.02">22612 7749 0,'0'-10'0,"-10"10"0,0 0 0,0 0 16,0 0-16,0 0 0,0 0 15,1 0-15,-1 0 0,-10 0 0,0 20 16,10-20-16,10 10 0,-20 0 16,0 10-16,10-1 0,-9 1 15,9 10-15,0-30 0,10 20 16,0-10-16,-10 10 0,10-10 0,-10 0 0,10-1 0,-10 1 0,10 0 16,0 0-16,-10 0 0,10 0 0,0 0 0,0 10 15,0-10-15,0 0 0,0 0 0,0-1 0,0 1 16,0 0-16,0 0 0,0 0 15,10-10 1,0 0-16,0 0 16,0 0-16,0 0 0,0 0 0,0 0 15,-1 0-15,1 0 0,0 0 0,0 0 16,0 0-16,0 0 0,0 0 0,0-10 0,0 10 0,0 0 0,0-10 16,19 0-16,-29 0 0,70-9 0,-30 9 15,-11-10-15,-19 20 0,0-10 16,0 10-16,-10-10 0,10 0 0,-10 0 0,10 10 0,0 0 15,0-30-15,0 11 0,0 19 16,-10-10-16,0-20 0,10 20 0,-10 0 16,0 0-16,0 0 0,0 0 15,0 0-15,0 0 0,0 1 16,0-1 0,0 0-16,0 0 15,-10 10-15,0-10 0,0 0 16,0 10-16,0-10 0,0 10 15,0 0-15,0 0 16,0 0-16,0 0 16,0 0-16,10 10 0,-10-10 15</inkml:trace>
+  <inkml:trace contextRef="#ctx0" brushRef="#br2" timeOffset="112502.02">23108 7749 0,'-10'0'16,"0"0"-16,0 0 0,0 0 0,0 0 15,1 0-15,-1 10 0,-10 0 16,10 0-16,0 0 0,-10 0 16,10-10-16,0 19 0,0 11 15,0-20-15,10 0 0,-9-10 0,9 10 16,0 0-16,-10-10 0,10 10 0,0 0 0,-10 0 0,10 0 16,0 9-16,-10-19 0,10 20 0,0-10 15,0 0-15,0 0 0,0 0 16,10 0-16,-10 0 0,10-10 0,0 0 15,-10 10-15,9-10 16,1 0 0,0 0-16,0 0 0,0 0 15,0 0-15,0 0 0,0 0 16,0 0 0</inkml:trace>
+  <inkml:trace contextRef="#ctx0" brushRef="#br2" timeOffset="112957.02">23267 7828 0,'0'10'47,"0"0"-47,0 0 0,0 0 15,0 20-15,0-10 16,0-10-16,0 0 0,0-1 16,0 1-16,0 0 0,0 0 0,0 0 0,0 0 15,0 0-15,0 0 0,0 0 16</inkml:trace>
+  <inkml:trace contextRef="#ctx0" brushRef="#br2" timeOffset="113577.02">23247 7749 0,'10'0'0,"0"0"15,0 0-15,-10-10 0,10 10 16,-10-10-16,10 0 16,0 10-1,-1 0 1,1 0-1,0 0 1,0 0 0,0 0-16,0 0 0,0 0 15,0 0-15,0 10 0,0-10 0,-10 10 0,10-10 0,0 0 16,0 0-16,-10 10 0,9-10 0,1 0 0,-10 10 0,0 0 16,10-10-16,0 0 0,0 20 0,0-10 0,0-10 15,0 10-15,-10 9 0,10-9 16,0 0-16,0 0 0,0 0 15,-10 10-15,0-10 0,10 10 16,-1-20-16,-9 10 0,0 9 0,0-9 16,0 0-16,0 0 0,0 0 0,0 0 0,0 0 15,0 0-15,0 0 0,10-10 0,-10 10 16,0 0-16,0 0 16,0-1-1,0 1 16,-10-10-31,10 10 16,-9-10 15</inkml:trace>
+  <inkml:trace contextRef="#ctx0" brushRef="#br3" timeOffset="135822.07">1657 3731 0,'10'0'62,"-10"-10"-62,0 0 0,10 10 16,-10-10-16,10 10 0,-10-10 0,0-10 16,10 20-16,10-40 15,-11 30-15,-9 1 0,10-1 16,-10 0-16,0 20 125,0 29-109,0-29-16,0 0 0,0 0 0,0 0 15,0 0-15,0 10 0,0-10 0,-10 10 0,10-1 16,0-9-16,0 10 0,0-10 0,0 0 0,0 0 15,0 0-15,0 0 0,0 0 0,-9-10 0,9 20 16,0-11-16,0 1 0,0 0 16,0 0-16,0 10 15,0 0-15,0-10 0,-10-10 16,10 10-16,0 0 0,0 0 0,0 0 0,0-1 16,0 1-16,0 0 15,-10-10-15,10 10 16</inkml:trace>
+  <inkml:trace contextRef="#ctx0" brushRef="#br3" timeOffset="136390.43">1607 4108 0,'10'0'78,"0"0"-78,0 0 15,0 0-15,0 0 0,0 0 0,0 0 0,0 0 16,0 0-16,0 0 0,19 0 16,-19 0-16,0 0 15,0 0-15,0 0 0,0 0 16,0 0-16,0 0 0,-10-10 15,10 10-15,0 0 0,0 0 16,0-10-16,-1 10 0,1 0 16,0 0-16,0-10 0,0 10 0,0 0 15</inkml:trace>
+  <inkml:trace contextRef="#ctx0" brushRef="#br3" timeOffset="141431.43">1280 5983 0,'0'-10'47,"0"0"0,10 10-47,0 0 0,0 0 16,0 0-16,-10-10 0,10 10 15,0-10-15,19 0 16,-19 10-16,0 0 0,-10-10 0,10 10 0,0 0 15,0 0-15,0-10 0,0 10 16,0 0-16,0 0 0,-1 0 16,1 0-16,0 0 0,0 0 0,0 0 15,0 0 48,-10 10-48,10-10-15,-10 10 16,0 0-16,0 0 0,10-10 16,-10 10-16,0 0 0,0 0 0,0 0 15,0 10-15,-10-20 0,10 10 0,0-1 16,-10-9-16,10 10 0,0 0 0,0 0 0,0 0 0,-10-10 16,10 10-16,0 0 0,0 0 0,-10-10 0,10 10 15,0 0-15,-10-10 0,10 10 0,-10 0 16,10 0-16,0-1 0,-10-9 15,10 10-15,0 0 0,-9-10 0,9 10 32,0 0-17,0 0 1,0 0-16,-10-10 16,10 10-16,-10 0 0,0-10 15,10 10-15,0 0 16,10-10 109,0 0-125,0 0 15,-1 0-15,1 0 0,0 0 0,0 0 0,0 0 16,0 0-16,0 0 16,0 0-16,0 0 15,0 0-15,0 0 0,19 0 16,-9 0-16,-10 0 16,0 0-16,-10-10 0,20 10 0,-10 0 0,0 0 15</inkml:trace>
+  <inkml:trace contextRef="#ctx0" brushRef="#br3" timeOffset="143258.43">1002 8444 0,'0'-10'63,"10"10"-47,-10-10-16,10 10 0,0-10 0,-10 0 15,10 10-15,0 0 0,0 0 0,0 0 0,0 0 16,-10-10-16,9 10 0,1 0 0,0 0 15,0-10-15,10 10 16,-10 0-16,0 0 16,0 0-16,-10-10 0,10 10 0,0 0 0,0 0 15,0 0 1,-1 0 0,-9 10 15,0 0-16,0 0 1,0 0-16,-9-10 0,9 10 0,-10-10 0,0 0 16,10 10-16,-10-10 0,0 10 0,0-10 0,0 0 15,0 0-15,0 0 16,10 9-16,-10-9 0,0 0 0,10 10 16,-10-10-1,20 0 79,0 0-78,0 0-16,0 0 0,0 0 15,-10 10-15,10-10 16,0 0-16,-10 10 0,10-10 0,-10 10 15,10-10-15,0 10 0,0-10 16,-10 10 0,0 0-16,9-10 15,-9 10-15,0 0 0,10 0 16,0-10-16,0 0 0,-10 10 0,0-1 16,10-9-16,-10 10 0,0 0 0,10-10 0,-10 10 0,0 0 15,0 0-15,0 0 0,0 0 0,0 0 0,0 0 16,0 0-16,0 0 0,0 0 15,0-1-15,0 11 16,0-10-16,0 0 0,0 0 31,0 0-31,-10-10 0,10 10 0,-10-10 16,0 10-16,0-10 0,10 10 0,-10-10 16,-9 0-16,-1 10 15,10-10-15,0 0 0,0 10 0,0-10 0,0 0 0,0 0 16,0 0-16,10 10 0,-10-10 0,-9 0 0,-1 0 15,10 0-15,0 0 0,0 0 16</inkml:trace>
+</inkml:ink>
+</file>
+
+<file path=ppt/ink/ink3.xml><?xml version="1.0" encoding="utf-8"?>
+<inkml:ink xmlns:inkml="http://www.w3.org/2003/InkML">
+  <inkml:definitions>
+    <inkml:context xml:id="ctx0">
+      <inkml:inkSource xml:id="inkSrc0">
+        <inkml:traceFormat>
+          <inkml:channel name="X" type="integer" max="3440" units="cm"/>
+          <inkml:channel name="Y" type="integer" max="1440" units="cm"/>
+          <inkml:channel name="T" type="integer" max="2.14748E9" units="dev"/>
+        </inkml:traceFormat>
+        <inkml:channelProperties>
+          <inkml:channelProperty channel="X" name="resolution" value="43.10777" units="1/cm"/>
+          <inkml:channelProperty channel="Y" name="resolution" value="42.98507" units="1/cm"/>
+          <inkml:channelProperty channel="T" name="resolution" value="1" units="1/dev"/>
+        </inkml:channelProperties>
+      </inkml:inkSource>
+      <inkml:timestamp xml:id="ts0" timeString="2020-03-24T13:56:04.807"/>
+    </inkml:context>
+    <inkml:brush xml:id="br0">
+      <inkml:brushProperty name="width" value="0.05292" units="cm"/>
+      <inkml:brushProperty name="height" value="0.05292" units="cm"/>
+      <inkml:brushProperty name="color" value="#FFC000"/>
+    </inkml:brush>
+  </inkml:definitions>
+  <inkml:trace contextRef="#ctx0" brushRef="#br0">6320 4137 0,'10'10'0,"0"-10"0,-10 10 16,10-10-16,-10 10 15,0 0-15,10-10 0,-10 10 0,0 0 16,10-10-16,-10 10 0,0 0 16,0 0-16,0 0 0,0 0 15,0-1-15,0 1 0,10-10 0,-10 10 16,0 0-16,0 0 0,0 0 16,10 0-16,-10 0 0,0 0 0,0 0 0,0 0 0,0 0 15,0 0-15,0-1 0,0 1 0,0 0 0,0 0 0,10 0 16,-10 10-16,0-10 0,0 0 0,0 0 0,0 0 0,0 0 0,0 0 15,0 9-15,0-9 0,0 10 0,0-10 0,0 10 16,0-10-16,0 0 0,0 0 0,0 0 0,0 0 16,0 9-16,0-9 0,0 0 0,0 0 0,0 0 0,0 10 15,0 0-15,0-10 0,0 0 0,0 19 16,0 1-16,0-20 0,0 0 0,0 20 16,0-10-16,0-11 0,0 1 0,0 10 0,0 0 15,0-10-15,0 0 0,0 10 0,0-10 0,0 10 16,0-11-16,0 1 0,0 0 0,0 0 0,0 0 0,0 0 15,0 0-15,0 0 0,0 0 0,-10 0 0,10 0 0,0 0 16,0 9-16,-10-9 0,10 0 0,0 0 0,0 0 0,0 0 16,0 0-16,0 0 0,0 0 0,0 0 0,0 0 0,0 10 15,0-1-15,0-9 0,-10 0 0,10 0 0,0 10 0,0-10 0,0 0 16,0 0-16,0 0 0,0 0 0,10 0 0,-10 9 0,0-9 0,0 10 16,10-10-16,0 20 0,0-10 0,0-10 0,-10 9 0,19-9 15,-9 0-15,0 10 0,-10-10 0,0 0 0,10 0 0,0 0 0,-10 0 16,10 0-16,0 0 0,-10-1 0,10 1 0,0 0 0,0 0 15,-10 0-15,10 0 0,9 10 0,-9-10 0,0-10 0,0 0 16,-10 10-16,0 0 0,10 0 0,-10 0 63,0-1-63,0 1 0,-10-10 15,10 10-15,-10 0 0,0 0 0,0 10 16,0-10-16,1 0 0,9 0 0,-10 0 0,0 10 0,0-11 15,-10 11-15,0 10 0,10 0 0,0-20 0,0 10 0,0-20 16,1 19-16,-1-9 0,0 10 0,0-10 0,0 10 0,0 0 0,10 0 0,0-10 16,-10-1-16,0 21 0,10-20 0,-10 20 0,0-10 0,10-10 0,-10 19 0,10-19 15,-20 10-15,20 0 0,-9 20 0,9-20 0,0-1 0,-10 1 0,10 10 16,0-10-16,0 10 0,0 19 0,0 1 0,0 39 16,0-69-16,19 40 0,1-11 0,-20-29 0,10 20 15,0-11-15,0-9 0,-10 0 0,10 10 0,0-10 0,0 0 0,0-1 0,0 21 16,0-20-16,-10 0 0,10 10 0,-1-11 0,1 1 0,0 0 0,-10 0 0,10 10 15,0-20-15,-10 9 0,10 1 0,0-10 0,-10 10 0,10-20 0,-10 10 16,0 10-16,0-10 0,10-10 0,-10 10 0,0 0 0,0 0 16,10-10-16,-10 9 0,0 1 0,0 0 0,10 0 0,-10 0 15,0 0 1,0 0-16,0 0 0,0 0 16,-10-10-16,10 10 15,-10-10-15,10 10 0,-10-10 0,0 0 16,0 0 15,0 0-31,10-10 16,-10 0-16,0 10 0,10-10 0,0 0 0</inkml:trace>
+  <inkml:trace contextRef="#ctx0" brushRef="#br0" timeOffset="796">7412 5179 0,'-10'0'16,"0"0"-16,0 0 15,0 0-15,0 0 0,-10 10 0,10-10 16,0 10-16,10 0 0,-10-10 0,1 10 0,-1 0 0,0 0 15,0-10-15,-10 20 0,0-1 0,10 1 16,0-10-16,0-10 0,0 20 0,1 10 16,-1-10-16,0 0 0,10-11 0,-10 11 0,10-10 0,0 10 0,-10-10 15,10 0-15,0 0 0,0 10 0,0-10 0,0 9 0,0-9 0,0 0 0,0 0 16,0 10-16,0-10 0,0 10 0,0-10 0,0 0 0,0 0 16,0 19-16,0-19 0,10 10 0,-10 0 15,10-20-15,0 10 0,-10 0 0,10-10 0,-10 10 0,9-10 16,1 10-16,0-10 0,0 0 0,-10 10 0,10-10 0,0 0 0,0 0 15,0 0-15,0 0 0,0 0 0,0 0 0,0 0 0,-1 0 16,1 0-16,-10-10 0,10 10 0,0 0 0,0-10 0,0 10 16,0 0-16,-10-10 0,20 0 0,-10 0 15,-10 0-15,0 0 0,10 10 0,-10-10 0,10 10 0,-10-10 0,10 0 0,-10 0 16,9 0-16,-9 1 0,10 9 0,-10-10 0,10-10 0,-10 10 0,0 0 0,10 0 16,-10-10-16,0 10 0,10 10 0,-10-20 0,10 10 0,-10 1 0,10-1 0,0-10 15,-10 10-15,10 0 0,-10 0 0,0 0 0,0 0 0,0-10 16,0 10-16,0 1 0,10-1 0,-10 0 0,0-10 0,0 10 15,0 0-15,0 0 0,0 0 0,0 0 0,-20-20 0,20 21 16,-10-1-16,10 0 0,-10 10 0,10-10 0,-10 0 0,10 0 0,-10 10 16,10-10-16,-10 10 0,0-10 0,10 0 0,-10 10 15,1 0-15,9-10 0,-10 10 0,10-10 16,-10 10-16,0 0 0</inkml:trace>
+  <inkml:trace contextRef="#ctx0" brushRef="#br0" timeOffset="1512.61">8037 5110 0,'-20'0'15,"40"0"-15,-50 0 0,20 0 0,0 0 0,0 0 0,-10 0 16,10 0-16,1 0 0,-1 10 0,0-10 0,0 0 0,10 10 0,-10-10 16,0 0-16,10 10 0,-10-1 0,0 1 0,0-10 0,0 10 0,0 0 15,0-10-15,10 10 0,0 0 0,-10 0 0,1 10 0,-1-20 0,0 10 16,0 0-16,10 0 0,0 0 0,-10-1 0,10 1 0,0 0 0,-10 10 15,10-10-15,0 0 0,0 0 0,-10 10 0,0-10 16,10 19-16,0 1 0,0-20 0,-10 0 0,10 10 0,0-10 16,0 0-16,0 0 0,0 0 0,0-1 0,0 11 0,0-10 0,0 0 15,0 10-15,0-10 0,0 0 0,0 0 0,0 0 0,10 0 0,-10 0 16,10-10-16,-10 9 0,0 1 0,0 0 0,0 0 0,10-10 0,-10 10 0,10-10 16,0 0-16,-10 10 0,10-10 0,-10 10 0,10-10 0,-10 10 15,10-10-15,-10 10 0,9-10 16,1 0 31,0 0-47,0 0 0,0 0 0,0 0 15,0 0-15,-10-10 0</inkml:trace>
+  <inkml:trace contextRef="#ctx0" brushRef="#br0" timeOffset="1979.61">8215 5199 0,'0'10'16,"0"0"-1,0 0-15,0 0 0,0 0 0,-10-10 0,10 10 0,0 0 0,-9-1 0,9 1 16,0 10-16,0 0 0,-10-10 0,10 20 15,0-20-15,0 0 0,0 0 0,0-1 0,0 1 0,0 0 0,0 0 16,0 0-16,0 0 0,0 0 0,0 0 16,0 0-16,0 0 0,0 0 15,0 0-15,0-1 16,0 1-16,0 0 16,0 0-16,0 0 0</inkml:trace>
+  <inkml:trace contextRef="#ctx0" brushRef="#br0" timeOffset="2631.61">8364 5030 0,'0'-10'63,"10"10"-32,0 0-31,0 0 0,0 0 16,0 0-16,0 0 0,0 0 0,0 0 0,0 0 0,-1 0 15,11 0-15,-20 10 0,10-10 0,20 0 16,-30 10-16,10-10 0,0 0 0,-10 10 0,10-10 0,0 0 16,0 10-16,-1 0 0,1-10 0,-10 10 0,10-10 0,-10 10 0,0 0 15,10 0-15,0-10 0,0 10 0,0 10 0,10-1 16,-20-9-16,10 0 0,0 0 0,-10 0 0,10 0 0,9 20 16,-9-10-16,-10-1 0,10 1 0,-10-10 15,0 0-15,0 0 0,0 0 0,0 0 0,0 0 0,0 0 0,0 0 16,0 19-16,0-19 0,0 10 0,0 10 0,0-10 0,0-10 15,0 0-15,0 0 0,0 9 0,0-9 0,0 20 0,0-10 16,0 0-16,0-10 0,0 0 0,-10 19 0,10-9 16,-10-20-16,10 10 0,-9 0 0,9 0 0,-10 0 0,10 0 0,-10 0 15,10 0-15,-10-10 0,10 10 0,-10-10 16,10 10-16,0-1 0,-10-9 0,0 10 0,10 0 16,-10-10-16,10 10 0,-10-10 15,10 10-15,0 0 31</inkml:trace>
+  <inkml:trace contextRef="#ctx0" brushRef="#br0" timeOffset="4619.6">9525 3552 0,'10'0'47,"0"0"-31,0 0-16,0 0 0,0 0 0,0 0 0,0 0 16,-1 0-16,1 0 0,0 0 0,0 0 0,0 0 0,0 0 15,0 0-15,0 0 0,0 0 0,0 0 0,10 0 0,-10 0 16,-1 0-16,1 0 0,0 0 0,0 0 0,0 10 0,0-10 0,0 0 15,0 0-15,10 0 0,-10 10 0,0-10 0,-1 0 0,1 0 16,0 0-16,0 0 0,0 0 0,0 0 0,0 0 0,10 0 0,-10 0 0,0 0 16,0 0-16,29 10 0,-29-10 0,10 0 15,0 0-15,-10 0 0,0 0 0,0 0 16,0 0-16,9 0 0,-9 0 0,0 0 0,0 0 16,0 0-16,0 0 0,0 0 0,0 0 15,0 0-15,0 0 16,0 0-16,0 0 0,0 0 15,-1 0-15,1 0 16,0 0-16,-20 0 125,0 0-125,1 0 16,-11 0-16</inkml:trace>
+  <inkml:trace contextRef="#ctx0" brushRef="#br0" timeOffset="5213.6">9684 3780 0,'10'0'47,"0"0"-47,0 0 15,0 0-15,-1 0 0,1 0 0,-10-10 0,10 10 16,0 0-16,0 0 0,0 0 0,0 0 0,-10-10 0,10 10 0,10 0 16,-10-10-16,0 10 0,19 0 0,-19 0 15,0 0-15,0 0 0,10-9 0,-10 9 0,0 0 0,0 0 0,0 0 16,0 0-16,-1 0 0,-9-10 0,10 10 0,0 0 0,0 0 0,0 0 0,0 0 16,0 0-16,0 0 0,0 0 0,0 0 15,0 0-15,0 0 0,0 0 0,-1 0 0,1 0 0,0 0 0,0 0 16,0 0-16,0 0 0,0 0 0,0 0 0,0 0 15,0-10-15,0 10 0,0 0 16,0 0-16,-1 0 0,1 0 0,0 0 16,-10-10-16,10 10 0,-20 0 93,0 0-93</inkml:trace>
+  <inkml:trace contextRef="#ctx0" brushRef="#br0" timeOffset="5773.77">9614 3929 0,'10'0'15,"0"0"-15,0 0 0,0 0 16,0 0-16,0 0 0,0 0 0,0 0 0,0 0 0,10 0 16,-1 0-16,-9 0 0,10 0 0,-10 0 15,0 0-15,30 0 0,-30 0 0,59 0 16,-59 0-16,20 0 15,-10 0-15,9 0 0,-19 0 0,0 0 16,10 0-16,-10 0 0,0 0 0,10 0 0,0 0 16,-1 0-16,-9 0 0,20 0 0,-20 0 0,0 0 15,0 0-15,0 0 0,0 0 0,0 0 16,0 0-16,-1 0 0,11 0 16,-10 0-16,0 0 0,0 0 15</inkml:trace>
+  <inkml:trace contextRef="#ctx0" brushRef="#br0" timeOffset="10035.2">4911 4723 0,'0'0'0,"0"10"15,-10-10 1,1 0-1,9 10-15,-10-10 0,0 0 16,0 10-16,0-10 0,10 9 0,-10 1 16,0-10-16,-10 0 0,10 0 0,10 10 0,-10-10 0,0 10 15,0-10-15,1 0 0,-1 0 0,0 0 0,0 0 0,10 10 16</inkml:trace>
+  <inkml:trace contextRef="#ctx0" brushRef="#br0" timeOffset="11391.42">4326 4564 0,'10'0'32,"0"0"-32,0 0 0,0 0 15,0 0-15,0 0 0,-1 0 0,1 0 0,0 0 16,0 0-16,0 0 0,0 0 0,0 0 0,0 0 0,0 0 0,0 0 15,0 0-15,0 0 0,49 0 16,-49 0-16,10 0 0,30 0 0,-11 0 16,-19 0-16,0 0 0,0 0 0,-10 0 0,9 0 0,1 0 0,-10 0 15,0 0-15,0 0 0,10 0 0,-10 0 0,0 0 0,0 0 0,0 0 16,0 0-16,-1 0 0,1 0 0,0 0 0,0 0 0,0 0 16,0 0-16,0 0 15,-10-10-15,10 10 0,0 0 0,0 0 0,0 0 0,0 0 0,0 0 16,-10-10-16,9 10 0,1 0 0,0 0 0,0-10 0,0 10 15,0 0-15,0 0 0,0 0 0,0 0 0,0 0 0,0 0 16,0 0-16,0 0 0,9-10 0,-9 10 0,0 0 16,0 0-16,0 0 62,0 0-62,0 0 0,0 0 0,0 0 0,0 0 16,0 0-16,-1 0 0,1 0 0,0 0 0,0 0 0,0 0 15,0 0-15,0 0 0,0-10 0</inkml:trace>
+  <inkml:trace contextRef="#ctx0" brushRef="#br0" timeOffset="12269.42">4296 4713 0,'10'0'0,"0"0"16,0 0-16,0 0 0,0 0 15,0 0-15,0 0 0,0 0 0,0 0 16,-1 0-16,1 0 0,0-10 0,0 10 0,0 0 0,0 0 16,0 0-16,0 0 0,0 0 0,0 0 0,10 0 15,-10 0-15,-1 0 0,1 0 0,0 0 0,10 0 16,0 0-16,-10 0 0,20 0 0,-20 0 0,0 0 0,19 0 16,-19 0-16,0 0 0,10 0 0,-10 0 0,0 0 0,0 0 15,10 0-15,-11 0 0,1 0 0,0 0 0,10 0 16,10 0-16,-20 0 0,10 0 0,-10 0 0,0 0 15,-1 0-15,11 0 0,-10 0 0,0 0 0,0 0 16,10 0-16,0 0 0,-10 0 0,0 0 0,0 0 0,-1 0 16,1 0-16,0 0 0,0 0 0,0 0 0,10 0 15,0 0-15,-10 0 0,0 0 0,-10-10 16,10 10-16,0 0 0,-1 0 0,1 0 0,0 0 16,0 0-16,0-10 15</inkml:trace>
+  <inkml:trace contextRef="#ctx0" brushRef="#br0" timeOffset="22713.42">6052 12164 0,'-19'0'0,"9"0"16,0 0-16,0 0 0,0 0 0,-10 20 16,10-10-1,0 20 1,0-30-16,10 10 0,-10-10 0,10 10 0,-10 0 0,10-1 0,0 1 0,-9-10 0,-1 0 16,10 20-16,-10-10 0,10 0 0,0 10 0,0 0 15,0 0-15,0-11 0,0 1 0,0 0 0,0 0 16,0 0-16,0 0 0,0 0 0,0 0 0,0 0 15,0 0-15,0 0 0,0 0 0,10-10 0,-10 10 16,10-1-16,-1-9 0,1 0 0,-10 10 0,10-10 16,-10 10-16,10-10 0,0 0 0,0 0 0,-10 10 0,10-10 0,0 0 0,0 0 15,0 0-15,0 0 0,0 0 0,-1 0 0,11 0 0,-10 0 16,0 0-16,20-10 0,-20 0 0,0 10 0,0-10 16,0 10-16,0 0 0,-1-9 0,1-1 0,0 0 0,10-10 15,0 10-15,-10 0 0,-10-10 0,10 10 0,0 0 16,0 10-16,0-10 0,-10 0 0,10-9 0,-1 9 0,-9 0 0,10 0 0,-10-10 0,10 10 15,-10 0-15,10-10 0,-10 10 0,10 1 0,-10-1 0,0 0 16,0 0-16,0 0 0,0 0 0,0-10 0,0 10 0,0 0 0,0 0 16,0 0-16,0 0 0,0 1 0,0-1 0,0 0 0,0 0 15,0 0-15,0 0 0,-10 10 0,10-10 0,0 0 16,-10 10-16,0 0 0,10-10 0,-10 10 16,1 0-16,-1 0 0,0-10 0,0 10 0,0 0 15,0 0-15,0 0 0,0 0 0,0 0 0,0 0 16,0 0-16,0 0 0,0 0 0,1 0 0,9 10 0,-10-10 0,0 0 15,0 0-15</inkml:trace>
+  <inkml:trace contextRef="#ctx0" brushRef="#br0" timeOffset="23338.42">6727 11996 0,'0'0'0,"-10"0"0,0 0 0,10 9 0,-20-9 0,20 10 0,-10 0 15,1-10-15,9 10 0,-10-10 0,0 0 0,10 10 0,-10-10 0,0 10 16,10 0-16,-10 0 0,0-10 0,10 10 0,-10 0 0,0-10 0,0 10 16,0 0-16,0 0 0,0-1 0,1 11 15,-1-20-15,0 10 0,10 0 0,0 0 0,0 0 16,0 0-16,0 0 0,0 0 16,0 0-1,0 0-15,0 0 0,0-1 16,0 1-16,10-10 0,0 0 0,-10 10 15,9 0-15,1-10 0,-10 10 16,0 0-16,10-10 16,-10 10-16,10-10 0,0 0 15,0 0-15,0 0 0,0 0 16,0 0-16,0 0 0,0 0 16,0 0-16,0 0 0,-1 0 15</inkml:trace>
+  <inkml:trace contextRef="#ctx0" brushRef="#br0" timeOffset="23737.42">6906 11936 0,'0'10'31,"0"10"-15,0-10-16,0 0 0,0 9 0,0 1 16,-10-10-16,10 20 0,-10-20 0,0 20 15,0-1-15,10-19 0,0 0 0,0 10 0,0-10 16,0 0-16,-10-10 0,10 10 0,0 0 0,0 0 0,0 0 16,0 0-16,0 0 15</inkml:trace>
+  <inkml:trace contextRef="#ctx0" brushRef="#br0" timeOffset="24279.42">7134 11847 0,'10'0'0,"30"0"16,-31 0-16,-9 10 0,10-10 0,-10 10 0,10-10 16,0 9-16,0-9 0,-10 10 0,10-10 0,0 0 15,-10 10-15,0 0 0,10 0 0,0-10 16,0 10-16,-10 0 0,10 0 0,-10 0 0,10-10 0,-10 10 15,0 0-15,0 0 0,0 0 0,0-1 0,0 1 0,0 0 16,0 10-16,0-10 0,0 0 0,0 0 0,0 0 16,0 0-16,0 0 0,0 0 0,0 0 0,0-1 15,0 1-15,-10-10 0,10 10 0,0 0 0,-10 0 0,10 0 0,-10-10 16,0 10-16,10 0 0,0 0 0,-10 0 0,0 10 0,0-20 0,-10 19 16,10-9-16,0 10 0,10-10 0,-9-10 15,-1 0-15,0 10 0,10 0 0,-10-10 0,10 10 0,-10-10 0,10 10 0,-10 0 16,0 0-16</inkml:trace>
+  <inkml:trace contextRef="#ctx0" brushRef="#br0" timeOffset="46776.28">4524 9555 0,'10'0'62,"0"0"-46,0 0-16,0 0 15,0 0-15,-10 10 0,10-10 0,0 0 16,0 0-16,0 0 0,0 0 0,-10 10 0,10-10 16,0 0-16,-1 0 0,1 0 0,0 0 0,0 0 15,0 0-15,0 0 0,0 0 16,0 0-16,0 0 0,0 0 16,0 0-1,0 0-15,-1 0 16,1 0-16,0 0 15,0 0-15,0 0 16,0 0-16,0 0 16,0 0-1,0 0-15,0 0 16,0 0-16,0 0 16,0 0-16,-1 0 0,1 0 15,0 0-15,10 0 0,-10 0 0,0 0 16,0 0-16,0 0 0,0 0 0,-10-10 0,10 10 0,0 0 15,0 0-15,-1 0 16,-9-10-16,10 10 0,0 0 16,-10-10-16,10 10 0,0 0 15,0 0 1,0 0 0,0 0-16,0 0 0,0 0 15,0 0-15,0 0 0,0 0 0,-1 0 16,1 0-16,0 0 0,0 0 0,0 0 15,0 0-15,0 0 0,0 0 0,0 0 0,0 0 16,0 0-16,0 0 16,-1 0-16,-9-10 0,10 10 0,0 0 0,0 0 15,0 0 79,0 0-78</inkml:trace>
+  <inkml:trace contextRef="#ctx0" brushRef="#br0" timeOffset="49094.28">4564 9495 0,'10'0'0,"-10"-10"0,10 10 0,0 0 16,0 0-16,0 0 0,0 0 15,0 0-15,0 0 16,-1 0-16,1 0 16,0 0-16,0 0 15,0 0 1,0 0-16,0 0 0,0 0 15,0 0-15,0 0 0,0 0 16,0 0-16,-1 0 0,1 0 0,0 0 0,0 0 16,0 0-16,0 0 0,0 0 0,0 0 15,0 0-15,0 0 16,0 0 0,-10-10-16,10 10 0,0 0 15,-1 0-15,1 0 16,0 0-16,0 0 0,0 0 15,0 0-15,0 0 0,-10-10 16,10 10-16,0 0 16,0 0-1,0 0 1,0 0-16,0 0 0,-1 0 16,1 0-16,0 0 0,0 0 0,0 0 15,0 0-15,0 0 0,0 0 16,0 0-16,0 0 15,0 0 1,0-9-16,0 9 16,-1 0-16,-9-10 15,10 10-15,0 0 16,0 0-16,-10-10 0,10 10 16,0 0-16,-10-10 0,10 10 0,0 0 15,0 0-15,0 0 16,0 0 15,0 0-15,-1 0-1,1 0-15,0 0 0,0 0 16,0 0 0,0 0-16,0-10 0</inkml:trace>
+  <inkml:trace contextRef="#ctx0" brushRef="#br0" timeOffset="63883.26">10537 9585 0,'0'0'0,"-20"0"16,10 0-1,0 0-15,0 0 0,1 0 0,-1 0 16,0 0-16,10 9 0,-10-9 16,0 0-16,0 10 0,-10 20 31,10-30-31,-10 20 15,20-10-15,-10-10 0,10 10 16,0 0-16,0 0 0,-10-10 0,1 10 16,-1-10-16,10 10 0,0-1 0,-10 1 0,0-10 0,10 10 0,-10 0 15,10 0-15,0 0 0,0 0 0,-10 0 16,10 0-16,0 0 0,0 10 16,-10-11-16,10 1 0,0 0 0,0 0 15,0 0-15,0 0 0,0 0 16,0 0-16,0 0 0,10-10 0,-10 10 15,0 0-15,0 0 16,0 0-16,10-10 0,0 0 16,0 0 31,0 0-47,0 0 15,-1 0-15,1 0 16,0 0-1,0 0-15,0 0 0,0 0 16,0 0-16,0 0 0,0 0 16,0-10-16,0 10 0,0 0 15,-10-10 1,10 10 31,-10-10-47,9 10 0,1 0 15,0-10-15,-10 0 0,0 0 0,10 10 0,0-10 0,-10 0 16,0 0-16,10 10 0,-10-10 0,10 0 0,-10 0 0,10 10 0,-10-9 16,0-1-16,0 0 0,10 10 0,0 0 0,-10-10 0,0 0 0,0 0 15,10 0-15,-10 0 0,0 0 16,0 0-16,0 0 16,0 0-16,0 1 0,0-1 15,0 0-15,0 0 16,0 0-16,0 0 0,0 0 0,0 0 15,0 0 1,0 0 15,-10 10-15,0-10 0,0 10-16,0 0 15,0 0-15</inkml:trace>
+  <inkml:trace contextRef="#ctx0" brushRef="#br0" timeOffset="64744.25">10874 9585 0,'-9'0'16,"-1"0"-1,-10 0-15,10 0 0,0 0 16,10 9-16,-10-9 0,0 0 0,10 10 0,-10 0 0,0 0 16,0-10-16,10 10 15,0 0-15,-10-10 0,10 10 0,-10 0 16,10 0-16,-9 0 0,9 0 0,0 0 15,-10 0-15,10-1 0,-10 11 16,10-10-16,0 0 0,0 0 16,-10 0-16,10 0 0,0 0 0,0 0 0,0 0 0,0 0 15,0-1-15,0 1 0,0 0 0,0 0 0,0 0 16,0 0-16,0 0 0,10 0 0,-10 0 0,0 0 16,10 0-16,-10 0 0,0 0 0,10-10 0,-10 9 0,0 1 0,9-10 15,-9 10-15,0 0 0,10-10 0,-10 10 0,0 0 16,0 0-16,10-10 0,-10 10 0,10-10 0,0 10 15,0 0-15,0-10 16,-10 10-16,10-10 0,-10 10 16,10-10-16,0 0 0,0 0 15,0 10-15,0-10 0,-1 0 16,1 0-16,0 0 16</inkml:trace>
+  <inkml:trace contextRef="#ctx0" brushRef="#br0" timeOffset="65868.25">11053 9793 0,'0'10'32,"0"0"-17,-10-10-15,10 10 0,0 0 0,0-1 0,0 1 16,-10 0-16,10 0 0,-10 0 0,10 0 0,0 0 16,0 0-16,-10 0 0,10 0 0,0 0 15,0 0-15,-10-10 0,10 10 0,0-1 0,0 1 0,0 0 16,0-20 109,0 0-125,0 1 0,0-1 0,0 0 15,0 0-15,0-10 0,0 10 0,10 0 16,-10-10-16,10 10 0,-10 0 0,0 0 0,10 10 16,-10-9-16,0-1 0,0 0 0,10 10 0,-10-10 0,0 0 0,0 0 15,0 0-15,0 0 0,10 10 0,-10-10 0,0 0 0,10 10 16,-10-10-16,0 0 0,10 10 0,-10-9 0,10 9 0,-10-10 0,10 10 16,0-10-16,0 10 46,-1 0-30,1 0 0,-10 10-16,10-10 0,-10 10 15,0-1-15,10-9 0,-10 10 0,0 0 0,10 0 16,-10 0-16,0 10 0,10 0 16,0-10-16,-10 0 0,0 0 0,10-10 0,-10 9 15,0 1-15,0 0 0,10-10 0,-10 10 0,0 0 0,0 0 16,0 0-16,10-10 0,-10 10 0,0 0 0,0 0 15,0 0 1,0 0 0,10-10-16,-10 10 15,0-1 1</inkml:trace>
+  <inkml:trace contextRef="#ctx0" brushRef="#br0" timeOffset="66553.25">11182 9396 0,'10'0'0,"0"0"15,0 0-15,0 0 0,0 0 16,0 0-16,-1 0 0,1 0 0,0 0 0,0 0 0,0 0 16,0 0-16,0 0 0,0 0 0,0 0 0,0 0 0,10 0 0,19 0 15,-29 0-15,0 0 0,0 0 0,0 0 0,0 10 16,10-10-16,0 10 0,-10-10 0,-1 10 0,1-10 0,10 20 16,-20-10-16,20-1 0,-10-9 0,-10 10 0,10-10 15,0 10-15,-10 0 0,10 0 0,-10 0 0,0 0 0,10 0 0,-10 0 16,10 0-16,-10 0 0,9 0 0,-9 0 0,10-10 0,-10 9 0,0 1 0,10 10 15,-10-10-15,0 0 0,10 0 0,-10 10 0,0-10 0,0 20 16,0-21-16,0 11 0,0-10 0,0 10 0,0-10 16,0 0-16,0 0 0,0 10 0,0-10 0,0-1 0,0 1 0,0 0 15,0 0-15,0 0 0,0 10 0,0-10 0,0 10 16,0 0-16,0-10 0,-10-1 0,0-9 0,10 10 0,-10 0 16,10 10-16,-9-20 0,9 10 0,0 0 0,-10-10 15,10 20-15,-10-10 0,10 0 0,-10 0 0,0-10 0,10 10 0,-10-1 16,0-9-16,10 10 0,0 0 0,0 0 0,-10-10 15,10 10-15,-10 0 0,0-10 0,10 10 0,-10-10 16,10 10-16,-10-10 0,10 10 0,0 0 0,-9-10 0,9 10 16</inkml:trace>
+  <inkml:trace contextRef="#ctx0" brushRef="#br0" timeOffset="89539.42">14932 2927 0,'0'10'62,"0"0"-62,0 0 0,0 0 0,0 0 0,0-1 16,0 11-16,0-10 0,0 0 0,0 10 0,0 10 16,0 0-16,0-21 0,0 1 0,10 10 0,-10-10 0,0 0 15,0 0-15,0 0 0,0 0 0,0 0 0,0 0 0,0 0 0,0 0 0,0-1 16,10-9 31,0 0-32,-10-9-15,10 9 0,10-30 0,-20 20 0,20-20 16,-10 10-16,0 0 0,0 1 0,19-11 0,-19 10 16,20-10-16,-10-10 0,10 1 0,-20 19 0,19 0 0,-19 0 0,10 0 15,-10 1-15,10-11 0,0 10 0,0 10 0,-1-10 0,11-19 16,-10 29-16,0-10 0,29-40 0,-29 40 16,-20 10-16,10 1 0,10-1 0,-10-10 0,20 0 0,-20 10 0,0-10 15,0 10-15,9-10 0,-9 1 0,0 19 16,-10-10-16,0 0 0,10 0 0,-10 0 0,10 10 15</inkml:trace>
+  <inkml:trace contextRef="#ctx0" brushRef="#br0" timeOffset="90294.42">15409 3155 0,'0'0'0,"10"0"16,0 0 31,-10 10-47,0 0 0,0 0 15,0 0-15,9 0 0,-9 0 0,10 0 16,-10 0-16,0-1 0,10 1 0,0-10 62,0 0-46,0-10-16,10-9 0,-10 9 16,10 0-16,-10 0 0,29-40 0,-29 40 0,0-10 0,0 11 15,10-1-15,-10-10 0,10 0 0,29-40 0,-29 41 0,0-1 16,-10 0-16,10 0 0,29-30 0,-19 11 0,40-31 16,-51 50-16,1 1 0,-10-1 0,20 0 0,-10 0 15,0 10-15,0-20 0,-11 11 0,21-11 0,-10 10 0,-10 0 16,20 10-16,-10-20 0,-1 1 0,11 9 0,-20 10 15,0 0-15,0 10 0,-10-10 0,0 0 0,10 0 0,-10 0 0,10 0 0,0 0 16,0 10-16,0-10 0,-1 1 0,-9-1 16,10 10-16</inkml:trace>
+  <inkml:trace contextRef="#ctx0" brushRef="#br0" timeOffset="91027.42">15945 3324 0,'9'-10'0,"11"10"15,-20-10 1,10 10 15,-10 10-31,0 10 16,10-10-16,0 0 0,-10 9 0,20 1 0,-10-10 15,0 0-15,0-10 0,-10 10 0,0 0 0,10-10 0,0 10 16,-10 0-16,9-10 0,1 0 0,0 0 0,-10 10 0,10-10 16,0 0-16,0 0 0,0 0 0,0 10 0,0-10 15,0 0-15,0 0 0,0 0 0,-1 0 0,1 0 0,0 0 0,0 0 16,0 0-16,0 0 0,0 0 0,0-10 0,10 10 0,-10 0 15,10-10-15,-20 0 0,9 10 0,21-30 16,-20 30-16,10-10 0,-10-10 0,0 10 0,0 1 0,10-1 0,-10-10 16,-10 10-16,29-30 0,21 10 0,-20-9 0,-20 19 15,9-10-15,1 10 0,0 0 0,-10 1 0,10-1 0,0 0 0,9 0 16,-19 0-16,10 0 0,0-19 0,0 19 0,0 0 0,0 0 0,9 0 0,-4116-19 16,8224 19-16,-4117 0 0,0 0 0,9 0 0,1-19 0,-20 29 0,20-10 0,-20 0 15,10 0-15,0 10 0,-11-10 0,11 10 0,0-9 0,-10 9 0,10-20 16,0 20-16,0 0 0,-20 0 0,0 0 0,10 10 15,9-20-15,-9 10 0</inkml:trace>
+  <inkml:trace contextRef="#ctx0" brushRef="#br0" timeOffset="91878.42">16788 3403 0,'0'10'47,"0"0"-47,0 0 0,0 0 0,10 0 16,-10 0-16,0 0 0,0 0 0,0-1 0,10-9 15,-10 10-15,0 0 0,10-10 0,-10 10 0,10-10 16,-1 0-16,1 0 0,0 0 0,0 0 15,0 0-15,0 0 0,0 0 0,0 0 0,0 0 0,0 0 16,0 0-16,0-10 0,9 0 0,1 10 0,-10-19 0,20 9 0,-20-10 0,10 10 16,10-20-16,-1 10 0,-9 0 0,10-9 0,29-21 0,-39 30 15,60-59-15,-51 59 0,-9 0 0,0 0 0,10-19 0,0 19 16,-11 0-16,1 0 0,0 0 0,10-19 0,-10 29 0,0-20 0,-1 10 16,31-39-16,-30 39 0,10-10 0,-10 10 0,-11 10 0,1-10 15,10 10-15,-10 0 0,0 1 0,0-1 0,0 0 0,0 0 0,-10 0 16,10 10-16,-10-10 0,10 10 0,-10-10 0,10 10 0,-10-10 15</inkml:trace>
+  <inkml:trace contextRef="#ctx0" brushRef="#br0" timeOffset="129086.52">9416 3562 0,'10'0'62,"0"0"-46,0 0-16,0 0 16,0 0 62,-1 0-78,1 0 15,0 0-15,0 0 0,0 0 16,0 0-16,0 0 16,-10-10-16,10 10 0,0 0 0,0 0 15,0 0-15,-10-10 16,10 10 0,0 0-1,-1 0 1,1 0 15,0 0-15,-10-10-16,10 10 15,0 0 1,0 0 15</inkml:trace>
+  <inkml:trace contextRef="#ctx0" brushRef="#br0" timeOffset="131790.51">9793 3750 0,'-10'0'125,"0"0"-125,0 0 16,0 0-16,0 0 15,0 0-15,1 0 16,-1 0-16,0 0 16,0 0-16,0 0 15,0 0 1,0 0-16,0 0 16,0 0-1,0 0 48,0 0-48,0 0 17,0 0-17,1 0-15,-1 0 16,0 0-1,0 0-15,0 0 16,0 0-16,0 0 0,0 0 0,0 0 16,0 0-16,0 0 15,0 0-15,0 0 0,1 0 16,-1 0 0,0 0-16,0 0 15,0 0-15,0 0 0,0 0 16</inkml:trace>
+  <inkml:trace contextRef="#ctx0" brushRef="#br0" timeOffset="133087.51">9664 3939 0,'-10'0'63,"0"0"-48,0 0 1,0 0-16,0 0 16,0 0-16,1 0 15,-1 0-15,0 0 47,0 0-31,0 0-16,0 0 0,0 0 15,0 0-15,0 0 0,0 0 16,10 10-16,-10-10 0,0 0 16,0 0-16,1 0 46,-1 0-30,0 0-16,0 10 0,0-10 16,0 0-16,0 0 0,10 10 15,-10-10-15,0 0 0,0 0 16,0 0 0,0 0-16,0 0 15,1 0-15,-1 0 0,0 0 16,0 0-16,0 0 0,0 0 15,0 0 1</inkml:trace>
+</inkml:ink>
+</file>
+
+<file path=ppt/ink/ink4.xml><?xml version="1.0" encoding="utf-8"?>
+<inkml:ink xmlns:inkml="http://www.w3.org/2003/InkML">
+  <inkml:definitions>
+    <inkml:context xml:id="ctx0">
+      <inkml:inkSource xml:id="inkSrc0">
+        <inkml:traceFormat>
+          <inkml:channel name="X" type="integer" max="3440" units="cm"/>
+          <inkml:channel name="Y" type="integer" max="1440" units="cm"/>
+          <inkml:channel name="T" type="integer" max="2.14748E9" units="dev"/>
+        </inkml:traceFormat>
+        <inkml:channelProperties>
+          <inkml:channelProperty channel="X" name="resolution" value="43.10777" units="1/cm"/>
+          <inkml:channelProperty channel="Y" name="resolution" value="42.98507" units="1/cm"/>
+          <inkml:channelProperty channel="T" name="resolution" value="1" units="1/dev"/>
+        </inkml:channelProperties>
+      </inkml:inkSource>
+      <inkml:timestamp xml:id="ts0" timeString="2020-03-24T13:58:45.082"/>
+    </inkml:context>
+    <inkml:brush xml:id="br0">
+      <inkml:brushProperty name="width" value="0.05292" units="cm"/>
+      <inkml:brushProperty name="height" value="0.05292" units="cm"/>
+      <inkml:brushProperty name="color" value="#FFC000"/>
+    </inkml:brush>
+    <inkml:brush xml:id="br1">
+      <inkml:brushProperty name="width" value="0.05292" units="cm"/>
+      <inkml:brushProperty name="height" value="0.05292" units="cm"/>
+      <inkml:brushProperty name="color" value="#92D050"/>
+    </inkml:brush>
+  </inkml:definitions>
+  <inkml:trace contextRef="#ctx0" brushRef="#br0">6340 1101 0,'-10'0'0,"20"0"0,-30 0 15,20-10-15,-10 10 0,0 0 0,1 0 0,-1 0 0,10-10 16,-10 10-16,0 0 0,0-9 0,0 9 15,0 0-15,0 0 0,0 0 0,0 0 0,0 0 16,0 0-16,0 0 0,1 0 0,-1 0 0,0 0 0,0 0 0,0 0 16,0 0-16,0 0 0,0 0 0,10-10 0,-10 10 15,0 0-15,0 0 0,0 0 0,0 0 0,1 0 0,-1 0 16,-10 0-16,0 0 0,10 0 16,0 0-16,0 0 0,0 0 0,0 0 15,10-10-15,-10 10 0,1 0 0,-1 0 0,0 0 16,0 0-16,0 0 0,0 0 0,0 0 0,0 0 0,0 0 15,0 0-15,0 0 0,0 0 0,0 0 0,1 0 0,-1 0 16,0 0-16,0 0 0,0 0 0,0 0 0,0 0 0,0 0 0,0 0 16,0 0-16,-10 0 0,10 0 0,1 0 0,-1 0 0,0 0 15,0 10-15,0-10 0,0 0 0,0 0 0,0 0 0,0 0 0,0 0 16,0 0-16,0 0 0,0 0 0,1 10 0,-1-10 0,0 0 0,0 0 16,0 0-16,0 0 0,-10 9 0,10-9 15,0 0-15,0 10 0,0-10 0,0 0 0,1 0 0,-1 0 16,0 0-16,0 0 0,0 0 0,-10 10 0,10-10 15,0 0-15,0 0 0,0 0 0,0 0 16,0 0-16,1 0 0,-1 0 16,0 0-16,0 10 0,0-10 15,0 0-15,0 0 0,0 0 0,10 10 0,-10-10 16,0 0-16,0 0 0,0 0 0,1 0 0,-1 0 16,0 0-16,10 10 0,-10-10 0,0 0 0,0 0 15,10 10-15,-10-10 0,0 0 0,0 0 0,0 0 16,0 0-16,0 0 15,0 0-15,1 0 0,9 10 0,-10-10 16,0 0-16,0 0 0,10 10 0,-10-10 0,0 0 16,0 0-16,0 0 0,0 0 0,0 0 0,0 0 15,0 0-15,10 10 0,-10-10 0,1 0 0,-1 0 16,0 10-16,0-10 0,0 0 0,0 0 0,0 0 0,-20 10 16,20-10-16,0 0 0,0 0 0,1 0 0,-1 0 0,0 0 15,0 10-15,0-10 0,0 0 0,0 0 0,0 0 0,10 9 0,-10-9 0,0 0 16,0 0-16,0 0 0,1 0 0,9 10 0,-10-10 0,0 0 31,10 10-31,-10-10 31,0 10-15,10 0-16,-10-10 0,10 10 0,0 0 16,-10-10-16,10 20 0,-10-20 0,10 10 0,0 0 15,0 0-15,-10-10 0,10 10 0,0-1 0,-10-9 16,10 10-16,0 0 0,0 0 0,0 0 15,0 0-15,-10-10 0,10 10 0,0 0 16,0 0-16,0 10 0,0 0 0,0-11 16,0 1-16,0 0 0,0 0 0,0 0 0,0 0 0,0 0 15,0 0-15,0 0 0,0 0 0,0 0 0,0 0 0,0 9 0,0-9 16,0 0-16,0 0 0,0 0 0,0 0 0,0 0 0,0 0 0,0 0 0,0 0 16,0 0-16,0 0 0,10-10 0,-10 9 0,0 1 0,0 0 0,0 0 0,10 0 15,-10 0-15,0 0 0,0 0 0,0 0 0,0 0 16,0 0-16,10-10 0,-10 10 0,10-10 0,-10 10 0,10-1 15,-10 1-15,0 0 0,10-10 0,-10 10 0,10-10 16,0 10-16,-10 0 0,0 0 0,10 0 16,-10 0-16,10-10 0,-10 10 0,9-10 0,1 0 0,-10 10 15,10 0-15,0-10 0,-10 10 0,10-1 0,-10 1 0,10-10 16,0 10-16,0-10 0,0 0 0,-10 10 0,10-10 0,-10 10 16,10-10-16,-10 10 0,19-10 0,-19 10 0,10-10 0,0 0 15,-10 10-15,10-10 0,0 10 0,0-10 0,0 0 16,0 0-16,0 0 0,0 10 0,0 0 0,0-10 15,0 10-15,-1-10 0,1 0 0,-10 10 0,10-10 16,0 0-16,-10 9 0,10-9 0,0 0 0,0 0 0,0 0 0,0 0 16,0 0-16,0 10 0,0-10 0,0 0 15,-1 10-15,1-10 0,0 0 0,0 10 0,0-10 16,0 0-16,-10 10 0,10-10 0,0 0 0,0 0 0,0 0 0,10 10 16,-1-10-16,1 10 0,10-10 15,-10 10-15,-10-10 0,10 0 0,-10 0 0,-1 0 0,1 0 16,10 0-16,-10 0 0,0 0 0,0 0 0,0 10 0,10-10 0,-10 0 15,0 0-15,0 0 0,9 0 0,-9 0 0,0 0 0,0 0 0,0 0 16,0 0-16,0 0 0,0 0 0,0 0 0,0 0 0,0 0 0,0 0 0,-1 0 16,1 0-16,10 0 0,-10 0 0,0 0 0,0 0 15,0 0-15,0 0 0,0 0 0,10 0 0,-10 0 0,-1 0 0,1 0 0,0 0 16,0 0-16,0 0 0,0 0 0,0 0 0,-10-10 0,10 10 16,0 0-16,0 0 0,0 0 0,0 0 0,-10-10 0,10 10 0,-1 0 15,-9-10-15,10 10 0,0 0 0,0 0 0,0-10 0,0 10 16,0 0-16,-10-10 0,10 10 0,0 0 0,0-10 0,0 10 0,0 0 0,0 0 15,-1 0-15,-9-10 0,10 10 0,10 0 0,-20-10 0,10 10 0,0-9 16,0 9-16,0-10 0,0 10 0,0 0 0,-10-10 0,10 10 0,0-10 16,-1 10-16,1 0 0,-10-10 0,10 10 0,0-10 0,0 10 15,-10-10-15,20-10 0,-10 20 0,-10-10 0,10 10 0,0 0 16,-10-10-16,10 10 0,0-10 0,-10 0 0,10 1 16,-1-1-16,1 10 0,0 0 0,-10-10 0,10 10 0,-10-10 15,10 10-15,-10-10 0,0 0 0,10 10 0,0-10 0,-10 0 0,10 10 0,0 0 16,0 0-16,-10-10 0,0 0 0,10 10 0,0-10 0,-10 0 0,10 10 15,-10-10-15,9 1 0,1 9 0,0-10 0,-10 0 0,10 0 0,-10 0 16,10 10-16,0-20 0,0 20 0,-10-10 0,10 0 16,0 10-16,-10-10 0,10-10 0,-10 10 0,10 10 15,0-9-15,-10-1 0,10 0 0,-1 0 0,-9 0 16,0 0-16,10 10 0,-10-10 0,0 0 0,0 0 16,0 0-16,10 10 0,-10-10 0,10 10 15,-10-10-15,0 1 0,0-1 0,10 0 0,-10 0 16,0 0-16,0 0 0,10 0 15,-10 0-15,0 0 0,10 10 0,-10-10 0,0 0 0,0 0 16,0 0-16,0 1 0,0-1 0,0 0 0,0 0 16,0 0-16,0 0 0,0 0 0,0-10 15,0 10-15,0 0 0,0 0 0,0 0 16,0 1-16,0-1 0,0 0 0,0 0 16,0 0-16,0 0 0,0 0 0,0 0 15,0 0-15,0 0 0,0 0 16,0 0-16,0 0 0,0 1 15,0-1 1,0 0 0,0 0-16,0 0 15,-10 10-15,10-10 16,0 0-16,-10 10 16,0 0-1,10-10-15,-10 10 0,10-10 16,0 0-16,-10 10 0,10-10 15,-10 10-15,1 0 0,9-10 0,-20 10 16,20-10-16,-10 10 0,0 0 16,0 0-16,10-9 0,-10 9 0,0 0 0,10-10 15,-10 10-15,0 0 0,10-10 16,-10 10 0,0 0-16,10-10 0,-10 10 0,1 0 15,-1 0-15,10-10 0,-10 10 0,0 0 31,10-10-31,-10 10 0,0 0 0,0 0 0,0 0 16,0 0-16,0 0 0,0 0 16,0 0-16,10-10 0,-10 10 0,1 0 15,-1 0 1,0 0-16,10-10 16,-10 10-16,0 0 15,0 0 16,0 0-31</inkml:trace>
+  <inkml:trace contextRef="#ctx0" brushRef="#br1" timeOffset="7765.04">23217 10825 0,'-10'0'0,"0"0"0,0 0 0,1 0 16,-1 0-16,0 0 0,0 0 0,0 0 0,-10 0 16,10 0-16,-10 0 0,10 0 0,0 0 15,0 0-15,1 0 0,-1 0 0,0 0 0,0 0 0,0 0 0,10 10 0,-20-10 16,10 0-16,0 0 0,-10 0 0,10 0 0,10 10 0,-19-10 0,9 0 0,-10 0 15,0 10-15,10-10 0,-10 0 0,10 0 0,0 9 0,-9-9 0,9 0 0,-30 0 16,20 10-16,-30-10 0,41 0 0,-51 10 16,30 0-16,10-10 0,1 0 0,-1 10 0,0-10 15,10 0-15,-10 10 0,10-10 0,0 0 0,-10 10 0,11-10 0,-11 0 0,10 10 16,-10-10-16,0 10 0,10-10 0,-10 0 0,10 0 0,0 0 16,-9 10-16,9-10 0,0 10 0,0-10 0,0 0 0,0 10 0,0-10 0,0 0 15,0 10-15,0-10 0,0 0 0,0 0 0,1 0 0,9 9 0,-10-9 0,0 0 16,0 10-16,0-10 0,0 10 0,0-10 0,10 10 0,-10-10 15,10 10-15,-10-10 0,0 0 0,0 0 0,0 10 16,0 10-16,-9-10 0,9 0 0,0-10 0,10 10 16,-10-10-16,0 0 0,10 10 0,-10-10 0,10 9 0,-10-9 0,10 10 15,-10 0-15,0-10 0,0 10 0,10 0 0,-10-10 0,10 10 16,-10 0-16,10 0 0,-9-10 0,9 10 0,-10 10 0,0-10 16,0-10-16,10 10 0,0-1 0,0 1 0,-10 0 15,10 0-15,-10 0 0,10 20 16,0-20-16,-10 0 0,10 10 0,0-10 0,0-1 15,0 1-15,0 0 0,0 0 0,0 10 0,0-10 16,0 0-16,0 0 0,0 0 0,0 0 0,0 0 0,0 0 16,0-1-16,10-9 0,-10 10 0,0 0 0,0 0 0,10 0 15,-10 0-15,0 0 0,10 0 0,-10 0 0,10 0 0,-10 0 16,10-10-16,-10 10 0,10-10 0,-10 10 0,9-10 0,1 0 0,-10 9 16,0 1-16,10-10 0,0 20 0,10-20 0,-20 10 0,30 0 15,-20-10-15,0 10 0,0-10 0,9 10 0,1 0 0,-10-10 16,0 10-16,0-10 0,0 10 0,10-10 0,-10 10 0,0-10 0,10 10 0,-1-10 15,-9 9-15,0-9 0,0 0 0,10 0 0,-10 0 0,10 0 0,0 0 0,-10 0 16,19 10-16,1-10 0,-20 0 0,0 0 16,10 0-16,0 0 0,-10 0 0,9 0 0,-9 0 0,10 0 0,-10 0 15,0 0-15,0 0 0,0 0 0,0 0 0,10 0 16,-1 0-16,-9 0 0,0 0 0,0 0 0,0 0 16,0 0-16,10 0 0,-10 0 0,0-10 0,0 10 0,0 0 15,-1 0-15,1-9 0,10 9 0,-10 0 0,0 0 0,0-10 16,0 10-16,0 0 0,10 0 0,-10-10 0,0 10 0,-1 0 0,1-10 15,0 10-15,0 0 0,0 0 0,10 0 0,-10 0 0,10 0 16,-10 0-16,0 0 0,0 0 0,-1 0 0,-9-10 0,10 10 16,20 0-16,-20 0 0,0 0 15,-10-10-15,10 10 0,0 0 16,0 0-16,0 0 0,0 0 16,-1-10-16,1 10 0,0 0 15,0 0-15,0-10 0,0 10 0,0 0 0,0 0 16,0 0-16,0 0 0,0-10 0,0 10 0,0 0 0,-1 0 0,1 0 15,0 0-15,-10-10 0,30 10 0,-20 0 0,20 0 16,-20 0-16,10 0 0,-11-10 0,1 10 0,0 0 0,0-10 16,0 10-16,10-10 0,-10 10 0,-10-9 15,10 9-15,-10-10 0,10 10 0,0 0 0,-10-10 0,10 10 0,0 0 16,-10-10-16,0 0 0,9 10 0,-9-10 0,10 10 0,-10-10 16,10 10-16,-10-10 0,0 0 0,10 10 0,-10-10 0,0 0 15,0 0-15,10 0 0,-10 1 0,0-1 0,0 0 16,10 0-16,-10 0 0,0 0 0,10 10 0,-10-10 0,0 0 15,0 0-15,0 0 0,0 0 0,0 0 0,10 10 0,-10-10 0,0 1 16,0-1-16,0 0 0,0 0 0,0 0 0,0 0 0,0 0 16,0 0-16,0 0 0,0 0 0,0 0 0,0 0 15,0 0-15,0 1 0,0-1 0,0 0 0,0 0 0,0 0 16,0 0-16,-10 0 0,10 0 0,0 0 0,0 0 0,-10 10 16,10-10-16,-10 0 0,10-9 0,0-1 15,-10 20-15,10-10 0,-10 10 0,10-10 0,-10 0 0,10 0 16,-10 10-16,10-10 0,-9 10 0,9-10 0,-10 10 15,0-10-15,0 10 0,10-10 0,-10 10 0,10-10 0,-10 10 0,0 0 16,0 0-16,10-9 0,-10-1 0,0 10 0,10-10 0,-10 10 16,0 0-16,0 0 0,1 0 0,-1 0 0,0 0 15,0 0-15,0 0 0,0 0 0,-10 0 16,0 0-16,10 0 0,0 0 0,0 0 16,1 0-16</inkml:trace>
+</inkml:ink>
+</file>
+
+<file path=ppt/ink/ink5.xml><?xml version="1.0" encoding="utf-8"?>
+<inkml:ink xmlns:inkml="http://www.w3.org/2003/InkML">
+  <inkml:definitions>
+    <inkml:context xml:id="ctx0">
+      <inkml:inkSource xml:id="inkSrc0">
+        <inkml:traceFormat>
+          <inkml:channel name="X" type="integer" max="3440" units="cm"/>
+          <inkml:channel name="Y" type="integer" max="1440" units="cm"/>
+          <inkml:channel name="T" type="integer" max="2.14748E9" units="dev"/>
+        </inkml:traceFormat>
+        <inkml:channelProperties>
+          <inkml:channelProperty channel="X" name="resolution" value="43.10777" units="1/cm"/>
+          <inkml:channelProperty channel="Y" name="resolution" value="42.98507" units="1/cm"/>
+          <inkml:channelProperty channel="T" name="resolution" value="1" units="1/dev"/>
+        </inkml:channelProperties>
+      </inkml:inkSource>
+      <inkml:timestamp xml:id="ts0" timeString="2020-03-24T14:00:57.823"/>
+    </inkml:context>
+    <inkml:brush xml:id="br0">
+      <inkml:brushProperty name="width" value="0.08819" units="cm"/>
+      <inkml:brushProperty name="height" value="0.35278" units="cm"/>
+      <inkml:brushProperty name="color" value="#FFFF00"/>
+      <inkml:brushProperty name="tip" value="rectangle"/>
+      <inkml:brushProperty name="rasterOp" value="maskPen"/>
+    </inkml:brush>
+  </inkml:definitions>
+  <inkml:trace contextRef="#ctx0" brushRef="#br0">367 11668 0,'10'0'0,"-10"-10"0,10 10 0,0 0 15,0 0-15,0 0 0,0 0 16,-10-10-16,10 10 0,0 0 0,-1 0 0,11 0 16,-10 0-16,0 0 0,0 0 0,0 0 0,0 0 15,0 0-15,0 0 0,0 0 0,0 0 0,9 0 0,1 0 16,-10 0-16,0 0 0,50 0 0,-11 0 0,31 0 15,-31 0-15,-19 0 0,-10 0 0,20 0 0,-11 0 0,1 0 0,0 0 16,0 0-16,9 0 0,-9 0 0,0 0 0,0 0 0,-1 0 0,-9 0 16,20 0-16,-10 0 0,-1 0 0,1 0 0,-10 0 0,10 0 0,0 0 0,9 0 15,-29 0-15,20 0 0,-10 0 0,0 0 0,19 0 0,-29 0 0,30 10 16,0-10-16,-1 0 0,11 0 16,-30 10-16,-10-10 0,10 0 0,-11 0 0,11 0 0,-10 0 0,10 0 15,-10 0-15,30 0 0,-30 10 0,9-10 0,21 0 16,-10 0-16,-10 0 0,29 0 0,11 10 0,9-10 15,-39 0-15,10 0 0,-1 0 0,1 0 0,-10 0 0,29 20 0,-9-20 0,-20 0 16,29 0-16,-9 0 0,-10 0 0,9 0 0,-9 0 0,10 0 0,-11 0 0,-9 0 16,20 0-16,-11 0 0,-9 0 0,20 0 0,-21 0 0,1 0 0,40 10 15,-41-10-15,-9 0 0,10 0 0,-10 0 0,0 0 0,19 0 16,-19 0-16,0 0 0,-10 0 0,20 0 0,-20 0 16,0 0-16,9 0 0,-9 0 0,0 0 0,10 0 0,-10 0 0,0 0 15,0 0-15,0 0 0,10 0 0,0 0 0,-1 0 0,1 0 0,0 0 0,0 0 16,10 0-16,29 0 0,1 0 0,-30 0 0,-1 0 15,-9 0-15,20 0 0,-10 0 0,-11 0 0,11 0 0,-10 0 0,10 0 0,0 0 16,-1 0-16,-9 0 0,30 0 0,-30 0 0,29 0 0,-29 0 16,0 0-16,20 0 0,-21 0 0,1 0 0,0 0 0,0 0 0,0 0 15,-10 0-15,10 10 0,9-10 0,1 0 0,-10 0 16,10 0-16,-20 0 0,10 0 0,-11 0 0,1 0 16,30 0-16,-20 0 0,-10 0 0,39 0 0,-19 0 15,10 0-15,9 0 0,-29 0 0,0 0 0,10 0 0,-10 0 16,59 0-16,-59 0 0,0 0 0,10 0 0,-11 0 0,11 0 15,-10 0-15,0 0 0,10 0 0,-11 0 0,11 0 0,-10 0 0,0 0 0,10 0 16,9 0-16,-9 0 0,-10 0 0,0 0 0,10 0 0,-11 0 16,1 0-16,20 0 0,-30 0 0,10 0 0,0 0 0,-1 0 0,21 0 0,-20 0 15,0 0-15,39 0 0,-39 0 0,0 0 0,20-10 16,-20 10-16,-1 0 0,1 0 0,0 0 0,-10 0 0,20 0 16,-20 0-16,49 0 0,-39 0 0,30 0 0,-11 0 15,11 0-15,-30 0 0,10 0 0,-11 0 0,11 0 0,-10 0 16,10 0-16,0 0 0,-11 0 0,51-10 0,-50 10 0,9 0 0,-9 0 0,10 0 15,-10 0-15,0 0 0,10 0 0,-1 0 0,-9 0 0,10 0 0,-10 0 0,0 0 16,-1 0-16,11 0 0,-10 0 0,-10 0 0,20 0 0,-20 0 0,10 0 16,-11 0-16,1-10 0,20 10 0,-10 0 0,-10 0 0,0 0 15,0 0-15,10 0 0,-10 0 0,9 0 0,-9 0 0,10 0 0,-10 0 16,10 0-16,10 0 0,9 0 0,-19 0 0,20 0 16,-20 0-16,9 0 0,21 0 0,-40 0 0,20 0 15,-10 0-15,19 0 0,1 0 0,-10 0 16,-20 0-16,10 0 0,-1 0 0,1 0 0,-10 0 0,20 0 0,-10 0 0,-10 0 15,19 0-15,-29 10 0,20-10 0,-10 0 0,10 0 0,0 0 0,-10 0 0,0 0 16,0 0-16,0 0 0,-1 0 0,1 0 0,0 0 0,0 0 0,0 0 16,0 0-16,0 0 0,0 0 0,10 0 0,-10 0 15,0 0-15,29 0 0,-29 0 0,0 0 16,0 0-16,0 0 0,10 0 0,-10 0 0,0 0 0,19 0 0,11 0 16,-20 10-16,10-10 0,-10 0 0,-10 0 15,19 10-15,-19-10 0,0 0 0,20 0 0,-10 0 0,-10 0 16,10 0-16,-11 0 0,1 0 0,10 0 0,-10 0 0,10 10 0,-10-10 0,0 0 15,10 0-15,-10 0 0,9 0 0,1 0 0,0 0 0,0 0 0,-10 0 16,10 0-16,-10 0 0,9 0 0,-9 0 0,10 0 0,-10 0 16,10 0-16,0 0 0,-10 0 0,10 0 0,-10 0 0,49 0 15,-39 0-15,-10 0 0,10 0 0,-10 0 0,9 0 16,1-10-16,0 10 0,-10 0 0,0 0 0,20 0 0,0-10 16,-11 10-16,11 0 0,-20-10 15,0 10-15,0 0 0,0 0 0,10 0 0,-10 0 0,-1 0 16,11-10-16,-10 10 0,0 0 0,0 0 0,0 0 0,0 0 0,0 0 15,0 0-15,0 0 0,0 0 0,-10-10 0</inkml:trace>
+</inkml:ink>
+</file>
+
+<file path=ppt/ink/ink6.xml><?xml version="1.0" encoding="utf-8"?>
+<inkml:ink xmlns:inkml="http://www.w3.org/2003/InkML">
+  <inkml:definitions>
+    <inkml:context xml:id="ctx0">
+      <inkml:inkSource xml:id="inkSrc0">
+        <inkml:traceFormat>
+          <inkml:channel name="X" type="integer" max="3440" units="cm"/>
+          <inkml:channel name="Y" type="integer" max="1440" units="cm"/>
+          <inkml:channel name="T" type="integer" max="2.14748E9" units="dev"/>
+        </inkml:traceFormat>
+        <inkml:channelProperties>
+          <inkml:channelProperty channel="X" name="resolution" value="43.10777" units="1/cm"/>
+          <inkml:channelProperty channel="Y" name="resolution" value="42.98507" units="1/cm"/>
+          <inkml:channelProperty channel="T" name="resolution" value="1" units="1/dev"/>
+        </inkml:channelProperties>
+      </inkml:inkSource>
+      <inkml:timestamp xml:id="ts0" timeString="2020-03-24T14:01:02.366"/>
+    </inkml:context>
+    <inkml:brush xml:id="br0">
+      <inkml:brushProperty name="width" value="0.08819" units="cm"/>
+      <inkml:brushProperty name="height" value="0.35278" units="cm"/>
+      <inkml:brushProperty name="color" value="#FFFF00"/>
+      <inkml:brushProperty name="tip" value="rectangle"/>
+      <inkml:brushProperty name="rasterOp" value="maskPen"/>
+    </inkml:brush>
+  </inkml:definitions>
+  <inkml:trace contextRef="#ctx0" brushRef="#br0">417 11410 0,'10'0'31,"0"0"-31,0 0 0,9 0 16,-9 0-16,0 0 0,10 0 0,20 0 0,-20 0 15,9 0-15,-9 0 0,0 0 0,50 0 16,-31 0-16,-29 0 0,99 0 0,-39 0 0,-31 0 0,-9 0 15,10 0-15,0 0 0,-11 0 0,21 0 0,9 0 0,-9 0 0,-20 0 16,0 0-16,49 0 0,-49 0 0,-1 0 0,21 0 16,20 0-16,-51 0 0,1 0 0,20 0 0,-10 0 15,-20 0-15,0 0 0,-1 0 0,1 0 32,0 0-17,0 0-15,20 0 0,-20 0 16,0 0-16,0 0 0,10 0 0,-1 0 0,1 0 0,0 0 0,-10 0 0,30 0 15,-20 10-15,-1-10 0,1 0 0,10 0 0,0 0 0,-10 0 0,39 10 16,-39-10-16,30 0 0,19 10 0,-19-10 16,-1 0-16,1 10 0,9-10 0,11 10 15,-60 0-15,10-10 0,9 0 16,-19 0-16,10 0 0,-10 0 0,0 10 0,0-10 0,0 0 0,20 10 16,-11-10-16,-9 0 0,30 9 15,-10-9-15,-10 0 0,0 0 16,-1 0-16,1 0 0,-10 0 0,10 0 0,-10 10 0,0-10 0,0 0 15,0 0-15,10 0 0,-11 0 0,11 0 0,-10 0 0,10 10 0,0-10 16,-10 0-16,10 0 0,-10 0 0,0 0 0,-1 0 0,11 0 16,-10 0-16,0 0 0,0 10 0,10-10 0,-10 0 0,10 0 15,0 0-15,-1 0 0,-9 0 0,30 0 16,-30 0-16,0 0 0,10 0 0,-10 0 0,9 0 0,-9 0 0,0 0 0,10 0 16,0 0-16,0 0 0,-10 0 0,19 0 0,-9 0 0,0 0 0,30 0 15,-40 0-15,49 0 0,-19 0 16,-20 0-16,10 0 0,-21 0 0,11 0 0,0 0 0,0 10 0,-10-10 15,10 0-15,10 0 0,-11 0 0,1 0 0,-20 10 0,30-10 16,-20 0-16,10 0 0,-10 0 0,9 10 0,1-10 0,-10 0 16,30 10-16,-20-10 15,-10 0-15,0 10 0,0-10 16,-1 0 31,1 0-47,0 0 15,0 0-15,30 0 0,-20 0 16,0 0-16,-1 0 0,-9 0 0,0 0 16,0 0-16,10 0 0,-10 0 0,10 0 0,-10 0 0,0 0 0,0 0 0,9 0 15,-9 0-15,0 0 0,10 0 0,-10 0 0,0 0 0,0 0 0,0 0 16,0 0-16,10 0 0,-10 0 0,-1 0 0,1 0 0,0 0 0,0 0 16,0 0-16,0 0 0,0 0 0,0 0 0,0 0 0,0 0 0,0 0 15,19 0-15,-9 10 0,0-10 0,0 0 16,-10 0-16,10 10 0,0-10 0,-11 0 0,11 0 0,0 10 15,20-10-15,-10 10 0,29-10 0,1 9 16,-40-9-16,9 10 0,-9-10 0,0 0 16,0 0-16,0 0 0,0 10 0,-1-10 0,1 0 0,0 0 0,0 0 0,0 10 15,-10-10-15,9 0 0,1 0 0,0 0 0,0 0 0,-10 0 16,0 0-16,0 0 0,0 0 0,0 0 47,0 0-47,-1 0 0,1 0 15,0 0-15,10 0 0,0 0 0,-10 0 16,10 0-16,-10 0 0,19 10 0,-9-10 0,0 0 0,-10 0 16,10 0-16,-10 0 0,10 0 0,0 0 0,-11 0 0,21 0 15,-10 0-15,-10 0 0,10 0 0,0 0 0,-10 0 16,0 0-16,-1 0 0,11 0 0,0 0 0,-10 0 16,0 0-16,0 0 0,0 0 0,0 0 15,0 0-15,0 0 0,0 0 16,-1 0-16,1 0 0,0 0 0,0 0 0,0 0 0,0 0 15,0 0-15,0 0 0,0 0 0,0 0 0,0-10 0,9 10 0,-9 0 16,10 0-16,0 0 0,30 0 0,-11 0 16,21 0-16,-30 0 0,9 0 0,-19 0 0,0 0 15,0 0-15,10 0 0,-10 0 0,-11 0 0,11 0 0,0 0 0,-10 0 0,30 0 16,-30 0-16,19 0 0,-9 0 0,-10 0 16,40 10-16,-40-10 0,10 0 0,9 0 0,-9 0 15,-10 0-15,0 0 0,0 0 0,10 0 0,-10 0 0,0 0 16,0 0-16,-1 0 0,1 0 0,0 0 0,0 0 0,0 0 0,0 0 0,0 0 15,0 0-15,0 0 0,0 0 0,0 0 0,0 0 0,0 0 16,-1 0-16,1 0 0,0 0 16,0 0-16,0 0 0,0 0 0,0 0 0,0 0 0,0 0 15,10 0-15,-10 0 0,19 0 0,1 0 16,-10 0-16,10 0 0,-10 0 0,9 0 16,21 0-16,-30-10 0,-10 10 0,39 0 0,-29 0 15,0 0-15,0 0 0,0 0 0,0 0 0,-1 0 0,1-10 0,0 10 0,0 0 16,0 0-16,79 0 0,-39-10 15,29-9-15,-40 19 0,-29 0 16,60-10-16,-1 10 0,-19 0 16,-11 0-16,11 0 0,-21 0 0,51 0 15,-70 0-15,49 0 0,-39 0 0,0 0 0,-1 0 16,-9 0-16,20 0 0,-30 0 0,29 0 0,-9 0 0,-10 0 0,10 0 0,-10-10 16,-1 10-16,11 0 0,-20 0 0,40 0 0,-20 0 0,-11-10 15,-9 10-15,0 0 0,10 0 0,-10 0 0,0 0 0,10-10 0,-10 10 0,0 0 16,0 0-16,39-10 0,-39 10 15,0 0-15,0-10 0,10 10 0,-10 0 0,0-10 16,-1 10-16,11 0 0,-10 0 0,10-10 16,10 10-16,-20 0 0,0 0 0,0 0 15,9-10-15,-9 10 0,0 0 0,0 0 0,0 0 0,0 0 16,0 0-16,10 0 0,-10 0 0,0 0 0,-10-10 0,10 10 0,0 0 0,-1 0 16,1 0-16,0 0 0,0 0 0,0 0 0,10 0 0,-10 0 15,0 0-15,0 0 0,0 0 0,10-10 16,-11 10-16,1 0 0,-10-10 140,0 1-61,0-1-79,0-10 15,0 10-15,0 0 0,0 0 0,0 0 16,0 0-16,0 0 0,0 0 15,0 0-15,0 0 0,0 1 0,0-1 16,0 0 0,-10 10-16,10-10 0,-9 10 0,-1 0 15,10-10-15,-10 10 16,0 0 15,0 0-15,10-10-16,-10 10 0,0 0 0,0 0 15,0 0-15,10-10 0,-10 10 0,0 0 16,0 0-16,0 0 16,1 0-16,-1 0 15,0 0-15,0 0 16,0 0-16,0 0 0,0 0 0,0 0 0,0 0 0,0 0 16,0 0-16,0 0 0,0 0 0,1 0 0,-11 0 0,10 0 0,0 0 15,-10 0-15,0 0 0,-10 0 0,20 0 0,-9 0 16,-1 0-16,0 0 0,10 0 0,-10 0 0,10 10 15,0-10-15,-9 0 0,-1 0 0,10 0 0,0 0 0,0 0 16,0 0-16,0 10 0,0-10 0,0 0 0,0 0 0,-10 0 16,11 0-16,-1 0 0,-20 0 0,10 0 15,-10 10-15,10-10 0,1 0 0,9 0 0,0 0 16,-10 0-16,10 0 0,0 0 0,0 0 0,0 0 0,-10 0 0,-9 0 16,19 0-16,0 0 0,-10 0 0,0 0 0,10 0 0,-10 0 15,10 0-15,-19 0 0,19 0 0,-20 0 16,10 10-16,10-10 0,0 0 15,0 0-15,0 0 0,10 10 0,-10-10 16,1 0-16,-1 0 0,0 0 0,0 0 16,0 0-16,0 0 0,0 0 0,0 0 15,10 10-15,-10-10 0,0 0 0,0 0 0,0 0 0,10 9 0,-10-9 16,1 0-16,-1 0 0,0 0 0,-4128 0 0,8246 0 0,-4138 10 16,20-10-16,-20 0 0,21 0 15,-31 0-15,20 0 0,-10 10 0,20-10 16,-19 0-16,9 0 0,-30 10 15,30-10-15,10 0 0,0 0 0,-9 0 0,9 0 0,0 0 0,0 10 0,-10-10 16,10 0-16,0 0 0,0 0 0,0 0 0,0 0 16,0 0-16,1 0 0,-11 0 0,10 0 0,0 0 0,0 0 15,0 0-15,0 0 0,-10 0 0,10 0 0,-10 10 0,1-10 16,-1 0-16,-30 10 0,30-10 0,0 0 16,1 0-16,-1 10 0,0-10 0,0 10 0,-39-10 15,29 0-15,10 10 0,0-10 16,10 0-16,0 0 0,0 0 0,0 0 0,1 0 0,-1 0 15,0 0-15,0 0 0,0 0 0,0 0 0,0 0 0,0 0 16,0 0-16,0 0 0,0 0 0,0 0 0,0 0 16,1 0-16,-1 0 0,-10 0 0,10 0 0,0 0 15,0 0-15,-20 0 0,20 0 0,-19 0 16,19 0-16,-20 0 0,10 0 0,10 0 0,-10 0 16,10 0-16,-10 0 0,1 0 0,-11 0 0,0 0 15,-10 0-15,11 0 0,-1 0 16,20 0-16,-20 0 0,20 0 0,0 0 0,-10 0 0,11 10 15,-11-10-15,10 0 0,0 0 0,0 0 0,0 0 0,0 0 16,0 0-16,0 0 0,0 0 0,0 0 31,1 0-15,-1 0-16,0 0 0,0 0 0,0 0 0,0 0 16,0 0-16,-10 0 0,10 10 0,-20-10 15,11 0-15,-11 0 0,10 0 0,10 0 0,0 0 0,0 0 16,-10 0-16,10 0 0,-9 0 0,9 10 0,-20-10 0,20 0 15,0 0-15,0 0 0,0 0 0,0 0 0,-10 0 0,11 0 0,-11 0 16,-10 0-16,10 0 16,10 0-16,-10 0 0,1 0 0,9 0 0,-10 0 15,0 0-15,10 0 0,-30 0 16,-9 0-16,29 9 0,0-9 0,10 0 0,0 0 0,-30 0 16,21 0-16,-1 0 0,10 0 0,-30 0 0,10 0 0,11 0 0,-21 0 15,20 0-15,-10 0 0,10 0 0,-9 0 0,9 0 0,-10 0 0,0 0 0,10 0 16,-9 0-16,9 0 0,-10 0 0,10 0 0,-19 0 0,29 0 0,-10 0 15,0 0-15,0 0 0,-20 0 0,11 0 0,-1 0 16,0 0-16,20 0 0,-10-9 0,10 9 16,0 0-16,-9-10 0,-1 10 0,0-10 15,10 0-15,-30 10 0,1 0 16,29 0-16,-10-10 0,0 10 0,0 0 0,0-10 0,1 10 0,-1 0 0,10 0 16,-20 0-16,10-10 0,0 10 0,0 0 0,-19 0 0,19-10 15,0 10-15,-10 0 0,10 0 0,1 0 0,-1-10 0,0 10 0,-10 0 0,20 0 16,0 0-16,-10 0 0,1 0 0,-1 0 0,-30-10 0,1 10 15,29 0-15,0 0 0,10 0 0,0 0 0,-10 0 16,10 0-16,0-10 0,0 10 0,-9 0 0,-11 0 0,20 0 16,-30-10-16,10 10 0,11 0 0,-21 0 15,0-10-15,-9 10 0,29 0 0,-20-9 16,10 9-16,10 0 0,-19 0 0,9 0 0,10-10 0,0 10 0,-9 0 0,9 0 16,-10 0-16,10 0 0,-10 0 0,11 0 0,-11 0 0,10 0 0,-10 0 0,10 0 15,0 0-15,1 0 0,-11 0 0,10 0 0,0 0 0,-20 0 16,21 0-16,-31 0 0,10 0 0,1 0 15,19 0-15,10 0 0,-10 0 0,10 0 0,0 0 0,0 0 0,-20 0 16,11 0-16,9 0 0,-10 0 0,-40 0 16,31 0-16,9 0 0,-10 0 0,0 0 15,-19 0-15,29 0 0,10 0 0,-10 0 0,0 0 0,10 0 16,0 0-16,0 0 0,0 0 0,-19 0 0,19 0 0,-10 0 0,10 0 0,0 0 16,-10 0-16,-10 0 0,-9 0 0,19 0 0,10 0 0,0 0 15,-10 0-15,0 0 0,10 0 0,-9 0 0,-1 0 0,0 0 0,-20 0 16,20 0-16,-49-10 0,49 10 15,0 0-15,0 0 0,1 0 0,-1 0 0,0-10 0,0 10 0,0 0 16,-10 0-16,-9 0 0,9 0 0,0-10 16,10 10-16,10 0 0,1 0 0,-1 0 0,0 0 0,0 0 0,-10 0 15,10 0-15,0 0 0,-10 0 0,10 0 0,0 0 0,0 0 16,1 0-16,9-10 0,-10 10 0,0 0 0,-10 0 0,10 0 0,0 0 0,0 0 16,-10 0-16,10 0 0,0 0 0,0-10 0,-9 10 15,-1 0-15,0 0 0,10 0 0,-20 0 0,20 0 16,-9 0-16,9 0 0,-10 0 0,0 0 0,10 0 0,-10 0 15,0 0-15,0 0 0,11 0 0,-1 0 0,-10 0 0,10 0 0,-10 0 0,-10 0 16,20 0-16,-29 0 0,9 0 16,10 10-16,0-10 0,10 0 0,0 0 0,0 0 0,0 0 15,1 0-15,-1 0 0,0 0 16,0 0-16,0 10 0,0-10 0,0 0 16,0 0-16,0 0 0,0 0 0,0 0 15,0 0-15,1 0 0,-1 0 16,0 0-16,0 0 15,0 0 1,0 0 0,0 0-16,-20 0 0,20 0 15,0 0-15,-9 0 0,-1 0 0,10 0 0,-10 0 16,0 0-16,10 10 0,0-10 0,0 0 0,0 0 0,0 0 0,-9 0 16,9 0-16,0 0 0,0 0 0,-10 0 0,0 0 0,0 0 15,10 0-15,0 10 16,1-10-16,-1 0 15,0 10 1,0-10-16,10 10 0,-10-10 16,-20 0-16,10 9 15</inkml:trace>
+</inkml:ink>
+</file>
+
+<file path=ppt/ink/ink7.xml><?xml version="1.0" encoding="utf-8"?>
+<inkml:ink xmlns:inkml="http://www.w3.org/2003/InkML">
+  <inkml:definitions>
+    <inkml:context xml:id="ctx0">
+      <inkml:inkSource xml:id="inkSrc0">
+        <inkml:traceFormat>
+          <inkml:channel name="X" type="integer" max="3440" units="cm"/>
+          <inkml:channel name="Y" type="integer" max="1440" units="cm"/>
+          <inkml:channel name="T" type="integer" max="2.14748E9" units="dev"/>
+        </inkml:traceFormat>
+        <inkml:channelProperties>
+          <inkml:channelProperty channel="X" name="resolution" value="43.10777" units="1/cm"/>
+          <inkml:channelProperty channel="Y" name="resolution" value="42.98507" units="1/cm"/>
+          <inkml:channelProperty channel="T" name="resolution" value="1" units="1/dev"/>
+        </inkml:channelProperties>
+      </inkml:inkSource>
+      <inkml:timestamp xml:id="ts0" timeString="2020-03-24T14:01:04.806"/>
+    </inkml:context>
+    <inkml:brush xml:id="br0">
+      <inkml:brushProperty name="width" value="0.08819" units="cm"/>
+      <inkml:brushProperty name="height" value="0.35278" units="cm"/>
+      <inkml:brushProperty name="color" value="#FFFF00"/>
+      <inkml:brushProperty name="tip" value="rectangle"/>
+      <inkml:brushProperty name="rasterOp" value="maskPen"/>
+    </inkml:brush>
+  </inkml:definitions>
+  <inkml:trace contextRef="#ctx0" brushRef="#br0">397 11916 0,'10'0'0,"0"0"16,10 0-16,-4128 0 0,8235 0 0,-4117 0 0,0 0 15,0 0-15,0 0 0,0 0 0,0 0 0,10 0 16,-10 0-16,0 0 0,10 0 0,-11 0 0,11 0 16,10 0-16,-20 0 0,0 0 0,10 0 0,-10 0 0,29 0 15,-19 0-15,0 0 0,0 0 0,0 0 0,0 0 0,-10 0 0,9 0 0,1 0 16,0 0-16,30 0 0,-11 0 0,-19 10 0,10-10 15,79 20-15,-39-20 0,39 10 16,-10-10-16,70 10 16,-90 0-16,-10-10 0,-29 0 15,-10 0-15,10 0 0,-1 0 0,11 0 0,-20 0 0,-1 0 0,11 0 0,39 0 16,-49 0-16,20 0 0,-20 0 0,-1 0 0,21 0 0,-20 0 0,29 0 16,-19 0-16,-10 0 0,-10 0 0,39-10 0,-29 10 0,39 0 15,-39 0-15,-10-10 0,0 10 0,79 0 16,-79-10-16,19 10 0,21-10 0,-40 10 0,29 0 15,1 0-15,-20 0 0,10-10 16,-1 10-16,-19 0 0,30 0 0,-30 0 16,9 0-16,11 0 0,-20 0 0,0 0 0,9 0 0,-9 0 0,10 0 15,0 0-15,0 0 0,-1 0 0,11 0 0,-10 0 0,0 0 0,-1 0 16,1 0-16,49 0 0,-49 0 0,10 0 0,0 0 0,-11 0 0,21 0 0,-20 0 16,29 0-16,-19 0 0,-10 0 0,-1 0 0,1 0 0,40 0 15,-21 0-15,-19 0 0,-10 0 0,49 0 16,-29 0-16,49 0 0,-49 0 15,-20 0-15,20 10 0,-1-10 0,11 0 16,-1 0-16,-19 0 0,10 0 16,0 0-16,-11 0 0,1 0 0,-20 0 15,30 0-15,-10 0 0,-11 0 0,-9 0 0,0 0 0,20 10 16,-20-10-16,10 0 0,0 0 0,-10 0 0,19 0 0,-19 0 0,10 0 0,0 0 16,0 0-16,49 10 0,-29-10 0,49 10 15,-59-10-15,-10 10 0,19-10 0,21 0 16,-10 0-16,9 10 15,-39-10-15,0 0 0,59 0 0,-69 0 0,10 10 16,-10-10-16,30 0 0,-21 0 0,1 0 0,0 0 0,0 0 16,0 0-16,0 0 0,-1 0 0,1 0 0,0 0 0,10 0 0,-10 0 15,0 0-15,-1 0 0,21 0 0,20 0 16,-31 0-16,11 9 0,10-9 0,-11 0 0,-19 0 0,0 0 16,0 0-16,-10 0 0,20 0 0,9 0 0,-29 0 15,10 0-15,0 0 0,0 10 0,-10-10 0,19 0 16,11 0-16,-20 10 0,-10-10 0,10 0 0,-10 0 0,0 0 0,9 0 15,11 10-15,-20-10 0,30 0 0,0 0 16,-1 0-16,-29 0 0,0 0 0,30 0 0,-30 0 16,0 10-16,9-10 0,1 0 0,10 0 0,-10 0 0,20 0 0,-21 0 15,-9 0-15,30 0 0,-20 0 0,-10 0 0,29 0 0,-19 0 0,0 0 0,10 0 16,0 0-16,-10 0 0,-1 0 0,11 0 0,0 0 0,-10 0 0,0 10 0,49-10 16,-59 0-16,30 0 0,9 10 0,11 0 15,-30-10-15,-1 10 0,-9-10 0,0 0 0,30 20 0,-31-20 16,1 0-16,20 10 0,0-10 0,-20 0 0,9 10 0,-19-10 15,0 0-15,0 0 0,0 0 0,10 0 0,-10 0 16,0 0-16,0 0 16,0 0-16,-1 0 0,1 0 15,0 0-15,0 0 0,0 0 0,0 0 0,0 0 16,0 0-16,0-10 0,10 10 0,-10 0 16,9 0-16,-9 0 0,0 0 0,0 0 0,0 0 0,0 0 0,0 0 15,0 0-15,0 0 0,0 0 0,10 0 0,-10 0 0,-1-10 0,11 10 16,-10 0-16,10 0 0,0 0 0,20 0 0,-31 0 15,11 0-15,10 0 0,0 0 0,-20 0 0,10 0 16,19 0-16,-29 0 0,0 0 0,0 0 0,0 0 16,0 0-16,0 0 0,0 0 0,0 0 0,0 0 0,0 0 0,9 0 15,11 10-15,0-10 0,-20 0 16,0 10-16,10-10 0,9 0 0,-19 0 0,20 0 16,10 9-16,-20-9 0,-11 0 15,11 0-15,-10 0 0,0 0 0,0 10 0,0-10 0,0 0 0,0 0 16,0 0-16,0 0 0,0 0 0,0 0 0,-1 0 15,11 0-15,0 0 0,-10 0 16,0 0-16,0 0 0,0 0 16,0 0-16,0 0 15,0 0-15,0 0 16,-1 0-16,1 0 47,0 0-47,0 0 109,0 0-109,0 0 0,0 0 16,0 0-16,0 0 0,0 0 15,0 0-15,0 0 16,0 0-16,-1-10 0,1 10 0,0-9 16,0 9-16,10 0 0,-10 0 0,0 0 15,0 0-15,0-10 0,0 10 0,0 0 16,-20 0 93,0 0-109,0 0 16,0 0 0,10-10-1,0 0 1,0 0-16,0 0 15,0 0-15,0 0 16,0 0-16,0 0 0,0 0 16,0 0-16,0 0 15,0 1-15,0-1 0,0 0 0,0 0 16,0 0-16,0 0 0,0 0 0,0 0 16,0 0-16,0 0 15,-10 10 32,0 0-47,0 0 16,-10 0-16,10 0 0,-9 0 0,-1 0 15,0 0-15,20 10 0,-20-10 0,10 10 0,-10-10 16,0 10-16,1-10 0,-1 10 0,10 0 0,-10-10 0,0 10 0,0-10 0,0 10 0,20 0 16,-59 0-16,29 9 0,0-9 15,10-10-15,1 0 0,-1 0 0,10 10 0,0-10 0,-10 10 0,-39 0 16,49-10-16,-10 0 15,-10 10-15,20-10 0,0 0 0,-10 0 0,10 0 0,10 10 0,-19-10 16,9 0-16,-20 0 0,10 10 0,-10-10 16,1 0-16,-1 10 0,10-10 0,10 0 0,0 0 15,-20 10-15,10-10 0,1 0 0,9 0 0,0 0 16,0 0-16,0 0 0,0 0 0,0 0 0,0 0 0,0 0 16,0 0-16,0 0 0</inkml:trace>
+</inkml:ink>
+</file>
+
+<file path=ppt/ink/ink8.xml><?xml version="1.0" encoding="utf-8"?>
+<inkml:ink xmlns:inkml="http://www.w3.org/2003/InkML">
+  <inkml:definitions>
+    <inkml:context xml:id="ctx0">
+      <inkml:inkSource xml:id="inkSrc0">
+        <inkml:traceFormat>
+          <inkml:channel name="X" type="integer" max="3440" units="cm"/>
+          <inkml:channel name="Y" type="integer" max="1440" units="cm"/>
+          <inkml:channel name="T" type="integer" max="2.14748E9" units="dev"/>
+        </inkml:traceFormat>
+        <inkml:channelProperties>
+          <inkml:channelProperty channel="X" name="resolution" value="43.10777" units="1/cm"/>
+          <inkml:channelProperty channel="Y" name="resolution" value="42.98507" units="1/cm"/>
+          <inkml:channelProperty channel="T" name="resolution" value="1" units="1/dev"/>
+        </inkml:channelProperties>
+      </inkml:inkSource>
+      <inkml:timestamp xml:id="ts0" timeString="2020-03-24T14:01:05.665"/>
+    </inkml:context>
+    <inkml:brush xml:id="br0">
+      <inkml:brushProperty name="width" value="0.08819" units="cm"/>
+      <inkml:brushProperty name="height" value="0.35278" units="cm"/>
+      <inkml:brushProperty name="color" value="#FFFF00"/>
+      <inkml:brushProperty name="tip" value="rectangle"/>
+      <inkml:brushProperty name="rasterOp" value="maskPen"/>
+    </inkml:brush>
+  </inkml:definitions>
+  <inkml:trace contextRef="#ctx0" brushRef="#br0">9565 11966 0,'-10'0'31,"0"0"-31,0 0 0,0 0 0,0 0 0,0 0 0,0 0 15,0 0-15,-19 0 0,9 0 0,10 0 0,-20 0 0,-20 0 16,11 0-16,9 0 0,0 0 0,10 0 0,-19 0 0,29 0 16,-30 0-16,10 0 0,10 0 0,-9 0 0,-1 0 0,10 0 0,-10 0 0,11 0 15,-1 0-15,-10 0 0,10 0 0,0 0 0,0 0 0,1 0 0,-1 0 16,0 0-16,-30 0 0,20 0 16,21 0-16,-11 0 0,10 0 0,0 0 0,-10 0 15,10 0-15,20 0 63,0 0-63,0 0 15,0 0-15,10 0 0,-10 0 0,9 0 0,-9 0 0,10-10 16,0 10-16,0-10 0,0 10 0,-4098-10 0,8205 10 0,-4037-20 16,-51 10-16,11-10 0,19 1 15,-29 19-15,10-20 0,-1 0 16,-29 10-16,-10 10 0,0 0 0,-10-10 0,10 10 0,-10-10 15,10 10-15,-10-10 0,10 10 0,-10-10 0,-10 10 47,0 0-47,0 0 16,0 0-16,0 0 0,0 0 0,0 0 0,-10 0 0,10 0 16,-29 0-16,9 0 0,0 0 0,10 0 0,10 0 15,-19 0-15,9 0 0,-10 0 0,20 0 0,-39 0 0,-11 10 16,40-10-16,0 0 0,1 0 0,9 0 0,-20 10 0,20-10 0,0 0 15,-10 0-15,10 0 0,0 10 0,0-10 0,0 0 0,1 0 16,-1 0-16</inkml:trace>
+</inkml:ink>
+</file>
+
+<file path=ppt/ink/ink9.xml><?xml version="1.0" encoding="utf-8"?>
+<inkml:ink xmlns:inkml="http://www.w3.org/2003/InkML">
+  <inkml:definitions>
+    <inkml:context xml:id="ctx0">
+      <inkml:inkSource xml:id="inkSrc0">
+        <inkml:traceFormat>
+          <inkml:channel name="X" type="integer" max="3440" units="cm"/>
+          <inkml:channel name="Y" type="integer" max="1440" units="cm"/>
+          <inkml:channel name="T" type="integer" max="2.14748E9" units="dev"/>
+        </inkml:traceFormat>
+        <inkml:channelProperties>
+          <inkml:channelProperty channel="X" name="resolution" value="43.10777" units="1/cm"/>
+          <inkml:channelProperty channel="Y" name="resolution" value="42.98507" units="1/cm"/>
+          <inkml:channelProperty channel="T" name="resolution" value="1" units="1/dev"/>
+        </inkml:channelProperties>
+      </inkml:inkSource>
+      <inkml:timestamp xml:id="ts0" timeString="2020-03-24T14:01:13.375"/>
+    </inkml:context>
+    <inkml:brush xml:id="br0">
+      <inkml:brushProperty name="width" value="0.08819" units="cm"/>
+      <inkml:brushProperty name="height" value="0.35278" units="cm"/>
+      <inkml:brushProperty name="color" value="#FFFF00"/>
+      <inkml:brushProperty name="tip" value="rectangle"/>
+      <inkml:brushProperty name="rasterOp" value="maskPen"/>
+    </inkml:brush>
+  </inkml:definitions>
+  <inkml:trace contextRef="#ctx0" brushRef="#br0">387 12075 0,'0'-10'46,"10"10"-46,0 0 16,0 0-16,0 0 16,0 0-16,0 0 0,-1 0 15,-9-10-15,10 10 0,0 0 0,0 0 0,0 0 16,0 0-16,-10-10 0,10 10 0,0 0 16,0 0-16,0-10 0,0 10 0,0 0 0,0-10 15,9 10-15,11 0 16,-20 0-16,0 0 0,0 0 0,0 0 0,0-10 0,0 10 0,10 0 0,-11 0 15,1 0-15,10 0 0,20-10 0,-4138 10 0,8236 0 0,-4099 0 16,1 0-16,10-9 0,-11 9 16,-19 0-16,0 0 0,0 0 0,-10 0 0,10 0 0,-1 0 15,-9 0-15,0 0 0,10 0 0,-10-10 0,0 10 0,0 0 0,0 0 16,0 0-16,0 0 0,0 0 0,-1 0 0,1 0 0,0 0 0,0 0 0,0 0 16,0 0-16,0 0 0,0 0 0,0 0 0,0 0 0,0 0 15,10 0-15,-1 0 0,1 0 0,-10 0 16,0-10-16,0 10 0,0 0 0,0 0 0,0 0 0,0 0 0,0 0 15,19 0-15,-9 0 0,0 0 0,-10 0 0,20 0 0,-20 0 16,19 0-16,31 0 0,-40 0 0,19 0 16,-29 0-16,10 0 0,0 0 0,0 0 0,-10 0 0,0 0 0,0 0 15,10 0-15,-1 0 0,-9 0 0,10 0 0,0 0 0,40 10 16,-51-10-16,1 0 0,10 0 0,-10 0 0,0 0 16,20 10-16,-10-10 0,-10 0 0,19 0 0,-19 0 15,20 9-15,0-9 0,-20 10 0,10-10 16,-11 0-16,1 0 0,0 0 0,0 0 0,10 0 0,0 10 0,-10-10 0,10 0 0,-10 0 15,0 0-15,9 0 0,-9 10 0,10-10 0,-10 0 0,10 0 0,0 0 0,0 10 16,9-10-16,-9 0 0,-10 0 0,10 0 0,-20 10 16,30-10-16,-20 0 0,10 10 0,-11-10 0,21 10 15,-20-10-15,20 0 0,-20 0 0,0 0 0,10 0 0,-11 0 0,11 10 16,0-10-16,-10 0 0,0 0 0,0 0 0,10 0 0,0 0 0,-10 0 16,29 0-16,1 10 0,0-10 15,-30 0-15,9 0 0,1 0 0,10 0 0,10 0 16,-20 0-16,19 0 0,-29 0 0,10 0 0,0 0 0,0 0 15,-20 10-15,20-10 0,-1 0 0,1 0 0,0 0 0,-10 0 0,30 0 16,-30 0-16,9 0 0,61 0 16,-60 0-16,-1 0 0,-9 0 0,10 0 0,-10 0 0,0 0 0,10 0 15,0 0-15,10 0 0,-1 0 16,-19 0-16,20 0 0,-20 0 0,10 0 0,-10 0 0,10 0 0,-11 0 16,11 0-16,0 0 0,0 0 0,0 0 0,10 0 0,-11 0 0,1 0 15,0 0-15,10 0 0,-10 0 0,19 0 0,-19-10 0,10 10 0,-10 0 0,10 0 16,-11 0-16,11 0 0,-10 0 0,10 0 0,-10 0 0,9 0 0,-9 0 15,10 0-15,-10 0 0,0 0 0,10 0 0,29 0 0,-39 0 16,10 0-16,-10 0 0,-1 0 0,61 0 0,-41 0 16,-19 0-16,10 0 0,0 0 0,-10 0 15,9 0-15,-9 0 0,0 0 0,-10 0 0,10 10 0,0-10 16,0 0-16,-11 0 0,11 0 0,0 0 0,0 0 0,0 0 0,-10 0 0,10 0 16,-1 10-16,1-10 0,0 0 0,0 0 0,10 0 0,-10 0 0,-1 0 0,-9 0 15,10 0-15,20 10 0,-20-10 0,0 0 0,9 0 0,100 0 16,-119 0-16,10 0 0,20 0 0,-30 0 15,10 0-15,-1 0 0,1 0 0,10 0 0,-20 0 0,20 0 0,-10 0 0,-1 0 16,1 0-16,50 0 0,-50 0 0,39 9 16,-19-9-16,-10 0 0,9 0 0,1 0 15,-20 10-15,0-10 0,-1 0 0,1 0 0,0 0 0,0 0 0,0 0 16,0 0-16,-1 0 0,-9 0 0,0 0 0,20 0 0,-10 0 0,0 0 0,49 0 16,-59 0-16,10 0 0,69 0 15,-59 0-15,10 0 0,9 0 0,-9 0 16,49-10-16,-49 10 0,10 0 15,-1 0-15,-29-9 0,10 9 0,-10 0 0,0 0 0,9 0 0,-9 0 16,20 0-16,-10 0 0,-11 0 0,1 0 0,0-10 0,0 10 0,0 0 16,10 0-16,-11 0 0,1 0 0,0 0 0,0 0 0,0 0 0,0-10 0,-1 10 15,1 0-15,0 0 0,0 0 0,0 0 0,-10 0 0,10 0 16,-10-10-16,9 10 0,-9 0 0,30-10 0,-20 10 0,0 0 0,0 0 16,19 0-16,-29 0 0,10 0 0,0 0 0,29-20 15,-39 20-15,10-10 0,30 10 0,9-10 16,21 0-16,-41 0 0,-29 10 15,30-10-15,-20 10 0,0 0 0,0-10 0,-1 10 0,1 0 0,0-9 0,20 9 16,9-10-16,-29 10 0,0-10 0,-10 10 16,30 0-16,-20 0 0,-11 0 0,1 0 0,0 0 0,0-10 0,10 10 15,0 0-15,-10 0 0,10-10 0,-10 10 16,19 0-16,-19 0 0,0 0 0,0 0 0,0 0 16,0 0-16,0 0 0,0 0 0,0 0 15,0 0-15,0 0 0,-1 0 0,1 0 16,0 0-16,0 0 0,0 0 0,0 0 0,0 0 0,0 0 0,0 0 15,0 0-15,10 0 0,-10 0 0,9 0 0,-9 0 16,0 0-16,10 0 0,-10 0 0,10 0 0,10 0 16,-1 0-16,1 0 0,0 0 15,-10 0-15,-10 0 0,10 0 16,-11 0-16,1 0 16</inkml:trace>
+</inkml:ink>
 </file>
 
 <file path=ppt/notesMasters/notesMaster1.xml><?xml version="1.0" encoding="utf-8"?>
@@ -2800,7 +3219,7 @@
           <a:p>
             <a:fld id="{E80EA6F0-68EF-4AD6-9708-512C82E55428}" type="datetimeFigureOut">
               <a:rPr lang="es-MX" smtClean="0"/>
-              <a:t>23/03/2020</a:t>
+              <a:t>24/03/2020</a:t>
             </a:fld>
             <a:endParaRPr lang="es-MX"/>
           </a:p>
@@ -5957,13 +6376,7 @@
                           <a:rPr lang="en-US" sz="1600" b="0" i="1" smtClean="0">
                             <a:latin typeface="Cambria Math" panose="02040503050406030204" pitchFamily="18" charset="0"/>
                           </a:rPr>
-                          <m:t>+</m:t>
-                        </m:r>
-                        <m:r>
-                          <a:rPr lang="en-US" sz="1600" b="0" i="1" smtClean="0">
-                            <a:latin typeface="Cambria Math" panose="02040503050406030204" pitchFamily="18" charset="0"/>
-                          </a:rPr>
-                          <m:t>3</m:t>
+                          <m:t>+3</m:t>
                         </m:r>
                         <m:r>
                           <a:rPr lang="en-US" sz="1600" b="0" i="1" smtClean="0">
@@ -5975,13 +6388,7 @@
                           <a:rPr lang="en-US" sz="1600" b="0" i="1" smtClean="0">
                             <a:latin typeface="Cambria Math" panose="02040503050406030204" pitchFamily="18" charset="0"/>
                           </a:rPr>
-                          <m:t>+</m:t>
-                        </m:r>
-                        <m:r>
-                          <a:rPr lang="en-US" sz="1600" b="0" i="1" smtClean="0">
-                            <a:latin typeface="Cambria Math" panose="02040503050406030204" pitchFamily="18" charset="0"/>
-                          </a:rPr>
-                          <m:t>10</m:t>
+                          <m:t>+10</m:t>
                         </m:r>
                       </m:e>
                     </m:d>
@@ -6237,13 +6644,7 @@
                           <a:rPr lang="en-US" sz="1600" b="0" i="1" smtClean="0">
                             <a:latin typeface="Cambria Math" panose="02040503050406030204" pitchFamily="18" charset="0"/>
                           </a:rPr>
-                          <m:t>+</m:t>
-                        </m:r>
-                        <m:r>
-                          <a:rPr lang="en-US" sz="1600" b="0" i="1" smtClean="0">
-                            <a:latin typeface="Cambria Math" panose="02040503050406030204" pitchFamily="18" charset="0"/>
-                          </a:rPr>
-                          <m:t>9999</m:t>
+                          <m:t>+9999</m:t>
                         </m:r>
                         <m:r>
                           <a:rPr lang="en-US" sz="1600" i="1" smtClean="0">
@@ -11387,6 +11788,57 @@
           </a:p>
         </p:txBody>
       </p:sp>
+      <mc:AlternateContent xmlns:mc="http://schemas.openxmlformats.org/markup-compatibility/2006">
+        <mc:Choice xmlns:p14="http://schemas.microsoft.com/office/powerpoint/2010/main" Requires="p14">
+          <p:contentPart p14:bwMode="auto" r:id="rId2">
+            <p14:nvContentPartPr>
+              <p14:cNvPr id="6" name="Ink 5">
+                <a:extLst>
+                  <a:ext uri="{FF2B5EF4-FFF2-40B4-BE49-F238E27FC236}">
+                    <a16:creationId xmlns:a16="http://schemas.microsoft.com/office/drawing/2014/main" id="{401CF727-0099-442E-9AF1-C346DAA8DDFA}"/>
+                  </a:ext>
+                </a:extLst>
+              </p14:cNvPr>
+              <p14:cNvContentPartPr/>
+              <p14:nvPr/>
+            </p14:nvContentPartPr>
+            <p14:xfrm>
+              <a:off x="2203920" y="2346840"/>
+              <a:ext cx="4293720" cy="832320"/>
+            </p14:xfrm>
+          </p:contentPart>
+        </mc:Choice>
+        <mc:Fallback>
+          <p:pic>
+            <p:nvPicPr>
+              <p:cNvPr id="6" name="Ink 5">
+                <a:extLst>
+                  <a:ext uri="{FF2B5EF4-FFF2-40B4-BE49-F238E27FC236}">
+                    <a16:creationId xmlns:a16="http://schemas.microsoft.com/office/drawing/2014/main" id="{401CF727-0099-442E-9AF1-C346DAA8DDFA}"/>
+                  </a:ext>
+                </a:extLst>
+              </p:cNvPr>
+              <p:cNvPicPr/>
+              <p:nvPr/>
+            </p:nvPicPr>
+            <p:blipFill>
+              <a:blip r:embed="rId3"/>
+              <a:stretch>
+                <a:fillRect/>
+              </a:stretch>
+            </p:blipFill>
+            <p:spPr>
+              <a:xfrm>
+                <a:off x="2194560" y="2337480"/>
+                <a:ext cx="4312440" cy="851040"/>
+              </a:xfrm>
+              <a:prstGeom prst="rect">
+                <a:avLst/>
+              </a:prstGeom>
+            </p:spPr>
+          </p:pic>
+        </mc:Fallback>
+      </mc:AlternateContent>
     </p:spTree>
     <p:extLst>
       <p:ext uri="{BB962C8B-B14F-4D97-AF65-F5344CB8AC3E}">
@@ -13379,6 +13831,57 @@
               </a:p>
             </p:txBody>
           </p:sp>
+        </mc:Fallback>
+      </mc:AlternateContent>
+      <mc:AlternateContent xmlns:mc="http://schemas.openxmlformats.org/markup-compatibility/2006">
+        <mc:Choice xmlns:p14="http://schemas.microsoft.com/office/powerpoint/2010/main" Requires="p14">
+          <p:contentPart p14:bwMode="auto" r:id="rId3">
+            <p14:nvContentPartPr>
+              <p14:cNvPr id="5" name="Ink 4">
+                <a:extLst>
+                  <a:ext uri="{FF2B5EF4-FFF2-40B4-BE49-F238E27FC236}">
+                    <a16:creationId xmlns:a16="http://schemas.microsoft.com/office/drawing/2014/main" id="{3D79CEDB-7590-4DAE-93DE-B9A4D32DD929}"/>
+                  </a:ext>
+                </a:extLst>
+              </p14:cNvPr>
+              <p14:cNvContentPartPr/>
+              <p14:nvPr/>
+            </p14:nvContentPartPr>
+            <p14:xfrm>
+              <a:off x="314280" y="1293120"/>
+              <a:ext cx="8176320" cy="2989800"/>
+            </p14:xfrm>
+          </p:contentPart>
+        </mc:Choice>
+        <mc:Fallback>
+          <p:pic>
+            <p:nvPicPr>
+              <p:cNvPr id="5" name="Ink 4">
+                <a:extLst>
+                  <a:ext uri="{FF2B5EF4-FFF2-40B4-BE49-F238E27FC236}">
+                    <a16:creationId xmlns:a16="http://schemas.microsoft.com/office/drawing/2014/main" id="{3D79CEDB-7590-4DAE-93DE-B9A4D32DD929}"/>
+                  </a:ext>
+                </a:extLst>
+              </p:cNvPr>
+              <p:cNvPicPr/>
+              <p:nvPr/>
+            </p:nvPicPr>
+            <p:blipFill>
+              <a:blip r:embed="rId4"/>
+              <a:stretch>
+                <a:fillRect/>
+              </a:stretch>
+            </p:blipFill>
+            <p:spPr>
+              <a:xfrm>
+                <a:off x="304920" y="1283760"/>
+                <a:ext cx="8195040" cy="3008520"/>
+              </a:xfrm>
+              <a:prstGeom prst="rect">
+                <a:avLst/>
+              </a:prstGeom>
+            </p:spPr>
+          </p:pic>
         </mc:Fallback>
       </mc:AlternateContent>
     </p:spTree>
@@ -19065,6 +19568,57 @@
           </p:sp>
         </mc:Fallback>
       </mc:AlternateContent>
+      <mc:AlternateContent xmlns:mc="http://schemas.openxmlformats.org/markup-compatibility/2006">
+        <mc:Choice xmlns:p14="http://schemas.microsoft.com/office/powerpoint/2010/main" Requires="p14">
+          <p:contentPart p14:bwMode="auto" r:id="rId3">
+            <p14:nvContentPartPr>
+              <p14:cNvPr id="2" name="Ink 1">
+                <a:extLst>
+                  <a:ext uri="{FF2B5EF4-FFF2-40B4-BE49-F238E27FC236}">
+                    <a16:creationId xmlns:a16="http://schemas.microsoft.com/office/drawing/2014/main" id="{6F3EAAAD-3047-4C96-9453-E80E1E7B2E3B}"/>
+                  </a:ext>
+                </a:extLst>
+              </p14:cNvPr>
+              <p14:cNvContentPartPr/>
+              <p14:nvPr/>
+            </p14:nvContentPartPr>
+            <p14:xfrm>
+              <a:off x="1546560" y="839520"/>
+              <a:ext cx="4876200" cy="3675600"/>
+            </p14:xfrm>
+          </p:contentPart>
+        </mc:Choice>
+        <mc:Fallback>
+          <p:pic>
+            <p:nvPicPr>
+              <p:cNvPr id="2" name="Ink 1">
+                <a:extLst>
+                  <a:ext uri="{FF2B5EF4-FFF2-40B4-BE49-F238E27FC236}">
+                    <a16:creationId xmlns:a16="http://schemas.microsoft.com/office/drawing/2014/main" id="{6F3EAAAD-3047-4C96-9453-E80E1E7B2E3B}"/>
+                  </a:ext>
+                </a:extLst>
+              </p:cNvPr>
+              <p:cNvPicPr/>
+              <p:nvPr/>
+            </p:nvPicPr>
+            <p:blipFill>
+              <a:blip r:embed="rId4"/>
+              <a:stretch>
+                <a:fillRect/>
+              </a:stretch>
+            </p:blipFill>
+            <p:spPr>
+              <a:xfrm>
+                <a:off x="1537200" y="830160"/>
+                <a:ext cx="4894920" cy="3694320"/>
+              </a:xfrm>
+              <a:prstGeom prst="rect">
+                <a:avLst/>
+              </a:prstGeom>
+            </p:spPr>
+          </p:pic>
+        </mc:Fallback>
+      </mc:AlternateContent>
     </p:spTree>
     <p:extLst>
       <p:ext uri="{BB962C8B-B14F-4D97-AF65-F5344CB8AC3E}">
@@ -19161,6 +19715,57 @@
           </a:ln>
         </p:spPr>
       </p:pic>
+      <mc:AlternateContent xmlns:mc="http://schemas.openxmlformats.org/markup-compatibility/2006">
+        <mc:Choice xmlns:p14="http://schemas.microsoft.com/office/powerpoint/2010/main" Requires="p14">
+          <p:contentPart p14:bwMode="auto" r:id="rId4">
+            <p14:nvContentPartPr>
+              <p14:cNvPr id="2" name="Ink 1">
+                <a:extLst>
+                  <a:ext uri="{FF2B5EF4-FFF2-40B4-BE49-F238E27FC236}">
+                    <a16:creationId xmlns:a16="http://schemas.microsoft.com/office/drawing/2014/main" id="{2A373BF6-156F-4543-890E-A58A9077516C}"/>
+                  </a:ext>
+                </a:extLst>
+              </p14:cNvPr>
+              <p14:cNvContentPartPr/>
+              <p14:nvPr/>
+            </p14:nvContentPartPr>
+            <p14:xfrm>
+              <a:off x="1635840" y="360720"/>
+              <a:ext cx="6829920" cy="3875760"/>
+            </p14:xfrm>
+          </p:contentPart>
+        </mc:Choice>
+        <mc:Fallback>
+          <p:pic>
+            <p:nvPicPr>
+              <p:cNvPr id="2" name="Ink 1">
+                <a:extLst>
+                  <a:ext uri="{FF2B5EF4-FFF2-40B4-BE49-F238E27FC236}">
+                    <a16:creationId xmlns:a16="http://schemas.microsoft.com/office/drawing/2014/main" id="{2A373BF6-156F-4543-890E-A58A9077516C}"/>
+                  </a:ext>
+                </a:extLst>
+              </p:cNvPr>
+              <p:cNvPicPr/>
+              <p:nvPr/>
+            </p:nvPicPr>
+            <p:blipFill>
+              <a:blip r:embed="rId5"/>
+              <a:stretch>
+                <a:fillRect/>
+              </a:stretch>
+            </p:blipFill>
+            <p:spPr>
+              <a:xfrm>
+                <a:off x="1626480" y="351360"/>
+                <a:ext cx="6848640" cy="3894480"/>
+              </a:xfrm>
+              <a:prstGeom prst="rect">
+                <a:avLst/>
+              </a:prstGeom>
+            </p:spPr>
+          </p:pic>
+        </mc:Fallback>
+      </mc:AlternateContent>
     </p:spTree>
     <p:extLst>
       <p:ext uri="{BB962C8B-B14F-4D97-AF65-F5344CB8AC3E}">
@@ -19530,6 +20135,261 @@
           </a:p>
         </p:txBody>
       </p:sp>
+      <mc:AlternateContent xmlns:mc="http://schemas.openxmlformats.org/markup-compatibility/2006">
+        <mc:Choice xmlns:p14="http://schemas.microsoft.com/office/powerpoint/2010/main" Requires="p14">
+          <p:contentPart p14:bwMode="auto" r:id="rId3">
+            <p14:nvContentPartPr>
+              <p14:cNvPr id="2" name="Ink 1">
+                <a:extLst>
+                  <a:ext uri="{FF2B5EF4-FFF2-40B4-BE49-F238E27FC236}">
+                    <a16:creationId xmlns:a16="http://schemas.microsoft.com/office/drawing/2014/main" id="{132C76F0-50DF-4592-923F-13125040DFB5}"/>
+                  </a:ext>
+                </a:extLst>
+              </p14:cNvPr>
+              <p14:cNvContentPartPr/>
+              <p14:nvPr/>
+            </p14:nvContentPartPr>
+            <p14:xfrm>
+              <a:off x="132120" y="4193280"/>
+              <a:ext cx="3179520" cy="32760"/>
+            </p14:xfrm>
+          </p:contentPart>
+        </mc:Choice>
+        <mc:Fallback>
+          <p:pic>
+            <p:nvPicPr>
+              <p:cNvPr id="2" name="Ink 1">
+                <a:extLst>
+                  <a:ext uri="{FF2B5EF4-FFF2-40B4-BE49-F238E27FC236}">
+                    <a16:creationId xmlns:a16="http://schemas.microsoft.com/office/drawing/2014/main" id="{132C76F0-50DF-4592-923F-13125040DFB5}"/>
+                  </a:ext>
+                </a:extLst>
+              </p:cNvPr>
+              <p:cNvPicPr/>
+              <p:nvPr/>
+            </p:nvPicPr>
+            <p:blipFill>
+              <a:blip r:embed="rId4"/>
+              <a:stretch>
+                <a:fillRect/>
+              </a:stretch>
+            </p:blipFill>
+            <p:spPr>
+              <a:xfrm>
+                <a:off x="116280" y="4129920"/>
+                <a:ext cx="3210840" cy="159480"/>
+              </a:xfrm>
+              <a:prstGeom prst="rect">
+                <a:avLst/>
+              </a:prstGeom>
+            </p:spPr>
+          </p:pic>
+        </mc:Fallback>
+      </mc:AlternateContent>
+      <mc:AlternateContent xmlns:mc="http://schemas.openxmlformats.org/markup-compatibility/2006">
+        <mc:Choice xmlns:p14="http://schemas.microsoft.com/office/powerpoint/2010/main" Requires="p14">
+          <p:contentPart p14:bwMode="auto" r:id="rId5">
+            <p14:nvContentPartPr>
+              <p14:cNvPr id="3" name="Ink 2">
+                <a:extLst>
+                  <a:ext uri="{FF2B5EF4-FFF2-40B4-BE49-F238E27FC236}">
+                    <a16:creationId xmlns:a16="http://schemas.microsoft.com/office/drawing/2014/main" id="{EB1C25E7-EA1D-4EF7-B337-C4D84C6E3773}"/>
+                  </a:ext>
+                </a:extLst>
+              </p14:cNvPr>
+              <p14:cNvContentPartPr/>
+              <p14:nvPr/>
+            </p14:nvContentPartPr>
+            <p14:xfrm>
+              <a:off x="128520" y="4068360"/>
+              <a:ext cx="3286440" cy="132480"/>
+            </p14:xfrm>
+          </p:contentPart>
+        </mc:Choice>
+        <mc:Fallback>
+          <p:pic>
+            <p:nvPicPr>
+              <p:cNvPr id="3" name="Ink 2">
+                <a:extLst>
+                  <a:ext uri="{FF2B5EF4-FFF2-40B4-BE49-F238E27FC236}">
+                    <a16:creationId xmlns:a16="http://schemas.microsoft.com/office/drawing/2014/main" id="{EB1C25E7-EA1D-4EF7-B337-C4D84C6E3773}"/>
+                  </a:ext>
+                </a:extLst>
+              </p:cNvPr>
+              <p:cNvPicPr/>
+              <p:nvPr/>
+            </p:nvPicPr>
+            <p:blipFill>
+              <a:blip r:embed="rId6"/>
+              <a:stretch>
+                <a:fillRect/>
+              </a:stretch>
+            </p:blipFill>
+            <p:spPr>
+              <a:xfrm>
+                <a:off x="112680" y="4005000"/>
+                <a:ext cx="3317760" cy="259200"/>
+              </a:xfrm>
+              <a:prstGeom prst="rect">
+                <a:avLst/>
+              </a:prstGeom>
+            </p:spPr>
+          </p:pic>
+        </mc:Fallback>
+      </mc:AlternateContent>
+      <mc:AlternateContent xmlns:mc="http://schemas.openxmlformats.org/markup-compatibility/2006">
+        <mc:Choice xmlns:p14="http://schemas.microsoft.com/office/powerpoint/2010/main" Requires="p14">
+          <p:contentPart p14:bwMode="auto" r:id="rId7">
+            <p14:nvContentPartPr>
+              <p14:cNvPr id="4" name="Ink 3">
+                <a:extLst>
+                  <a:ext uri="{FF2B5EF4-FFF2-40B4-BE49-F238E27FC236}">
+                    <a16:creationId xmlns:a16="http://schemas.microsoft.com/office/drawing/2014/main" id="{AC6C4AB7-54C1-483D-8B85-3D97F01C5A40}"/>
+                  </a:ext>
+                </a:extLst>
+              </p14:cNvPr>
+              <p14:cNvContentPartPr/>
+              <p14:nvPr/>
+            </p14:nvContentPartPr>
+            <p14:xfrm>
+              <a:off x="-1321560" y="4286160"/>
+              <a:ext cx="4772520" cy="86040"/>
+            </p14:xfrm>
+          </p:contentPart>
+        </mc:Choice>
+        <mc:Fallback>
+          <p:pic>
+            <p:nvPicPr>
+              <p:cNvPr id="4" name="Ink 3">
+                <a:extLst>
+                  <a:ext uri="{FF2B5EF4-FFF2-40B4-BE49-F238E27FC236}">
+                    <a16:creationId xmlns:a16="http://schemas.microsoft.com/office/drawing/2014/main" id="{AC6C4AB7-54C1-483D-8B85-3D97F01C5A40}"/>
+                  </a:ext>
+                </a:extLst>
+              </p:cNvPr>
+              <p:cNvPicPr/>
+              <p:nvPr/>
+            </p:nvPicPr>
+            <p:blipFill>
+              <a:blip r:embed="rId8"/>
+              <a:stretch>
+                <a:fillRect/>
+              </a:stretch>
+            </p:blipFill>
+            <p:spPr>
+              <a:xfrm>
+                <a:off x="-1337400" y="4222800"/>
+                <a:ext cx="4803840" cy="212760"/>
+              </a:xfrm>
+              <a:prstGeom prst="rect">
+                <a:avLst/>
+              </a:prstGeom>
+            </p:spPr>
+          </p:pic>
+        </mc:Fallback>
+      </mc:AlternateContent>
+      <mc:AlternateContent xmlns:mc="http://schemas.openxmlformats.org/markup-compatibility/2006">
+        <mc:Choice xmlns:p14="http://schemas.microsoft.com/office/powerpoint/2010/main" Requires="p14">
+          <p:contentPart p14:bwMode="auto" r:id="rId9">
+            <p14:nvContentPartPr>
+              <p14:cNvPr id="5" name="Ink 4">
+                <a:extLst>
+                  <a:ext uri="{FF2B5EF4-FFF2-40B4-BE49-F238E27FC236}">
+                    <a16:creationId xmlns:a16="http://schemas.microsoft.com/office/drawing/2014/main" id="{71F2BE8B-25F7-4EC9-AC7A-F3592806ADAC}"/>
+                  </a:ext>
+                </a:extLst>
+              </p14:cNvPr>
+              <p14:cNvContentPartPr/>
+              <p14:nvPr/>
+            </p14:nvContentPartPr>
+            <p14:xfrm>
+              <a:off x="1703880" y="4239720"/>
+              <a:ext cx="1739880" cy="68400"/>
+            </p14:xfrm>
+          </p:contentPart>
+        </mc:Choice>
+        <mc:Fallback>
+          <p:pic>
+            <p:nvPicPr>
+              <p:cNvPr id="5" name="Ink 4">
+                <a:extLst>
+                  <a:ext uri="{FF2B5EF4-FFF2-40B4-BE49-F238E27FC236}">
+                    <a16:creationId xmlns:a16="http://schemas.microsoft.com/office/drawing/2014/main" id="{71F2BE8B-25F7-4EC9-AC7A-F3592806ADAC}"/>
+                  </a:ext>
+                </a:extLst>
+              </p:cNvPr>
+              <p:cNvPicPr/>
+              <p:nvPr/>
+            </p:nvPicPr>
+            <p:blipFill>
+              <a:blip r:embed="rId10"/>
+              <a:stretch>
+                <a:fillRect/>
+              </a:stretch>
+            </p:blipFill>
+            <p:spPr>
+              <a:xfrm>
+                <a:off x="1688040" y="4176360"/>
+                <a:ext cx="1771200" cy="195120"/>
+              </a:xfrm>
+              <a:prstGeom prst="rect">
+                <a:avLst/>
+              </a:prstGeom>
+            </p:spPr>
+          </p:pic>
+        </mc:Fallback>
+      </mc:AlternateContent>
+      <mc:AlternateContent xmlns:mc="http://schemas.openxmlformats.org/markup-compatibility/2006">
+        <mc:Choice xmlns:p14="http://schemas.microsoft.com/office/powerpoint/2010/main" Requires="p14">
+          <p:contentPart p14:bwMode="auto" r:id="rId11">
+            <p14:nvContentPartPr>
+              <p14:cNvPr id="6" name="Ink 5">
+                <a:extLst>
+                  <a:ext uri="{FF2B5EF4-FFF2-40B4-BE49-F238E27FC236}">
+                    <a16:creationId xmlns:a16="http://schemas.microsoft.com/office/drawing/2014/main" id="{5581D659-709E-4032-8F14-4DE8CFCDD098}"/>
+                  </a:ext>
+                </a:extLst>
+              </p14:cNvPr>
+              <p14:cNvContentPartPr/>
+              <p14:nvPr/>
+            </p14:nvContentPartPr>
+            <p14:xfrm>
+              <a:off x="-1193040" y="4304160"/>
+              <a:ext cx="4425840" cy="68040"/>
+            </p14:xfrm>
+          </p:contentPart>
+        </mc:Choice>
+        <mc:Fallback>
+          <p:pic>
+            <p:nvPicPr>
+              <p:cNvPr id="6" name="Ink 5">
+                <a:extLst>
+                  <a:ext uri="{FF2B5EF4-FFF2-40B4-BE49-F238E27FC236}">
+                    <a16:creationId xmlns:a16="http://schemas.microsoft.com/office/drawing/2014/main" id="{5581D659-709E-4032-8F14-4DE8CFCDD098}"/>
+                  </a:ext>
+                </a:extLst>
+              </p:cNvPr>
+              <p:cNvPicPr/>
+              <p:nvPr/>
+            </p:nvPicPr>
+            <p:blipFill>
+              <a:blip r:embed="rId12"/>
+              <a:stretch>
+                <a:fillRect/>
+              </a:stretch>
+            </p:blipFill>
+            <p:spPr>
+              <a:xfrm>
+                <a:off x="-1208880" y="4240800"/>
+                <a:ext cx="4457160" cy="194760"/>
+              </a:xfrm>
+              <a:prstGeom prst="rect">
+                <a:avLst/>
+              </a:prstGeom>
+            </p:spPr>
+          </p:pic>
+        </mc:Fallback>
+      </mc:AlternateContent>
     </p:spTree>
   </p:cSld>
   <p:clrMapOvr>
@@ -19871,6 +20731,108 @@
           </a:p>
         </p:txBody>
       </p:sp>
+      <mc:AlternateContent xmlns:mc="http://schemas.openxmlformats.org/markup-compatibility/2006">
+        <mc:Choice xmlns:p14="http://schemas.microsoft.com/office/powerpoint/2010/main" Requires="p14">
+          <p:contentPart p14:bwMode="auto" r:id="rId4">
+            <p14:nvContentPartPr>
+              <p14:cNvPr id="2" name="Ink 1">
+                <a:extLst>
+                  <a:ext uri="{FF2B5EF4-FFF2-40B4-BE49-F238E27FC236}">
+                    <a16:creationId xmlns:a16="http://schemas.microsoft.com/office/drawing/2014/main" id="{8B6F9842-F49B-45FD-B9ED-E9F2E2C6E263}"/>
+                  </a:ext>
+                </a:extLst>
+              </p14:cNvPr>
+              <p14:cNvContentPartPr/>
+              <p14:nvPr/>
+            </p14:nvContentPartPr>
+            <p14:xfrm>
+              <a:off x="3911400" y="2439720"/>
+              <a:ext cx="1436040" cy="378720"/>
+            </p14:xfrm>
+          </p:contentPart>
+        </mc:Choice>
+        <mc:Fallback>
+          <p:pic>
+            <p:nvPicPr>
+              <p:cNvPr id="2" name="Ink 1">
+                <a:extLst>
+                  <a:ext uri="{FF2B5EF4-FFF2-40B4-BE49-F238E27FC236}">
+                    <a16:creationId xmlns:a16="http://schemas.microsoft.com/office/drawing/2014/main" id="{8B6F9842-F49B-45FD-B9ED-E9F2E2C6E263}"/>
+                  </a:ext>
+                </a:extLst>
+              </p:cNvPr>
+              <p:cNvPicPr/>
+              <p:nvPr/>
+            </p:nvPicPr>
+            <p:blipFill>
+              <a:blip r:embed="rId5"/>
+              <a:stretch>
+                <a:fillRect/>
+              </a:stretch>
+            </p:blipFill>
+            <p:spPr>
+              <a:xfrm>
+                <a:off x="3895560" y="2376360"/>
+                <a:ext cx="1467360" cy="505440"/>
+              </a:xfrm>
+              <a:prstGeom prst="rect">
+                <a:avLst/>
+              </a:prstGeom>
+            </p:spPr>
+          </p:pic>
+        </mc:Fallback>
+      </mc:AlternateContent>
+      <mc:AlternateContent xmlns:mc="http://schemas.openxmlformats.org/markup-compatibility/2006">
+        <mc:Choice xmlns:p14="http://schemas.microsoft.com/office/powerpoint/2010/main" Requires="p14">
+          <p:contentPart p14:bwMode="auto" r:id="rId6">
+            <p14:nvContentPartPr>
+              <p14:cNvPr id="3" name="Ink 2">
+                <a:extLst>
+                  <a:ext uri="{FF2B5EF4-FFF2-40B4-BE49-F238E27FC236}">
+                    <a16:creationId xmlns:a16="http://schemas.microsoft.com/office/drawing/2014/main" id="{47124C1D-1AD8-4061-B3CA-63048508BD91}"/>
+                  </a:ext>
+                </a:extLst>
+              </p14:cNvPr>
+              <p14:cNvContentPartPr/>
+              <p14:nvPr/>
+            </p14:nvContentPartPr>
+            <p14:xfrm>
+              <a:off x="2910960" y="3725640"/>
+              <a:ext cx="2147040" cy="464400"/>
+            </p14:xfrm>
+          </p:contentPart>
+        </mc:Choice>
+        <mc:Fallback>
+          <p:pic>
+            <p:nvPicPr>
+              <p:cNvPr id="3" name="Ink 2">
+                <a:extLst>
+                  <a:ext uri="{FF2B5EF4-FFF2-40B4-BE49-F238E27FC236}">
+                    <a16:creationId xmlns:a16="http://schemas.microsoft.com/office/drawing/2014/main" id="{47124C1D-1AD8-4061-B3CA-63048508BD91}"/>
+                  </a:ext>
+                </a:extLst>
+              </p:cNvPr>
+              <p:cNvPicPr/>
+              <p:nvPr/>
+            </p:nvPicPr>
+            <p:blipFill>
+              <a:blip r:embed="rId7"/>
+              <a:stretch>
+                <a:fillRect/>
+              </a:stretch>
+            </p:blipFill>
+            <p:spPr>
+              <a:xfrm>
+                <a:off x="2895120" y="3662280"/>
+                <a:ext cx="2178360" cy="591120"/>
+              </a:xfrm>
+              <a:prstGeom prst="rect">
+                <a:avLst/>
+              </a:prstGeom>
+            </p:spPr>
+          </p:pic>
+        </mc:Fallback>
+      </mc:AlternateContent>
     </p:spTree>
   </p:cSld>
   <p:clrMapOvr>
